--- a/WhatIsdotNET/WhatIsdotNET.pptx
+++ b/WhatIsdotNET/WhatIsdotNET.pptx
@@ -7,6 +7,9 @@
   <p:notesMasterIdLst>
     <p:notesMasterId r:id="rId27"/>
   </p:notesMasterIdLst>
+  <p:handoutMasterIdLst>
+    <p:handoutMasterId r:id="rId28"/>
+  </p:handoutMasterIdLst>
   <p:sldIdLst>
     <p:sldId id="308" r:id="rId5"/>
     <p:sldId id="317" r:id="rId6"/>
@@ -6997,6 +7000,195 @@
 </dgm:styleDef>
 </file>
 
+<file path=ppt/handoutMasters/handoutMaster1.xml><?xml version="1.0" encoding="utf-8"?>
+<p:handoutMaster xmlns:a="http://schemas.openxmlformats.org/drawingml/2006/main" xmlns:r="http://schemas.openxmlformats.org/officeDocument/2006/relationships" xmlns:p="http://schemas.openxmlformats.org/presentationml/2006/main">
+  <p:cSld>
+    <p:bg>
+      <p:bgRef idx="1001">
+        <a:schemeClr val="bg1"/>
+      </p:bgRef>
+    </p:bg>
+    <p:spTree>
+      <p:nvGrpSpPr>
+        <p:cNvPr id="1" name=""/>
+        <p:cNvGrpSpPr/>
+        <p:nvPr/>
+      </p:nvGrpSpPr>
+      <p:grpSpPr>
+        <a:xfrm>
+          <a:off x="0" y="0"/>
+          <a:ext cx="0" cy="0"/>
+          <a:chOff x="0" y="0"/>
+          <a:chExt cx="0" cy="0"/>
+        </a:xfrm>
+      </p:grpSpPr>
+      <p:sp>
+        <p:nvSpPr>
+          <p:cNvPr id="2" name="Header Placeholder 1">
+            <a:extLst>
+              <a:ext uri="{FF2B5EF4-FFF2-40B4-BE49-F238E27FC236}">
+                <a16:creationId xmlns:a16="http://schemas.microsoft.com/office/drawing/2014/main" id="{FB109183-6A97-499C-A537-A98260FD926B}"/>
+              </a:ext>
+            </a:extLst>
+          </p:cNvPr>
+          <p:cNvSpPr>
+            <a:spLocks noGrp="1"/>
+          </p:cNvSpPr>
+          <p:nvPr>
+            <p:ph type="hdr" sz="quarter"/>
+          </p:nvPr>
+        </p:nvSpPr>
+        <p:spPr>
+          <a:xfrm>
+            <a:off x="0" y="0"/>
+            <a:ext cx="3170238" cy="481013"/>
+          </a:xfrm>
+          <a:prstGeom prst="rect">
+            <a:avLst/>
+          </a:prstGeom>
+        </p:spPr>
+        <p:txBody>
+          <a:bodyPr vert="horz" lIns="91440" tIns="45720" rIns="91440" bIns="45720" rtlCol="0"/>
+          <a:lstStyle>
+            <a:lvl1pPr algn="l">
+              <a:defRPr sz="1200"/>
+            </a:lvl1pPr>
+          </a:lstStyle>
+          <a:p>
+            <a:endParaRPr lang="en-US"/>
+          </a:p>
+        </p:txBody>
+      </p:sp>
+      <p:sp>
+        <p:nvSpPr>
+          <p:cNvPr id="3" name="Date Placeholder 2">
+            <a:extLst>
+              <a:ext uri="{FF2B5EF4-FFF2-40B4-BE49-F238E27FC236}">
+                <a16:creationId xmlns:a16="http://schemas.microsoft.com/office/drawing/2014/main" id="{8B7B27EE-C43D-48BC-BE7F-8AA923ADF511}"/>
+              </a:ext>
+            </a:extLst>
+          </p:cNvPr>
+          <p:cNvSpPr>
+            <a:spLocks noGrp="1"/>
+          </p:cNvSpPr>
+          <p:nvPr>
+            <p:ph type="dt" sz="quarter" idx="1"/>
+          </p:nvPr>
+        </p:nvSpPr>
+        <p:spPr>
+          <a:xfrm>
+            <a:off x="4143375" y="0"/>
+            <a:ext cx="3170238" cy="481013"/>
+          </a:xfrm>
+          <a:prstGeom prst="rect">
+            <a:avLst/>
+          </a:prstGeom>
+        </p:spPr>
+        <p:txBody>
+          <a:bodyPr vert="horz" lIns="91440" tIns="45720" rIns="91440" bIns="45720" rtlCol="0"/>
+          <a:lstStyle>
+            <a:lvl1pPr algn="r">
+              <a:defRPr sz="1200"/>
+            </a:lvl1pPr>
+          </a:lstStyle>
+          <a:p>
+            <a:fld id="{6A4A805B-461C-4670-9402-81E801250286}" type="datetimeFigureOut">
+              <a:rPr lang="en-US" smtClean="0"/>
+              <a:t>3/20/2018</a:t>
+            </a:fld>
+            <a:endParaRPr lang="en-US"/>
+          </a:p>
+        </p:txBody>
+      </p:sp>
+      <p:sp>
+        <p:nvSpPr>
+          <p:cNvPr id="4" name="Footer Placeholder 3">
+            <a:extLst>
+              <a:ext uri="{FF2B5EF4-FFF2-40B4-BE49-F238E27FC236}">
+                <a16:creationId xmlns:a16="http://schemas.microsoft.com/office/drawing/2014/main" id="{ECE6E46E-E7C4-451B-8240-39427C18E875}"/>
+              </a:ext>
+            </a:extLst>
+          </p:cNvPr>
+          <p:cNvSpPr>
+            <a:spLocks noGrp="1"/>
+          </p:cNvSpPr>
+          <p:nvPr>
+            <p:ph type="ftr" sz="quarter" idx="2"/>
+          </p:nvPr>
+        </p:nvSpPr>
+        <p:spPr>
+          <a:xfrm>
+            <a:off x="0" y="9120188"/>
+            <a:ext cx="3170238" cy="481012"/>
+          </a:xfrm>
+          <a:prstGeom prst="rect">
+            <a:avLst/>
+          </a:prstGeom>
+        </p:spPr>
+        <p:txBody>
+          <a:bodyPr vert="horz" lIns="91440" tIns="45720" rIns="91440" bIns="45720" rtlCol="0" anchor="b"/>
+          <a:lstStyle>
+            <a:lvl1pPr algn="l">
+              <a:defRPr sz="1200"/>
+            </a:lvl1pPr>
+          </a:lstStyle>
+          <a:p>
+            <a:endParaRPr lang="en-US"/>
+          </a:p>
+        </p:txBody>
+      </p:sp>
+      <p:sp>
+        <p:nvSpPr>
+          <p:cNvPr id="5" name="Slide Number Placeholder 4">
+            <a:extLst>
+              <a:ext uri="{FF2B5EF4-FFF2-40B4-BE49-F238E27FC236}">
+                <a16:creationId xmlns:a16="http://schemas.microsoft.com/office/drawing/2014/main" id="{83B97971-52EE-4BDD-A93C-B1B507E4CC55}"/>
+              </a:ext>
+            </a:extLst>
+          </p:cNvPr>
+          <p:cNvSpPr>
+            <a:spLocks noGrp="1"/>
+          </p:cNvSpPr>
+          <p:nvPr>
+            <p:ph type="sldNum" sz="quarter" idx="3"/>
+          </p:nvPr>
+        </p:nvSpPr>
+        <p:spPr>
+          <a:xfrm>
+            <a:off x="4143375" y="9120188"/>
+            <a:ext cx="3170238" cy="481012"/>
+          </a:xfrm>
+          <a:prstGeom prst="rect">
+            <a:avLst/>
+          </a:prstGeom>
+        </p:spPr>
+        <p:txBody>
+          <a:bodyPr vert="horz" lIns="91440" tIns="45720" rIns="91440" bIns="45720" rtlCol="0" anchor="b"/>
+          <a:lstStyle>
+            <a:lvl1pPr algn="r">
+              <a:defRPr sz="1200"/>
+            </a:lvl1pPr>
+          </a:lstStyle>
+          <a:p>
+            <a:fld id="{BE7A608B-A52C-471B-B76C-638862CCF1D6}" type="slidenum">
+              <a:rPr lang="en-US" smtClean="0"/>
+              <a:t>‹#›</a:t>
+            </a:fld>
+            <a:endParaRPr lang="en-US"/>
+          </a:p>
+        </p:txBody>
+      </p:sp>
+    </p:spTree>
+    <p:extLst>
+      <p:ext uri="{BB962C8B-B14F-4D97-AF65-F5344CB8AC3E}">
+        <p14:creationId xmlns:p14="http://schemas.microsoft.com/office/powerpoint/2010/main" val="4237052554"/>
+      </p:ext>
+    </p:extLst>
+  </p:cSld>
+  <p:clrMap bg1="lt1" tx1="dk1" bg2="lt2" tx2="dk2" accent1="accent1" accent2="accent2" accent3="accent3" accent4="accent4" accent5="accent5" accent6="accent6" hlink="hlink" folHlink="folHlink"/>
+</p:handoutMaster>
+</file>
+
 <file path=ppt/notesMasters/notesMaster1.xml><?xml version="1.0" encoding="utf-8"?>
 <p:notesMaster xmlns:a="http://schemas.openxmlformats.org/drawingml/2006/main" xmlns:r="http://schemas.openxmlformats.org/officeDocument/2006/relationships" xmlns:p="http://schemas.openxmlformats.org/presentationml/2006/main">
   <p:cSld>
@@ -7019,72 +7211,6 @@
           <a:chExt cx="0" cy="0"/>
         </a:xfrm>
       </p:grpSpPr>
-      <p:sp>
-        <p:nvSpPr>
-          <p:cNvPr id="2" name="Header Placeholder 1"/>
-          <p:cNvSpPr>
-            <a:spLocks noGrp="1"/>
-          </p:cNvSpPr>
-          <p:nvPr>
-            <p:ph type="hdr" sz="quarter"/>
-          </p:nvPr>
-        </p:nvSpPr>
-        <p:spPr>
-          <a:xfrm>
-            <a:off x="0" y="0"/>
-            <a:ext cx="3169920" cy="481727"/>
-          </a:xfrm>
-          <a:prstGeom prst="rect">
-            <a:avLst/>
-          </a:prstGeom>
-        </p:spPr>
-        <p:txBody>
-          <a:bodyPr vert="horz" lIns="96661" tIns="48331" rIns="96661" bIns="48331" rtlCol="0"/>
-          <a:lstStyle>
-            <a:lvl1pPr algn="l">
-              <a:defRPr sz="1300"/>
-            </a:lvl1pPr>
-          </a:lstStyle>
-          <a:p>
-            <a:endParaRPr lang="en-US"/>
-          </a:p>
-        </p:txBody>
-      </p:sp>
-      <p:sp>
-        <p:nvSpPr>
-          <p:cNvPr id="3" name="Date Placeholder 2"/>
-          <p:cNvSpPr>
-            <a:spLocks noGrp="1"/>
-          </p:cNvSpPr>
-          <p:nvPr>
-            <p:ph type="dt" idx="1"/>
-          </p:nvPr>
-        </p:nvSpPr>
-        <p:spPr>
-          <a:xfrm>
-            <a:off x="4143587" y="0"/>
-            <a:ext cx="3169920" cy="481727"/>
-          </a:xfrm>
-          <a:prstGeom prst="rect">
-            <a:avLst/>
-          </a:prstGeom>
-        </p:spPr>
-        <p:txBody>
-          <a:bodyPr vert="horz" lIns="96661" tIns="48331" rIns="96661" bIns="48331" rtlCol="0"/>
-          <a:lstStyle>
-            <a:lvl1pPr algn="r">
-              <a:defRPr sz="1300"/>
-            </a:lvl1pPr>
-          </a:lstStyle>
-          <a:p>
-            <a:fld id="{18438622-0837-4E9E-A16C-0B0206CE676E}" type="datetimeFigureOut">
-              <a:rPr lang="en-US" smtClean="0"/>
-              <a:t>3/20/2018</a:t>
-            </a:fld>
-            <a:endParaRPr lang="en-US"/>
-          </a:p>
-        </p:txBody>
-      </p:sp>
       <p:sp>
         <p:nvSpPr>
           <p:cNvPr id="4" name="Slide Image Placeholder 3"/>
@@ -7179,37 +7305,6 @@
       </p:sp>
       <p:sp>
         <p:nvSpPr>
-          <p:cNvPr id="6" name="Footer Placeholder 5"/>
-          <p:cNvSpPr>
-            <a:spLocks noGrp="1"/>
-          </p:cNvSpPr>
-          <p:nvPr>
-            <p:ph type="ftr" sz="quarter" idx="4"/>
-          </p:nvPr>
-        </p:nvSpPr>
-        <p:spPr>
-          <a:xfrm>
-            <a:off x="0" y="9119474"/>
-            <a:ext cx="3169920" cy="481726"/>
-          </a:xfrm>
-          <a:prstGeom prst="rect">
-            <a:avLst/>
-          </a:prstGeom>
-        </p:spPr>
-        <p:txBody>
-          <a:bodyPr vert="horz" lIns="96661" tIns="48331" rIns="96661" bIns="48331" rtlCol="0" anchor="b"/>
-          <a:lstStyle>
-            <a:lvl1pPr algn="l">
-              <a:defRPr sz="1300"/>
-            </a:lvl1pPr>
-          </a:lstStyle>
-          <a:p>
-            <a:endParaRPr lang="en-US"/>
-          </a:p>
-        </p:txBody>
-      </p:sp>
-      <p:sp>
-        <p:nvSpPr>
           <p:cNvPr id="7" name="Slide Number Placeholder 6"/>
           <p:cNvSpPr>
             <a:spLocks noGrp="1"/>
@@ -7240,6 +7335,49 @@
               <a:t>‹#›</a:t>
             </a:fld>
             <a:endParaRPr lang="en-US"/>
+          </a:p>
+        </p:txBody>
+      </p:sp>
+      <p:sp>
+        <p:nvSpPr>
+          <p:cNvPr id="11" name="Header Placeholder 10">
+            <a:extLst>
+              <a:ext uri="{FF2B5EF4-FFF2-40B4-BE49-F238E27FC236}">
+                <a16:creationId xmlns:a16="http://schemas.microsoft.com/office/drawing/2014/main" id="{C6085E80-0CA6-429A-827F-050AA72B63D6}"/>
+              </a:ext>
+            </a:extLst>
+          </p:cNvPr>
+          <p:cNvSpPr>
+            <a:spLocks noGrp="1"/>
+          </p:cNvSpPr>
+          <p:nvPr>
+            <p:ph type="hdr" sz="quarter"/>
+          </p:nvPr>
+        </p:nvSpPr>
+        <p:spPr>
+          <a:xfrm>
+            <a:off x="0" y="0"/>
+            <a:ext cx="3170238" cy="481013"/>
+          </a:xfrm>
+          <a:prstGeom prst="rect">
+            <a:avLst/>
+          </a:prstGeom>
+        </p:spPr>
+        <p:txBody>
+          <a:bodyPr vert="horz" lIns="91440" tIns="45720" rIns="91440" bIns="45720" rtlCol="0"/>
+          <a:lstStyle>
+            <a:lvl1pPr algn="l">
+              <a:defRPr sz="1200"/>
+            </a:lvl1pPr>
+          </a:lstStyle>
+          <a:p>
+            <a:r>
+              <a:rPr lang="en-US" dirty="0"/>
+              <a:t>https://github.com/dotnet-presentations/home</a:t>
+            </a:r>
+          </a:p>
+          <a:p>
+            <a:endParaRPr lang="en-US" dirty="0"/>
           </a:p>
         </p:txBody>
       </p:sp>
@@ -7390,10 +7528,7 @@
           <a:bodyPr/>
           <a:lstStyle/>
           <a:p>
-            <a:r>
-              <a:rPr lang="en-US" dirty="0"/>
-              <a:t>So what is .NET?</a:t>
-            </a:r>
+            <a:endParaRPr lang="en-US" dirty="0"/>
           </a:p>
         </p:txBody>
       </p:sp>
@@ -7433,6 +7568,49 @@
               </a:solidFill>
               <a:latin typeface="Calibri" panose="020F0502020204030204"/>
             </a:endParaRPr>
+          </a:p>
+        </p:txBody>
+      </p:sp>
+      <p:sp>
+        <p:nvSpPr>
+          <p:cNvPr id="8" name="Header Placeholder 10">
+            <a:extLst>
+              <a:ext uri="{FF2B5EF4-FFF2-40B4-BE49-F238E27FC236}">
+                <a16:creationId xmlns:a16="http://schemas.microsoft.com/office/drawing/2014/main" id="{2D783C66-F127-46DC-9F52-CFBF74E00FBD}"/>
+              </a:ext>
+            </a:extLst>
+          </p:cNvPr>
+          <p:cNvSpPr>
+            <a:spLocks noGrp="1"/>
+          </p:cNvSpPr>
+          <p:nvPr>
+            <p:ph type="hdr" sz="quarter"/>
+          </p:nvPr>
+        </p:nvSpPr>
+        <p:spPr>
+          <a:xfrm>
+            <a:off x="0" y="0"/>
+            <a:ext cx="3170238" cy="481013"/>
+          </a:xfrm>
+          <a:prstGeom prst="rect">
+            <a:avLst/>
+          </a:prstGeom>
+        </p:spPr>
+        <p:txBody>
+          <a:bodyPr vert="horz" lIns="91440" tIns="45720" rIns="91440" bIns="45720" rtlCol="0"/>
+          <a:lstStyle>
+            <a:lvl1pPr algn="l">
+              <a:defRPr sz="1200"/>
+            </a:lvl1pPr>
+          </a:lstStyle>
+          <a:p>
+            <a:r>
+              <a:rPr lang="en-US" dirty="0"/>
+              <a:t>https://github.com/dotnet-presentations/home</a:t>
+            </a:r>
+          </a:p>
+          <a:p>
+            <a:endParaRPr lang="en-US" dirty="0"/>
           </a:p>
         </p:txBody>
       </p:sp>
@@ -7520,115 +7698,6 @@
       </p:sp>
       <p:sp>
         <p:nvSpPr>
-          <p:cNvPr id="4" name="Header Placeholder 3"/>
-          <p:cNvSpPr>
-            <a:spLocks noGrp="1"/>
-          </p:cNvSpPr>
-          <p:nvPr>
-            <p:ph type="hdr" sz="quarter" idx="10"/>
-          </p:nvPr>
-        </p:nvSpPr>
-        <p:spPr/>
-        <p:txBody>
-          <a:bodyPr/>
-          <a:lstStyle/>
-          <a:p>
-            <a:pPr defTabSz="1004735">
-              <a:defRPr/>
-            </a:pPr>
-            <a:r>
-              <a:rPr lang="en-US">
-                <a:solidFill>
-                  <a:prstClr val="black"/>
-                </a:solidFill>
-                <a:latin typeface="Calibri" panose="020F0502020204030204"/>
-              </a:rPr>
-              <a:t>Microsoft Connect 2016</a:t>
-            </a:r>
-          </a:p>
-        </p:txBody>
-      </p:sp>
-      <p:sp>
-        <p:nvSpPr>
-          <p:cNvPr id="5" name="Footer Placeholder 4"/>
-          <p:cNvSpPr>
-            <a:spLocks noGrp="1"/>
-          </p:cNvSpPr>
-          <p:nvPr>
-            <p:ph type="ftr" sz="quarter" idx="11"/>
-          </p:nvPr>
-        </p:nvSpPr>
-        <p:spPr/>
-        <p:txBody>
-          <a:bodyPr/>
-          <a:lstStyle/>
-          <a:p>
-            <a:pPr defTabSz="984654" eaLnBrk="0" hangingPunct="0">
-              <a:defRPr/>
-            </a:pPr>
-            <a:r>
-              <a:rPr lang="en-US" sz="400">
-                <a:gradFill>
-                  <a:gsLst>
-                    <a:gs pos="0">
-                      <a:prstClr val="black"/>
-                    </a:gs>
-                    <a:gs pos="100000">
-                      <a:prstClr val="black"/>
-                    </a:gs>
-                  </a:gsLst>
-                  <a:lin ang="5400000" scaled="0"/>
-                </a:gradFill>
-                <a:latin typeface="Segoe UI" pitchFamily="34" charset="0"/>
-                <a:ea typeface="Segoe UI" pitchFamily="34" charset="0"/>
-                <a:cs typeface="Segoe UI" pitchFamily="34" charset="0"/>
-              </a:rPr>
-              <a:t>© 2016 Microsoft Corporation. All rights reserved. MICROSOFT MAKES NO WARRANTIES, EXPRESS, IMPLIED OR STATUTORY, AS TO THE INFORMATION IN THIS PRESENTATION.</a:t>
-            </a:r>
-          </a:p>
-        </p:txBody>
-      </p:sp>
-      <p:sp>
-        <p:nvSpPr>
-          <p:cNvPr id="6" name="Date Placeholder 5"/>
-          <p:cNvSpPr>
-            <a:spLocks noGrp="1"/>
-          </p:cNvSpPr>
-          <p:nvPr>
-            <p:ph type="dt" idx="12"/>
-          </p:nvPr>
-        </p:nvSpPr>
-        <p:spPr/>
-        <p:txBody>
-          <a:bodyPr/>
-          <a:lstStyle/>
-          <a:p>
-            <a:pPr defTabSz="1004735">
-              <a:defRPr/>
-            </a:pPr>
-            <a:fld id="{38EEC551-8CDA-4EB6-89BB-2A86C9F091C8}" type="datetime8">
-              <a:rPr lang="en-US">
-                <a:solidFill>
-                  <a:prstClr val="black"/>
-                </a:solidFill>
-                <a:latin typeface="Calibri" panose="020F0502020204030204"/>
-              </a:rPr>
-              <a:pPr defTabSz="1004735">
-                <a:defRPr/>
-              </a:pPr>
-              <a:t>3/20/2018 4:22 PM</a:t>
-            </a:fld>
-            <a:endParaRPr lang="en-US">
-              <a:solidFill>
-                <a:prstClr val="black"/>
-              </a:solidFill>
-              <a:latin typeface="Calibri" panose="020F0502020204030204"/>
-            </a:endParaRPr>
-          </a:p>
-        </p:txBody>
-      </p:sp>
-      <p:sp>
-        <p:nvSpPr>
           <p:cNvPr id="7" name="Slide Number Placeholder 6"/>
           <p:cNvSpPr>
             <a:spLocks noGrp="1"/>
@@ -7663,6 +7732,49 @@
               </a:solidFill>
               <a:latin typeface="Calibri" panose="020F0502020204030204"/>
             </a:endParaRPr>
+          </a:p>
+        </p:txBody>
+      </p:sp>
+      <p:sp>
+        <p:nvSpPr>
+          <p:cNvPr id="8" name="Header Placeholder 10">
+            <a:extLst>
+              <a:ext uri="{FF2B5EF4-FFF2-40B4-BE49-F238E27FC236}">
+                <a16:creationId xmlns:a16="http://schemas.microsoft.com/office/drawing/2014/main" id="{BA0A9682-9551-48BB-9E1E-C3AFDBD64EEA}"/>
+              </a:ext>
+            </a:extLst>
+          </p:cNvPr>
+          <p:cNvSpPr>
+            <a:spLocks noGrp="1"/>
+          </p:cNvSpPr>
+          <p:nvPr>
+            <p:ph type="hdr" sz="quarter"/>
+          </p:nvPr>
+        </p:nvSpPr>
+        <p:spPr>
+          <a:xfrm>
+            <a:off x="0" y="0"/>
+            <a:ext cx="3170238" cy="481013"/>
+          </a:xfrm>
+          <a:prstGeom prst="rect">
+            <a:avLst/>
+          </a:prstGeom>
+        </p:spPr>
+        <p:txBody>
+          <a:bodyPr vert="horz" lIns="91440" tIns="45720" rIns="91440" bIns="45720" rtlCol="0"/>
+          <a:lstStyle>
+            <a:lvl1pPr algn="l">
+              <a:defRPr sz="1200"/>
+            </a:lvl1pPr>
+          </a:lstStyle>
+          <a:p>
+            <a:r>
+              <a:rPr lang="en-US" dirty="0"/>
+              <a:t>https://github.com/dotnet-presentations/home</a:t>
+            </a:r>
+          </a:p>
+          <a:p>
+            <a:endParaRPr lang="en-US" dirty="0"/>
           </a:p>
         </p:txBody>
       </p:sp>
@@ -7753,6 +7865,49 @@
           </a:p>
         </p:txBody>
       </p:sp>
+      <p:sp>
+        <p:nvSpPr>
+          <p:cNvPr id="5" name="Header Placeholder 10">
+            <a:extLst>
+              <a:ext uri="{FF2B5EF4-FFF2-40B4-BE49-F238E27FC236}">
+                <a16:creationId xmlns:a16="http://schemas.microsoft.com/office/drawing/2014/main" id="{B97ED9AE-6E82-4D32-9F42-74C22E074F0F}"/>
+              </a:ext>
+            </a:extLst>
+          </p:cNvPr>
+          <p:cNvSpPr>
+            <a:spLocks noGrp="1"/>
+          </p:cNvSpPr>
+          <p:nvPr>
+            <p:ph type="hdr" sz="quarter"/>
+          </p:nvPr>
+        </p:nvSpPr>
+        <p:spPr>
+          <a:xfrm>
+            <a:off x="0" y="0"/>
+            <a:ext cx="3170238" cy="481013"/>
+          </a:xfrm>
+          <a:prstGeom prst="rect">
+            <a:avLst/>
+          </a:prstGeom>
+        </p:spPr>
+        <p:txBody>
+          <a:bodyPr vert="horz" lIns="91440" tIns="45720" rIns="91440" bIns="45720" rtlCol="0"/>
+          <a:lstStyle>
+            <a:lvl1pPr algn="l">
+              <a:defRPr sz="1200"/>
+            </a:lvl1pPr>
+          </a:lstStyle>
+          <a:p>
+            <a:r>
+              <a:rPr lang="en-US" dirty="0"/>
+              <a:t>https://github.com/dotnet-presentations/home</a:t>
+            </a:r>
+          </a:p>
+          <a:p>
+            <a:endParaRPr lang="en-US" dirty="0"/>
+          </a:p>
+        </p:txBody>
+      </p:sp>
     </p:spTree>
     <p:extLst>
       <p:ext uri="{BB962C8B-B14F-4D97-AF65-F5344CB8AC3E}">
@@ -7819,115 +7974,6 @@
       </p:sp>
       <p:sp>
         <p:nvSpPr>
-          <p:cNvPr id="4" name="Header Placeholder 3"/>
-          <p:cNvSpPr>
-            <a:spLocks noGrp="1"/>
-          </p:cNvSpPr>
-          <p:nvPr>
-            <p:ph type="hdr" sz="quarter" idx="10"/>
-          </p:nvPr>
-        </p:nvSpPr>
-        <p:spPr/>
-        <p:txBody>
-          <a:bodyPr/>
-          <a:lstStyle/>
-          <a:p>
-            <a:pPr defTabSz="986002">
-              <a:defRPr/>
-            </a:pPr>
-            <a:r>
-              <a:rPr lang="en-US">
-                <a:solidFill>
-                  <a:prstClr val="black"/>
-                </a:solidFill>
-                <a:latin typeface="Segoe UI" pitchFamily="34" charset="0"/>
-              </a:rPr>
-              <a:t>Microsoft Build 2017</a:t>
-            </a:r>
-          </a:p>
-        </p:txBody>
-      </p:sp>
-      <p:sp>
-        <p:nvSpPr>
-          <p:cNvPr id="5" name="Footer Placeholder 4"/>
-          <p:cNvSpPr>
-            <a:spLocks noGrp="1"/>
-          </p:cNvSpPr>
-          <p:nvPr>
-            <p:ph type="ftr" sz="quarter" idx="11"/>
-          </p:nvPr>
-        </p:nvSpPr>
-        <p:spPr/>
-        <p:txBody>
-          <a:bodyPr/>
-          <a:lstStyle/>
-          <a:p>
-            <a:pPr marL="604133" defTabSz="966294" eaLnBrk="0" hangingPunct="0">
-              <a:defRPr/>
-            </a:pPr>
-            <a:r>
-              <a:rPr lang="en-US" sz="400">
-                <a:gradFill>
-                  <a:gsLst>
-                    <a:gs pos="0">
-                      <a:prstClr val="black"/>
-                    </a:gs>
-                    <a:gs pos="100000">
-                      <a:prstClr val="black"/>
-                    </a:gs>
-                  </a:gsLst>
-                  <a:lin ang="5400000" scaled="0"/>
-                </a:gradFill>
-                <a:latin typeface="Segoe UI" pitchFamily="34" charset="0"/>
-                <a:ea typeface="Segoe UI" pitchFamily="34" charset="0"/>
-                <a:cs typeface="Segoe UI" pitchFamily="34" charset="0"/>
-              </a:rPr>
-              <a:t>© Microsoft Corporation. All rights reserved. MICROSOFT MAKES NO WARRANTIES, EXPRESS, IMPLIED OR STATUTORY, AS TO THE INFORMATION IN THIS PRESENTATION.</a:t>
-            </a:r>
-          </a:p>
-        </p:txBody>
-      </p:sp>
-      <p:sp>
-        <p:nvSpPr>
-          <p:cNvPr id="6" name="Date Placeholder 5"/>
-          <p:cNvSpPr>
-            <a:spLocks noGrp="1"/>
-          </p:cNvSpPr>
-          <p:nvPr>
-            <p:ph type="dt" idx="12"/>
-          </p:nvPr>
-        </p:nvSpPr>
-        <p:spPr/>
-        <p:txBody>
-          <a:bodyPr/>
-          <a:lstStyle/>
-          <a:p>
-            <a:pPr defTabSz="986002">
-              <a:defRPr/>
-            </a:pPr>
-            <a:fld id="{D18B56EA-E28F-4F92-9F16-7A6F2501B303}" type="datetime8">
-              <a:rPr lang="en-US">
-                <a:solidFill>
-                  <a:prstClr val="black"/>
-                </a:solidFill>
-                <a:latin typeface="Segoe UI" pitchFamily="34" charset="0"/>
-              </a:rPr>
-              <a:pPr defTabSz="986002">
-                <a:defRPr/>
-              </a:pPr>
-              <a:t>3/20/2018 4:22 PM</a:t>
-            </a:fld>
-            <a:endParaRPr lang="en-US">
-              <a:solidFill>
-                <a:prstClr val="black"/>
-              </a:solidFill>
-              <a:latin typeface="Segoe UI" pitchFamily="34" charset="0"/>
-            </a:endParaRPr>
-          </a:p>
-        </p:txBody>
-      </p:sp>
-      <p:sp>
-        <p:nvSpPr>
           <p:cNvPr id="7" name="Slide Number Placeholder 6"/>
           <p:cNvSpPr>
             <a:spLocks noGrp="1"/>
@@ -7962,6 +8008,49 @@
               </a:solidFill>
               <a:latin typeface="Segoe UI" pitchFamily="34" charset="0"/>
             </a:endParaRPr>
+          </a:p>
+        </p:txBody>
+      </p:sp>
+      <p:sp>
+        <p:nvSpPr>
+          <p:cNvPr id="8" name="Header Placeholder 10">
+            <a:extLst>
+              <a:ext uri="{FF2B5EF4-FFF2-40B4-BE49-F238E27FC236}">
+                <a16:creationId xmlns:a16="http://schemas.microsoft.com/office/drawing/2014/main" id="{71E255AA-A44E-4218-B613-F704AC76BACB}"/>
+              </a:ext>
+            </a:extLst>
+          </p:cNvPr>
+          <p:cNvSpPr>
+            <a:spLocks noGrp="1"/>
+          </p:cNvSpPr>
+          <p:nvPr>
+            <p:ph type="hdr" sz="quarter"/>
+          </p:nvPr>
+        </p:nvSpPr>
+        <p:spPr>
+          <a:xfrm>
+            <a:off x="0" y="0"/>
+            <a:ext cx="3170238" cy="481013"/>
+          </a:xfrm>
+          <a:prstGeom prst="rect">
+            <a:avLst/>
+          </a:prstGeom>
+        </p:spPr>
+        <p:txBody>
+          <a:bodyPr vert="horz" lIns="91440" tIns="45720" rIns="91440" bIns="45720" rtlCol="0"/>
+          <a:lstStyle>
+            <a:lvl1pPr algn="l">
+              <a:defRPr sz="1200"/>
+            </a:lvl1pPr>
+          </a:lstStyle>
+          <a:p>
+            <a:r>
+              <a:rPr lang="en-US" dirty="0"/>
+              <a:t>https://github.com/dotnet-presentations/home</a:t>
+            </a:r>
+          </a:p>
+          <a:p>
+            <a:endParaRPr lang="en-US" dirty="0"/>
           </a:p>
         </p:txBody>
       </p:sp>
@@ -8068,6 +8157,49 @@
           </a:p>
         </p:txBody>
       </p:sp>
+      <p:sp>
+        <p:nvSpPr>
+          <p:cNvPr id="5" name="Header Placeholder 10">
+            <a:extLst>
+              <a:ext uri="{FF2B5EF4-FFF2-40B4-BE49-F238E27FC236}">
+                <a16:creationId xmlns:a16="http://schemas.microsoft.com/office/drawing/2014/main" id="{44AAF98E-DC76-4EA1-8AF6-30E24F8648DD}"/>
+              </a:ext>
+            </a:extLst>
+          </p:cNvPr>
+          <p:cNvSpPr>
+            <a:spLocks noGrp="1"/>
+          </p:cNvSpPr>
+          <p:nvPr>
+            <p:ph type="hdr" sz="quarter"/>
+          </p:nvPr>
+        </p:nvSpPr>
+        <p:spPr>
+          <a:xfrm>
+            <a:off x="0" y="0"/>
+            <a:ext cx="3170238" cy="481013"/>
+          </a:xfrm>
+          <a:prstGeom prst="rect">
+            <a:avLst/>
+          </a:prstGeom>
+        </p:spPr>
+        <p:txBody>
+          <a:bodyPr vert="horz" lIns="91440" tIns="45720" rIns="91440" bIns="45720" rtlCol="0"/>
+          <a:lstStyle>
+            <a:lvl1pPr algn="l">
+              <a:defRPr sz="1200"/>
+            </a:lvl1pPr>
+          </a:lstStyle>
+          <a:p>
+            <a:r>
+              <a:rPr lang="en-US" dirty="0"/>
+              <a:t>https://github.com/dotnet-presentations/home</a:t>
+            </a:r>
+          </a:p>
+          <a:p>
+            <a:endParaRPr lang="en-US" dirty="0"/>
+          </a:p>
+        </p:txBody>
+      </p:sp>
     </p:spTree>
     <p:extLst>
       <p:ext uri="{BB962C8B-B14F-4D97-AF65-F5344CB8AC3E}">
@@ -8165,6 +8297,49 @@
               </a:solidFill>
               <a:latin typeface="Calibri" panose="020F0502020204030204"/>
             </a:endParaRPr>
+          </a:p>
+        </p:txBody>
+      </p:sp>
+      <p:sp>
+        <p:nvSpPr>
+          <p:cNvPr id="5" name="Header Placeholder 10">
+            <a:extLst>
+              <a:ext uri="{FF2B5EF4-FFF2-40B4-BE49-F238E27FC236}">
+                <a16:creationId xmlns:a16="http://schemas.microsoft.com/office/drawing/2014/main" id="{DE65F77B-63D7-4180-9A8C-A9F24C269718}"/>
+              </a:ext>
+            </a:extLst>
+          </p:cNvPr>
+          <p:cNvSpPr>
+            <a:spLocks noGrp="1"/>
+          </p:cNvSpPr>
+          <p:nvPr>
+            <p:ph type="hdr" sz="quarter"/>
+          </p:nvPr>
+        </p:nvSpPr>
+        <p:spPr>
+          <a:xfrm>
+            <a:off x="0" y="0"/>
+            <a:ext cx="3170238" cy="481013"/>
+          </a:xfrm>
+          <a:prstGeom prst="rect">
+            <a:avLst/>
+          </a:prstGeom>
+        </p:spPr>
+        <p:txBody>
+          <a:bodyPr vert="horz" lIns="91440" tIns="45720" rIns="91440" bIns="45720" rtlCol="0"/>
+          <a:lstStyle>
+            <a:lvl1pPr algn="l">
+              <a:defRPr sz="1200"/>
+            </a:lvl1pPr>
+          </a:lstStyle>
+          <a:p>
+            <a:r>
+              <a:rPr lang="en-US" dirty="0"/>
+              <a:t>https://github.com/dotnet-presentations/home</a:t>
+            </a:r>
+          </a:p>
+          <a:p>
+            <a:endParaRPr lang="en-US" dirty="0"/>
           </a:p>
         </p:txBody>
       </p:sp>
@@ -8271,6 +8446,49 @@
           </a:p>
         </p:txBody>
       </p:sp>
+      <p:sp>
+        <p:nvSpPr>
+          <p:cNvPr id="5" name="Header Placeholder 10">
+            <a:extLst>
+              <a:ext uri="{FF2B5EF4-FFF2-40B4-BE49-F238E27FC236}">
+                <a16:creationId xmlns:a16="http://schemas.microsoft.com/office/drawing/2014/main" id="{913E86A2-2B63-443A-9F8D-ED5CE2E88FBC}"/>
+              </a:ext>
+            </a:extLst>
+          </p:cNvPr>
+          <p:cNvSpPr>
+            <a:spLocks noGrp="1"/>
+          </p:cNvSpPr>
+          <p:nvPr>
+            <p:ph type="hdr" sz="quarter"/>
+          </p:nvPr>
+        </p:nvSpPr>
+        <p:spPr>
+          <a:xfrm>
+            <a:off x="0" y="0"/>
+            <a:ext cx="3170238" cy="481013"/>
+          </a:xfrm>
+          <a:prstGeom prst="rect">
+            <a:avLst/>
+          </a:prstGeom>
+        </p:spPr>
+        <p:txBody>
+          <a:bodyPr vert="horz" lIns="91440" tIns="45720" rIns="91440" bIns="45720" rtlCol="0"/>
+          <a:lstStyle>
+            <a:lvl1pPr algn="l">
+              <a:defRPr sz="1200"/>
+            </a:lvl1pPr>
+          </a:lstStyle>
+          <a:p>
+            <a:r>
+              <a:rPr lang="en-US" dirty="0"/>
+              <a:t>https://github.com/dotnet-presentations/home</a:t>
+            </a:r>
+          </a:p>
+          <a:p>
+            <a:endParaRPr lang="en-US" dirty="0"/>
+          </a:p>
+        </p:txBody>
+      </p:sp>
     </p:spTree>
     <p:extLst>
       <p:ext uri="{BB962C8B-B14F-4D97-AF65-F5344CB8AC3E}">
@@ -8371,6 +8589,49 @@
               </a:solidFill>
               <a:latin typeface="Calibri" panose="020F0502020204030204"/>
             </a:endParaRPr>
+          </a:p>
+        </p:txBody>
+      </p:sp>
+      <p:sp>
+        <p:nvSpPr>
+          <p:cNvPr id="5" name="Header Placeholder 10">
+            <a:extLst>
+              <a:ext uri="{FF2B5EF4-FFF2-40B4-BE49-F238E27FC236}">
+                <a16:creationId xmlns:a16="http://schemas.microsoft.com/office/drawing/2014/main" id="{FC39B0B8-F1E0-4EB2-A799-4FA4D7F28B1E}"/>
+              </a:ext>
+            </a:extLst>
+          </p:cNvPr>
+          <p:cNvSpPr>
+            <a:spLocks noGrp="1"/>
+          </p:cNvSpPr>
+          <p:nvPr>
+            <p:ph type="hdr" sz="quarter"/>
+          </p:nvPr>
+        </p:nvSpPr>
+        <p:spPr>
+          <a:xfrm>
+            <a:off x="0" y="0"/>
+            <a:ext cx="3170238" cy="481013"/>
+          </a:xfrm>
+          <a:prstGeom prst="rect">
+            <a:avLst/>
+          </a:prstGeom>
+        </p:spPr>
+        <p:txBody>
+          <a:bodyPr vert="horz" lIns="91440" tIns="45720" rIns="91440" bIns="45720" rtlCol="0"/>
+          <a:lstStyle>
+            <a:lvl1pPr algn="l">
+              <a:defRPr sz="1200"/>
+            </a:lvl1pPr>
+          </a:lstStyle>
+          <a:p>
+            <a:r>
+              <a:rPr lang="en-US" dirty="0"/>
+              <a:t>https://github.com/dotnet-presentations/home</a:t>
+            </a:r>
+          </a:p>
+          <a:p>
+            <a:endParaRPr lang="en-US" dirty="0"/>
           </a:p>
         </p:txBody>
       </p:sp>
@@ -8512,6 +8773,49 @@
           </a:p>
         </p:txBody>
       </p:sp>
+      <p:sp>
+        <p:nvSpPr>
+          <p:cNvPr id="5" name="Header Placeholder 10">
+            <a:extLst>
+              <a:ext uri="{FF2B5EF4-FFF2-40B4-BE49-F238E27FC236}">
+                <a16:creationId xmlns:a16="http://schemas.microsoft.com/office/drawing/2014/main" id="{844CBA84-9978-4A47-9720-91A757AB5E8A}"/>
+              </a:ext>
+            </a:extLst>
+          </p:cNvPr>
+          <p:cNvSpPr>
+            <a:spLocks noGrp="1"/>
+          </p:cNvSpPr>
+          <p:nvPr>
+            <p:ph type="hdr" sz="quarter"/>
+          </p:nvPr>
+        </p:nvSpPr>
+        <p:spPr>
+          <a:xfrm>
+            <a:off x="0" y="0"/>
+            <a:ext cx="3170238" cy="481013"/>
+          </a:xfrm>
+          <a:prstGeom prst="rect">
+            <a:avLst/>
+          </a:prstGeom>
+        </p:spPr>
+        <p:txBody>
+          <a:bodyPr vert="horz" lIns="91440" tIns="45720" rIns="91440" bIns="45720" rtlCol="0"/>
+          <a:lstStyle>
+            <a:lvl1pPr algn="l">
+              <a:defRPr sz="1200"/>
+            </a:lvl1pPr>
+          </a:lstStyle>
+          <a:p>
+            <a:r>
+              <a:rPr lang="en-US" dirty="0"/>
+              <a:t>https://github.com/dotnet-presentations/home</a:t>
+            </a:r>
+          </a:p>
+          <a:p>
+            <a:endParaRPr lang="en-US" dirty="0"/>
+          </a:p>
+        </p:txBody>
+      </p:sp>
     </p:spTree>
     <p:extLst>
       <p:ext uri="{BB962C8B-B14F-4D97-AF65-F5344CB8AC3E}">
@@ -8596,6 +8900,49 @@
               <a:t>18</a:t>
             </a:fld>
             <a:endParaRPr lang="en-US"/>
+          </a:p>
+        </p:txBody>
+      </p:sp>
+      <p:sp>
+        <p:nvSpPr>
+          <p:cNvPr id="5" name="Header Placeholder 10">
+            <a:extLst>
+              <a:ext uri="{FF2B5EF4-FFF2-40B4-BE49-F238E27FC236}">
+                <a16:creationId xmlns:a16="http://schemas.microsoft.com/office/drawing/2014/main" id="{43AD052D-DF69-459D-86BF-623D5EA6F6A5}"/>
+              </a:ext>
+            </a:extLst>
+          </p:cNvPr>
+          <p:cNvSpPr>
+            <a:spLocks noGrp="1"/>
+          </p:cNvSpPr>
+          <p:nvPr>
+            <p:ph type="hdr" sz="quarter"/>
+          </p:nvPr>
+        </p:nvSpPr>
+        <p:spPr>
+          <a:xfrm>
+            <a:off x="0" y="0"/>
+            <a:ext cx="3170238" cy="481013"/>
+          </a:xfrm>
+          <a:prstGeom prst="rect">
+            <a:avLst/>
+          </a:prstGeom>
+        </p:spPr>
+        <p:txBody>
+          <a:bodyPr vert="horz" lIns="91440" tIns="45720" rIns="91440" bIns="45720" rtlCol="0"/>
+          <a:lstStyle>
+            <a:lvl1pPr algn="l">
+              <a:defRPr sz="1200"/>
+            </a:lvl1pPr>
+          </a:lstStyle>
+          <a:p>
+            <a:r>
+              <a:rPr lang="en-US" dirty="0"/>
+              <a:t>https://github.com/dotnet-presentations/home</a:t>
+            </a:r>
+          </a:p>
+          <a:p>
+            <a:endParaRPr lang="en-US" dirty="0"/>
           </a:p>
         </p:txBody>
       </p:sp>
@@ -8720,6 +9067,49 @@
           </a:p>
         </p:txBody>
       </p:sp>
+      <p:sp>
+        <p:nvSpPr>
+          <p:cNvPr id="5" name="Header Placeholder 10">
+            <a:extLst>
+              <a:ext uri="{FF2B5EF4-FFF2-40B4-BE49-F238E27FC236}">
+                <a16:creationId xmlns:a16="http://schemas.microsoft.com/office/drawing/2014/main" id="{389753A2-5F8A-4548-8AA2-356A80BBADBE}"/>
+              </a:ext>
+            </a:extLst>
+          </p:cNvPr>
+          <p:cNvSpPr>
+            <a:spLocks noGrp="1"/>
+          </p:cNvSpPr>
+          <p:nvPr>
+            <p:ph type="hdr" sz="quarter"/>
+          </p:nvPr>
+        </p:nvSpPr>
+        <p:spPr>
+          <a:xfrm>
+            <a:off x="0" y="0"/>
+            <a:ext cx="3170238" cy="481013"/>
+          </a:xfrm>
+          <a:prstGeom prst="rect">
+            <a:avLst/>
+          </a:prstGeom>
+        </p:spPr>
+        <p:txBody>
+          <a:bodyPr vert="horz" lIns="91440" tIns="45720" rIns="91440" bIns="45720" rtlCol="0"/>
+          <a:lstStyle>
+            <a:lvl1pPr algn="l">
+              <a:defRPr sz="1200"/>
+            </a:lvl1pPr>
+          </a:lstStyle>
+          <a:p>
+            <a:r>
+              <a:rPr lang="en-US" dirty="0"/>
+              <a:t>https://github.com/dotnet-presentations/home</a:t>
+            </a:r>
+          </a:p>
+          <a:p>
+            <a:endParaRPr lang="en-US" dirty="0"/>
+          </a:p>
+        </p:txBody>
+      </p:sp>
     </p:spTree>
     <p:extLst>
       <p:ext uri="{BB962C8B-B14F-4D97-AF65-F5344CB8AC3E}">
@@ -8777,7 +9167,10 @@
           <a:bodyPr/>
           <a:lstStyle/>
           <a:p>
-            <a:endParaRPr lang="en-US"/>
+            <a:r>
+              <a:rPr lang="en-US" dirty="0"/>
+              <a:t>So what is .NET?</a:t>
+            </a:r>
           </a:p>
         </p:txBody>
       </p:sp>
@@ -8893,6 +9286,49 @@
               <a:t>20</a:t>
             </a:fld>
             <a:endParaRPr lang="en-US"/>
+          </a:p>
+        </p:txBody>
+      </p:sp>
+      <p:sp>
+        <p:nvSpPr>
+          <p:cNvPr id="5" name="Header Placeholder 10">
+            <a:extLst>
+              <a:ext uri="{FF2B5EF4-FFF2-40B4-BE49-F238E27FC236}">
+                <a16:creationId xmlns:a16="http://schemas.microsoft.com/office/drawing/2014/main" id="{5DA3948D-156A-44E9-AF62-E5BCD2B66E49}"/>
+              </a:ext>
+            </a:extLst>
+          </p:cNvPr>
+          <p:cNvSpPr>
+            <a:spLocks noGrp="1"/>
+          </p:cNvSpPr>
+          <p:nvPr>
+            <p:ph type="hdr" sz="quarter"/>
+          </p:nvPr>
+        </p:nvSpPr>
+        <p:spPr>
+          <a:xfrm>
+            <a:off x="0" y="0"/>
+            <a:ext cx="3170238" cy="481013"/>
+          </a:xfrm>
+          <a:prstGeom prst="rect">
+            <a:avLst/>
+          </a:prstGeom>
+        </p:spPr>
+        <p:txBody>
+          <a:bodyPr vert="horz" lIns="91440" tIns="45720" rIns="91440" bIns="45720" rtlCol="0"/>
+          <a:lstStyle>
+            <a:lvl1pPr algn="l">
+              <a:defRPr sz="1200"/>
+            </a:lvl1pPr>
+          </a:lstStyle>
+          <a:p>
+            <a:r>
+              <a:rPr lang="en-US" dirty="0"/>
+              <a:t>https://github.com/dotnet-presentations/home</a:t>
+            </a:r>
+          </a:p>
+          <a:p>
+            <a:endParaRPr lang="en-US" dirty="0"/>
           </a:p>
         </p:txBody>
       </p:sp>
@@ -9101,6 +9537,49 @@
           </a:p>
         </p:txBody>
       </p:sp>
+      <p:sp>
+        <p:nvSpPr>
+          <p:cNvPr id="5" name="Header Placeholder 10">
+            <a:extLst>
+              <a:ext uri="{FF2B5EF4-FFF2-40B4-BE49-F238E27FC236}">
+                <a16:creationId xmlns:a16="http://schemas.microsoft.com/office/drawing/2014/main" id="{0B36E475-4515-40F9-9BE0-F39BF7F82595}"/>
+              </a:ext>
+            </a:extLst>
+          </p:cNvPr>
+          <p:cNvSpPr>
+            <a:spLocks noGrp="1"/>
+          </p:cNvSpPr>
+          <p:nvPr>
+            <p:ph type="hdr" sz="quarter"/>
+          </p:nvPr>
+        </p:nvSpPr>
+        <p:spPr>
+          <a:xfrm>
+            <a:off x="0" y="0"/>
+            <a:ext cx="3170238" cy="481013"/>
+          </a:xfrm>
+          <a:prstGeom prst="rect">
+            <a:avLst/>
+          </a:prstGeom>
+        </p:spPr>
+        <p:txBody>
+          <a:bodyPr vert="horz" lIns="91440" tIns="45720" rIns="91440" bIns="45720" rtlCol="0"/>
+          <a:lstStyle>
+            <a:lvl1pPr algn="l">
+              <a:defRPr sz="1200"/>
+            </a:lvl1pPr>
+          </a:lstStyle>
+          <a:p>
+            <a:r>
+              <a:rPr lang="en-US" dirty="0"/>
+              <a:t>https://github.com/dotnet-presentations/home</a:t>
+            </a:r>
+          </a:p>
+          <a:p>
+            <a:endParaRPr lang="en-US" dirty="0"/>
+          </a:p>
+        </p:txBody>
+      </p:sp>
     </p:spTree>
     <p:extLst>
       <p:ext uri="{BB962C8B-B14F-4D97-AF65-F5344CB8AC3E}">
@@ -9198,6 +9677,49 @@
               </a:solidFill>
               <a:latin typeface="Calibri" panose="020F0502020204030204"/>
             </a:endParaRPr>
+          </a:p>
+        </p:txBody>
+      </p:sp>
+      <p:sp>
+        <p:nvSpPr>
+          <p:cNvPr id="5" name="Header Placeholder 10">
+            <a:extLst>
+              <a:ext uri="{FF2B5EF4-FFF2-40B4-BE49-F238E27FC236}">
+                <a16:creationId xmlns:a16="http://schemas.microsoft.com/office/drawing/2014/main" id="{055E7980-2E48-42BA-84EE-13737B7BCA61}"/>
+              </a:ext>
+            </a:extLst>
+          </p:cNvPr>
+          <p:cNvSpPr>
+            <a:spLocks noGrp="1"/>
+          </p:cNvSpPr>
+          <p:nvPr>
+            <p:ph type="hdr" sz="quarter"/>
+          </p:nvPr>
+        </p:nvSpPr>
+        <p:spPr>
+          <a:xfrm>
+            <a:off x="0" y="0"/>
+            <a:ext cx="3170238" cy="481013"/>
+          </a:xfrm>
+          <a:prstGeom prst="rect">
+            <a:avLst/>
+          </a:prstGeom>
+        </p:spPr>
+        <p:txBody>
+          <a:bodyPr vert="horz" lIns="91440" tIns="45720" rIns="91440" bIns="45720" rtlCol="0"/>
+          <a:lstStyle>
+            <a:lvl1pPr algn="l">
+              <a:defRPr sz="1200"/>
+            </a:lvl1pPr>
+          </a:lstStyle>
+          <a:p>
+            <a:r>
+              <a:rPr lang="en-US" dirty="0"/>
+              <a:t>https://github.com/dotnet-presentations/home</a:t>
+            </a:r>
+          </a:p>
+          <a:p>
+            <a:endParaRPr lang="en-US" dirty="0"/>
           </a:p>
         </p:txBody>
       </p:sp>
@@ -9349,6 +9871,49 @@
           </a:p>
         </p:txBody>
       </p:sp>
+      <p:sp>
+        <p:nvSpPr>
+          <p:cNvPr id="5" name="Header Placeholder 10">
+            <a:extLst>
+              <a:ext uri="{FF2B5EF4-FFF2-40B4-BE49-F238E27FC236}">
+                <a16:creationId xmlns:a16="http://schemas.microsoft.com/office/drawing/2014/main" id="{AB5F594E-8458-4AE9-887A-9FBCC1B47156}"/>
+              </a:ext>
+            </a:extLst>
+          </p:cNvPr>
+          <p:cNvSpPr>
+            <a:spLocks noGrp="1"/>
+          </p:cNvSpPr>
+          <p:nvPr>
+            <p:ph type="hdr" sz="quarter"/>
+          </p:nvPr>
+        </p:nvSpPr>
+        <p:spPr>
+          <a:xfrm>
+            <a:off x="0" y="0"/>
+            <a:ext cx="3170238" cy="481013"/>
+          </a:xfrm>
+          <a:prstGeom prst="rect">
+            <a:avLst/>
+          </a:prstGeom>
+        </p:spPr>
+        <p:txBody>
+          <a:bodyPr vert="horz" lIns="91440" tIns="45720" rIns="91440" bIns="45720" rtlCol="0"/>
+          <a:lstStyle>
+            <a:lvl1pPr algn="l">
+              <a:defRPr sz="1200"/>
+            </a:lvl1pPr>
+          </a:lstStyle>
+          <a:p>
+            <a:r>
+              <a:rPr lang="en-US" dirty="0"/>
+              <a:t>https://github.com/dotnet-presentations/home</a:t>
+            </a:r>
+          </a:p>
+          <a:p>
+            <a:endParaRPr lang="en-US" dirty="0"/>
+          </a:p>
+        </p:txBody>
+      </p:sp>
     </p:spTree>
     <p:extLst>
       <p:ext uri="{BB962C8B-B14F-4D97-AF65-F5344CB8AC3E}">
@@ -9455,6 +10020,49 @@
           </a:p>
         </p:txBody>
       </p:sp>
+      <p:sp>
+        <p:nvSpPr>
+          <p:cNvPr id="5" name="Header Placeholder 10">
+            <a:extLst>
+              <a:ext uri="{FF2B5EF4-FFF2-40B4-BE49-F238E27FC236}">
+                <a16:creationId xmlns:a16="http://schemas.microsoft.com/office/drawing/2014/main" id="{A3570C16-3FD0-4809-9C21-C1C051908DAD}"/>
+              </a:ext>
+            </a:extLst>
+          </p:cNvPr>
+          <p:cNvSpPr>
+            <a:spLocks noGrp="1"/>
+          </p:cNvSpPr>
+          <p:nvPr>
+            <p:ph type="hdr" sz="quarter"/>
+          </p:nvPr>
+        </p:nvSpPr>
+        <p:spPr>
+          <a:xfrm>
+            <a:off x="0" y="0"/>
+            <a:ext cx="3170238" cy="481013"/>
+          </a:xfrm>
+          <a:prstGeom prst="rect">
+            <a:avLst/>
+          </a:prstGeom>
+        </p:spPr>
+        <p:txBody>
+          <a:bodyPr vert="horz" lIns="91440" tIns="45720" rIns="91440" bIns="45720" rtlCol="0"/>
+          <a:lstStyle>
+            <a:lvl1pPr algn="l">
+              <a:defRPr sz="1200"/>
+            </a:lvl1pPr>
+          </a:lstStyle>
+          <a:p>
+            <a:r>
+              <a:rPr lang="en-US" dirty="0"/>
+              <a:t>https://github.com/dotnet-presentations/home</a:t>
+            </a:r>
+          </a:p>
+          <a:p>
+            <a:endParaRPr lang="en-US" dirty="0"/>
+          </a:p>
+        </p:txBody>
+      </p:sp>
     </p:spTree>
     <p:extLst>
       <p:ext uri="{BB962C8B-B14F-4D97-AF65-F5344CB8AC3E}">
@@ -9558,6 +10166,49 @@
           </a:p>
         </p:txBody>
       </p:sp>
+      <p:sp>
+        <p:nvSpPr>
+          <p:cNvPr id="5" name="Header Placeholder 10">
+            <a:extLst>
+              <a:ext uri="{FF2B5EF4-FFF2-40B4-BE49-F238E27FC236}">
+                <a16:creationId xmlns:a16="http://schemas.microsoft.com/office/drawing/2014/main" id="{CC8F8E5F-1494-4846-8610-13C0DEFD496D}"/>
+              </a:ext>
+            </a:extLst>
+          </p:cNvPr>
+          <p:cNvSpPr>
+            <a:spLocks noGrp="1"/>
+          </p:cNvSpPr>
+          <p:nvPr>
+            <p:ph type="hdr" sz="quarter"/>
+          </p:nvPr>
+        </p:nvSpPr>
+        <p:spPr>
+          <a:xfrm>
+            <a:off x="0" y="0"/>
+            <a:ext cx="3170238" cy="481013"/>
+          </a:xfrm>
+          <a:prstGeom prst="rect">
+            <a:avLst/>
+          </a:prstGeom>
+        </p:spPr>
+        <p:txBody>
+          <a:bodyPr vert="horz" lIns="91440" tIns="45720" rIns="91440" bIns="45720" rtlCol="0"/>
+          <a:lstStyle>
+            <a:lvl1pPr algn="l">
+              <a:defRPr sz="1200"/>
+            </a:lvl1pPr>
+          </a:lstStyle>
+          <a:p>
+            <a:r>
+              <a:rPr lang="en-US" dirty="0"/>
+              <a:t>https://github.com/dotnet-presentations/home</a:t>
+            </a:r>
+          </a:p>
+          <a:p>
+            <a:endParaRPr lang="en-US" dirty="0"/>
+          </a:p>
+        </p:txBody>
+      </p:sp>
     </p:spTree>
     <p:extLst>
       <p:ext uri="{BB962C8B-B14F-4D97-AF65-F5344CB8AC3E}">
@@ -9639,112 +10290,6 @@
       </p:sp>
       <p:sp>
         <p:nvSpPr>
-          <p:cNvPr id="4" name="Header Placeholder 3"/>
-          <p:cNvSpPr>
-            <a:spLocks noGrp="1"/>
-          </p:cNvSpPr>
-          <p:nvPr>
-            <p:ph type="hdr" sz="quarter" idx="10"/>
-          </p:nvPr>
-        </p:nvSpPr>
-        <p:spPr/>
-        <p:txBody>
-          <a:bodyPr/>
-          <a:lstStyle/>
-          <a:p>
-            <a:pPr defTabSz="986002">
-              <a:defRPr/>
-            </a:pPr>
-            <a:endParaRPr lang="en-US">
-              <a:solidFill>
-                <a:prstClr val="black"/>
-              </a:solidFill>
-              <a:latin typeface="Segoe UI" pitchFamily="34" charset="0"/>
-            </a:endParaRPr>
-          </a:p>
-        </p:txBody>
-      </p:sp>
-      <p:sp>
-        <p:nvSpPr>
-          <p:cNvPr id="5" name="Footer Placeholder 4"/>
-          <p:cNvSpPr>
-            <a:spLocks noGrp="1"/>
-          </p:cNvSpPr>
-          <p:nvPr>
-            <p:ph type="ftr" sz="quarter" idx="11"/>
-          </p:nvPr>
-        </p:nvSpPr>
-        <p:spPr/>
-        <p:txBody>
-          <a:bodyPr/>
-          <a:lstStyle/>
-          <a:p>
-            <a:pPr marL="604133" defTabSz="966294" eaLnBrk="0" hangingPunct="0">
-              <a:defRPr/>
-            </a:pPr>
-            <a:r>
-              <a:rPr lang="en-US" sz="400">
-                <a:gradFill>
-                  <a:gsLst>
-                    <a:gs pos="0">
-                      <a:prstClr val="black"/>
-                    </a:gs>
-                    <a:gs pos="100000">
-                      <a:prstClr val="black"/>
-                    </a:gs>
-                  </a:gsLst>
-                  <a:lin ang="5400000" scaled="0"/>
-                </a:gradFill>
-                <a:latin typeface="Segoe UI" pitchFamily="34" charset="0"/>
-                <a:ea typeface="Segoe UI" pitchFamily="34" charset="0"/>
-                <a:cs typeface="Segoe UI" pitchFamily="34" charset="0"/>
-              </a:rPr>
-              <a:t>© Microsoft Corporation. All rights reserved. MICROSOFT MAKES NO WARRANTIES, EXPRESS, IMPLIED OR STATUTORY, AS TO THE INFORMATION IN THIS PRESENTATION.</a:t>
-            </a:r>
-          </a:p>
-        </p:txBody>
-      </p:sp>
-      <p:sp>
-        <p:nvSpPr>
-          <p:cNvPr id="6" name="Date Placeholder 5"/>
-          <p:cNvSpPr>
-            <a:spLocks noGrp="1"/>
-          </p:cNvSpPr>
-          <p:nvPr>
-            <p:ph type="dt" idx="12"/>
-          </p:nvPr>
-        </p:nvSpPr>
-        <p:spPr/>
-        <p:txBody>
-          <a:bodyPr/>
-          <a:lstStyle/>
-          <a:p>
-            <a:pPr defTabSz="986002">
-              <a:defRPr/>
-            </a:pPr>
-            <a:fld id="{D18B56EA-E28F-4F92-9F16-7A6F2501B303}" type="datetime8">
-              <a:rPr lang="en-US">
-                <a:solidFill>
-                  <a:prstClr val="black"/>
-                </a:solidFill>
-                <a:latin typeface="Segoe UI" pitchFamily="34" charset="0"/>
-              </a:rPr>
-              <a:pPr defTabSz="986002">
-                <a:defRPr/>
-              </a:pPr>
-              <a:t>3/20/2018 4:22 PM</a:t>
-            </a:fld>
-            <a:endParaRPr lang="en-US">
-              <a:solidFill>
-                <a:prstClr val="black"/>
-              </a:solidFill>
-              <a:latin typeface="Segoe UI" pitchFamily="34" charset="0"/>
-            </a:endParaRPr>
-          </a:p>
-        </p:txBody>
-      </p:sp>
-      <p:sp>
-        <p:nvSpPr>
           <p:cNvPr id="7" name="Slide Number Placeholder 6"/>
           <p:cNvSpPr>
             <a:spLocks noGrp="1"/>
@@ -9779,6 +10324,49 @@
               </a:solidFill>
               <a:latin typeface="Segoe UI" pitchFamily="34" charset="0"/>
             </a:endParaRPr>
+          </a:p>
+        </p:txBody>
+      </p:sp>
+      <p:sp>
+        <p:nvSpPr>
+          <p:cNvPr id="8" name="Header Placeholder 10">
+            <a:extLst>
+              <a:ext uri="{FF2B5EF4-FFF2-40B4-BE49-F238E27FC236}">
+                <a16:creationId xmlns:a16="http://schemas.microsoft.com/office/drawing/2014/main" id="{81DCCBF7-E7E2-42AD-8F8C-739556351B5D}"/>
+              </a:ext>
+            </a:extLst>
+          </p:cNvPr>
+          <p:cNvSpPr>
+            <a:spLocks noGrp="1"/>
+          </p:cNvSpPr>
+          <p:nvPr>
+            <p:ph type="hdr" sz="quarter"/>
+          </p:nvPr>
+        </p:nvSpPr>
+        <p:spPr>
+          <a:xfrm>
+            <a:off x="0" y="0"/>
+            <a:ext cx="3170238" cy="481013"/>
+          </a:xfrm>
+          <a:prstGeom prst="rect">
+            <a:avLst/>
+          </a:prstGeom>
+        </p:spPr>
+        <p:txBody>
+          <a:bodyPr vert="horz" lIns="91440" tIns="45720" rIns="91440" bIns="45720" rtlCol="0"/>
+          <a:lstStyle>
+            <a:lvl1pPr algn="l">
+              <a:defRPr sz="1200"/>
+            </a:lvl1pPr>
+          </a:lstStyle>
+          <a:p>
+            <a:r>
+              <a:rPr lang="en-US" dirty="0"/>
+              <a:t>https://github.com/dotnet-presentations/home</a:t>
+            </a:r>
+          </a:p>
+          <a:p>
+            <a:endParaRPr lang="en-US" dirty="0"/>
           </a:p>
         </p:txBody>
       </p:sp>
@@ -9888,112 +10476,6 @@
       </p:sp>
       <p:sp>
         <p:nvSpPr>
-          <p:cNvPr id="4" name="Header Placeholder 3"/>
-          <p:cNvSpPr>
-            <a:spLocks noGrp="1"/>
-          </p:cNvSpPr>
-          <p:nvPr>
-            <p:ph type="hdr" sz="quarter" idx="10"/>
-          </p:nvPr>
-        </p:nvSpPr>
-        <p:spPr/>
-        <p:txBody>
-          <a:bodyPr/>
-          <a:lstStyle/>
-          <a:p>
-            <a:pPr defTabSz="986002">
-              <a:defRPr/>
-            </a:pPr>
-            <a:endParaRPr lang="en-US">
-              <a:solidFill>
-                <a:prstClr val="black"/>
-              </a:solidFill>
-              <a:latin typeface="Segoe UI" pitchFamily="34" charset="0"/>
-            </a:endParaRPr>
-          </a:p>
-        </p:txBody>
-      </p:sp>
-      <p:sp>
-        <p:nvSpPr>
-          <p:cNvPr id="5" name="Footer Placeholder 4"/>
-          <p:cNvSpPr>
-            <a:spLocks noGrp="1"/>
-          </p:cNvSpPr>
-          <p:nvPr>
-            <p:ph type="ftr" sz="quarter" idx="11"/>
-          </p:nvPr>
-        </p:nvSpPr>
-        <p:spPr/>
-        <p:txBody>
-          <a:bodyPr/>
-          <a:lstStyle/>
-          <a:p>
-            <a:pPr marL="604133" defTabSz="966294" eaLnBrk="0" hangingPunct="0">
-              <a:defRPr/>
-            </a:pPr>
-            <a:r>
-              <a:rPr lang="en-US" sz="400">
-                <a:gradFill>
-                  <a:gsLst>
-                    <a:gs pos="0">
-                      <a:prstClr val="black"/>
-                    </a:gs>
-                    <a:gs pos="100000">
-                      <a:prstClr val="black"/>
-                    </a:gs>
-                  </a:gsLst>
-                  <a:lin ang="5400000" scaled="0"/>
-                </a:gradFill>
-                <a:latin typeface="Segoe UI" pitchFamily="34" charset="0"/>
-                <a:ea typeface="Segoe UI" pitchFamily="34" charset="0"/>
-                <a:cs typeface="Segoe UI" pitchFamily="34" charset="0"/>
-              </a:rPr>
-              <a:t>© Microsoft Corporation. All rights reserved. MICROSOFT MAKES NO WARRANTIES, EXPRESS, IMPLIED OR STATUTORY, AS TO THE INFORMATION IN THIS PRESENTATION.</a:t>
-            </a:r>
-          </a:p>
-        </p:txBody>
-      </p:sp>
-      <p:sp>
-        <p:nvSpPr>
-          <p:cNvPr id="6" name="Date Placeholder 5"/>
-          <p:cNvSpPr>
-            <a:spLocks noGrp="1"/>
-          </p:cNvSpPr>
-          <p:nvPr>
-            <p:ph type="dt" idx="12"/>
-          </p:nvPr>
-        </p:nvSpPr>
-        <p:spPr/>
-        <p:txBody>
-          <a:bodyPr/>
-          <a:lstStyle/>
-          <a:p>
-            <a:pPr defTabSz="986002">
-              <a:defRPr/>
-            </a:pPr>
-            <a:fld id="{D18B56EA-E28F-4F92-9F16-7A6F2501B303}" type="datetime8">
-              <a:rPr lang="en-US">
-                <a:solidFill>
-                  <a:prstClr val="black"/>
-                </a:solidFill>
-                <a:latin typeface="Segoe UI" pitchFamily="34" charset="0"/>
-              </a:rPr>
-              <a:pPr defTabSz="986002">
-                <a:defRPr/>
-              </a:pPr>
-              <a:t>3/20/2018 4:22 PM</a:t>
-            </a:fld>
-            <a:endParaRPr lang="en-US">
-              <a:solidFill>
-                <a:prstClr val="black"/>
-              </a:solidFill>
-              <a:latin typeface="Segoe UI" pitchFamily="34" charset="0"/>
-            </a:endParaRPr>
-          </a:p>
-        </p:txBody>
-      </p:sp>
-      <p:sp>
-        <p:nvSpPr>
           <p:cNvPr id="7" name="Slide Number Placeholder 6"/>
           <p:cNvSpPr>
             <a:spLocks noGrp="1"/>
@@ -10028,6 +10510,49 @@
               </a:solidFill>
               <a:latin typeface="Segoe UI" pitchFamily="34" charset="0"/>
             </a:endParaRPr>
+          </a:p>
+        </p:txBody>
+      </p:sp>
+      <p:sp>
+        <p:nvSpPr>
+          <p:cNvPr id="8" name="Header Placeholder 10">
+            <a:extLst>
+              <a:ext uri="{FF2B5EF4-FFF2-40B4-BE49-F238E27FC236}">
+                <a16:creationId xmlns:a16="http://schemas.microsoft.com/office/drawing/2014/main" id="{90CD7AC4-82E9-4367-8CA7-1036982E541A}"/>
+              </a:ext>
+            </a:extLst>
+          </p:cNvPr>
+          <p:cNvSpPr>
+            <a:spLocks noGrp="1"/>
+          </p:cNvSpPr>
+          <p:nvPr>
+            <p:ph type="hdr" sz="quarter"/>
+          </p:nvPr>
+        </p:nvSpPr>
+        <p:spPr>
+          <a:xfrm>
+            <a:off x="0" y="0"/>
+            <a:ext cx="3170238" cy="481013"/>
+          </a:xfrm>
+          <a:prstGeom prst="rect">
+            <a:avLst/>
+          </a:prstGeom>
+        </p:spPr>
+        <p:txBody>
+          <a:bodyPr vert="horz" lIns="91440" tIns="45720" rIns="91440" bIns="45720" rtlCol="0"/>
+          <a:lstStyle>
+            <a:lvl1pPr algn="l">
+              <a:defRPr sz="1200"/>
+            </a:lvl1pPr>
+          </a:lstStyle>
+          <a:p>
+            <a:r>
+              <a:rPr lang="en-US" dirty="0"/>
+              <a:t>https://github.com/dotnet-presentations/home</a:t>
+            </a:r>
+          </a:p>
+          <a:p>
+            <a:endParaRPr lang="en-US" dirty="0"/>
           </a:p>
         </p:txBody>
       </p:sp>
@@ -10194,6 +10719,49 @@
           </a:p>
         </p:txBody>
       </p:sp>
+      <p:sp>
+        <p:nvSpPr>
+          <p:cNvPr id="5" name="Header Placeholder 10">
+            <a:extLst>
+              <a:ext uri="{FF2B5EF4-FFF2-40B4-BE49-F238E27FC236}">
+                <a16:creationId xmlns:a16="http://schemas.microsoft.com/office/drawing/2014/main" id="{5D26D21F-3566-4A31-9CF4-64F7531D051C}"/>
+              </a:ext>
+            </a:extLst>
+          </p:cNvPr>
+          <p:cNvSpPr>
+            <a:spLocks noGrp="1"/>
+          </p:cNvSpPr>
+          <p:nvPr>
+            <p:ph type="hdr" sz="quarter"/>
+          </p:nvPr>
+        </p:nvSpPr>
+        <p:spPr>
+          <a:xfrm>
+            <a:off x="0" y="0"/>
+            <a:ext cx="3170238" cy="481013"/>
+          </a:xfrm>
+          <a:prstGeom prst="rect">
+            <a:avLst/>
+          </a:prstGeom>
+        </p:spPr>
+        <p:txBody>
+          <a:bodyPr vert="horz" lIns="91440" tIns="45720" rIns="91440" bIns="45720" rtlCol="0"/>
+          <a:lstStyle>
+            <a:lvl1pPr algn="l">
+              <a:defRPr sz="1200"/>
+            </a:lvl1pPr>
+          </a:lstStyle>
+          <a:p>
+            <a:r>
+              <a:rPr lang="en-US" dirty="0"/>
+              <a:t>https://github.com/dotnet-presentations/home</a:t>
+            </a:r>
+          </a:p>
+          <a:p>
+            <a:endParaRPr lang="en-US" dirty="0"/>
+          </a:p>
+        </p:txBody>
+      </p:sp>
     </p:spTree>
     <p:extLst>
       <p:ext uri="{BB962C8B-B14F-4D97-AF65-F5344CB8AC3E}">
@@ -10226,18 +10794,6 @@
       </p:grpSpPr>
       <p:sp>
         <p:nvSpPr>
-          <p:cNvPr id="2" name="Slide Image Placeholder 1"/>
-          <p:cNvSpPr>
-            <a:spLocks noGrp="1" noRot="1" noChangeAspect="1"/>
-          </p:cNvSpPr>
-          <p:nvPr>
-            <p:ph type="sldImg"/>
-          </p:nvPr>
-        </p:nvSpPr>
-        <p:spPr/>
-      </p:sp>
-      <p:sp>
-        <p:nvSpPr>
           <p:cNvPr id="3" name="Notes Placeholder 2"/>
           <p:cNvSpPr>
             <a:spLocks noGrp="1"/>
@@ -10246,7 +10802,12 @@
             <p:ph type="body" idx="1"/>
           </p:nvPr>
         </p:nvSpPr>
-        <p:spPr/>
+        <p:spPr>
+          <a:xfrm>
+            <a:off x="493295" y="4800600"/>
+            <a:ext cx="6352673" cy="2420938"/>
+          </a:xfrm>
+        </p:spPr>
         <p:txBody>
           <a:bodyPr/>
           <a:lstStyle/>
@@ -10295,7 +10856,7 @@
             <a:pPr defTabSz="966612">
               <a:defRPr/>
             </a:pPr>
-            <a:endParaRPr lang="en-US" b="0" baseline="0" dirty="0"/>
+            <a:endParaRPr lang="en-US" b="1" dirty="0"/>
           </a:p>
           <a:p>
             <a:pPr defTabSz="966612">
@@ -10401,7 +10962,7 @@
               <a:rPr lang="en-US" baseline="0" dirty="0"/>
               <a:t> Platform “Roslyn” as open source on stage. Later in November, .NET Core project begins in the open. The technology world is shocked, and the .NET community is excited. .NET Core is a new cloud-native implementation of .NET that is geared for cross-platform, hyper-scale services as well as small IoT devices. It’s meant to bring .NET into the next 15 years of computing. And the community has been extremely supportive.</a:t>
             </a:r>
-            <a:endParaRPr lang="en-US" dirty="0"/>
+            <a:endParaRPr lang="en-US" b="0" baseline="0" dirty="0"/>
           </a:p>
           <a:p>
             <a:pPr defTabSz="966612">
@@ -10434,7 +10995,7 @@
               <a:rPr lang="en-US" baseline="0" dirty="0"/>
               <a:t> early 2016, Microsoft finally acquires Xamarin and brings Miguel de Icaza into Developer Division. Mono joins the .NET foundation and is officially supported and contributed to by Microsoft. The Microsoft community officially meets the Mono community. </a:t>
             </a:r>
-            <a:endParaRPr lang="en-US" dirty="0"/>
+            <a:endParaRPr lang="en-US" b="0" baseline="0" dirty="0"/>
           </a:p>
           <a:p>
             <a:pPr defTabSz="966612">
@@ -10487,115 +11048,6 @@
       </p:sp>
       <p:sp>
         <p:nvSpPr>
-          <p:cNvPr id="4" name="Header Placeholder 3"/>
-          <p:cNvSpPr>
-            <a:spLocks noGrp="1"/>
-          </p:cNvSpPr>
-          <p:nvPr>
-            <p:ph type="hdr" sz="quarter" idx="10"/>
-          </p:nvPr>
-        </p:nvSpPr>
-        <p:spPr/>
-        <p:txBody>
-          <a:bodyPr/>
-          <a:lstStyle/>
-          <a:p>
-            <a:pPr defTabSz="966612">
-              <a:defRPr/>
-            </a:pPr>
-            <a:r>
-              <a:rPr lang="en-US">
-                <a:solidFill>
-                  <a:prstClr val="black"/>
-                </a:solidFill>
-                <a:latin typeface="Calibri" panose="020F0502020204030204"/>
-              </a:rPr>
-              <a:t>Microsoft Ignite 2016</a:t>
-            </a:r>
-          </a:p>
-        </p:txBody>
-      </p:sp>
-      <p:sp>
-        <p:nvSpPr>
-          <p:cNvPr id="5" name="Footer Placeholder 4"/>
-          <p:cNvSpPr>
-            <a:spLocks noGrp="1"/>
-          </p:cNvSpPr>
-          <p:nvPr>
-            <p:ph type="ftr" sz="quarter" idx="11"/>
-          </p:nvPr>
-        </p:nvSpPr>
-        <p:spPr/>
-        <p:txBody>
-          <a:bodyPr/>
-          <a:lstStyle/>
-          <a:p>
-            <a:pPr defTabSz="966294" eaLnBrk="0" hangingPunct="0">
-              <a:defRPr/>
-            </a:pPr>
-            <a:r>
-              <a:rPr lang="en-US" sz="400">
-                <a:gradFill>
-                  <a:gsLst>
-                    <a:gs pos="0">
-                      <a:prstClr val="black"/>
-                    </a:gs>
-                    <a:gs pos="100000">
-                      <a:prstClr val="black"/>
-                    </a:gs>
-                  </a:gsLst>
-                  <a:lin ang="5400000" scaled="0"/>
-                </a:gradFill>
-                <a:latin typeface="Segoe UI" pitchFamily="34" charset="0"/>
-                <a:ea typeface="Segoe UI" pitchFamily="34" charset="0"/>
-                <a:cs typeface="Segoe UI" pitchFamily="34" charset="0"/>
-              </a:rPr>
-              <a:t>© 2016 Microsoft Corporation. All rights reserved. MICROSOFT MAKES NO WARRANTIES, EXPRESS, IMPLIED OR STATUTORY, AS TO THE INFORMATION IN THIS PRESENTATION.</a:t>
-            </a:r>
-          </a:p>
-        </p:txBody>
-      </p:sp>
-      <p:sp>
-        <p:nvSpPr>
-          <p:cNvPr id="6" name="Date Placeholder 5"/>
-          <p:cNvSpPr>
-            <a:spLocks noGrp="1"/>
-          </p:cNvSpPr>
-          <p:nvPr>
-            <p:ph type="dt" idx="12"/>
-          </p:nvPr>
-        </p:nvSpPr>
-        <p:spPr/>
-        <p:txBody>
-          <a:bodyPr/>
-          <a:lstStyle/>
-          <a:p>
-            <a:pPr defTabSz="966612">
-              <a:defRPr/>
-            </a:pPr>
-            <a:fld id="{38EEC551-8CDA-4EB6-89BB-2A86C9F091C8}" type="datetime8">
-              <a:rPr lang="en-US">
-                <a:solidFill>
-                  <a:prstClr val="black"/>
-                </a:solidFill>
-                <a:latin typeface="Calibri" panose="020F0502020204030204"/>
-              </a:rPr>
-              <a:pPr defTabSz="966612">
-                <a:defRPr/>
-              </a:pPr>
-              <a:t>3/20/2018 4:22 PM</a:t>
-            </a:fld>
-            <a:endParaRPr lang="en-US">
-              <a:solidFill>
-                <a:prstClr val="black"/>
-              </a:solidFill>
-              <a:latin typeface="Calibri" panose="020F0502020204030204"/>
-            </a:endParaRPr>
-          </a:p>
-        </p:txBody>
-      </p:sp>
-      <p:sp>
-        <p:nvSpPr>
           <p:cNvPr id="7" name="Slide Number Placeholder 6"/>
           <p:cNvSpPr>
             <a:spLocks noGrp="1"/>
@@ -10604,7 +11056,12 @@
             <p:ph type="sldNum" sz="quarter" idx="13"/>
           </p:nvPr>
         </p:nvSpPr>
-        <p:spPr/>
+        <p:spPr>
+          <a:xfrm>
+            <a:off x="4144963" y="9120188"/>
+            <a:ext cx="3170237" cy="481012"/>
+          </a:xfrm>
+        </p:spPr>
         <p:txBody>
           <a:bodyPr/>
           <a:lstStyle/>
@@ -10624,12 +11081,73 @@
               </a:pPr>
               <a:t>9</a:t>
             </a:fld>
-            <a:endParaRPr lang="en-US">
+            <a:endParaRPr lang="en-US" dirty="0">
               <a:solidFill>
                 <a:prstClr val="black"/>
               </a:solidFill>
               <a:latin typeface="Calibri" panose="020F0502020204030204"/>
             </a:endParaRPr>
+          </a:p>
+        </p:txBody>
+      </p:sp>
+      <p:sp>
+        <p:nvSpPr>
+          <p:cNvPr id="8" name="Slide Image Placeholder 7">
+            <a:extLst>
+              <a:ext uri="{FF2B5EF4-FFF2-40B4-BE49-F238E27FC236}">
+                <a16:creationId xmlns:a16="http://schemas.microsoft.com/office/drawing/2014/main" id="{BCAF6593-53E3-40FD-8C5A-D856B8FADFB4}"/>
+              </a:ext>
+            </a:extLst>
+          </p:cNvPr>
+          <p:cNvSpPr>
+            <a:spLocks noGrp="1" noRot="1" noChangeAspect="1"/>
+          </p:cNvSpPr>
+          <p:nvPr>
+            <p:ph type="sldImg"/>
+          </p:nvPr>
+        </p:nvSpPr>
+        <p:spPr/>
+      </p:sp>
+      <p:sp>
+        <p:nvSpPr>
+          <p:cNvPr id="10" name="Header Placeholder 10">
+            <a:extLst>
+              <a:ext uri="{FF2B5EF4-FFF2-40B4-BE49-F238E27FC236}">
+                <a16:creationId xmlns:a16="http://schemas.microsoft.com/office/drawing/2014/main" id="{A3E9A547-A109-437E-9821-7A92FBEE648A}"/>
+              </a:ext>
+            </a:extLst>
+          </p:cNvPr>
+          <p:cNvSpPr>
+            <a:spLocks noGrp="1"/>
+          </p:cNvSpPr>
+          <p:nvPr>
+            <p:ph type="hdr" sz="quarter"/>
+          </p:nvPr>
+        </p:nvSpPr>
+        <p:spPr>
+          <a:xfrm>
+            <a:off x="0" y="0"/>
+            <a:ext cx="3170238" cy="481013"/>
+          </a:xfrm>
+          <a:prstGeom prst="rect">
+            <a:avLst/>
+          </a:prstGeom>
+        </p:spPr>
+        <p:txBody>
+          <a:bodyPr vert="horz" lIns="91440" tIns="45720" rIns="91440" bIns="45720" rtlCol="0"/>
+          <a:lstStyle>
+            <a:lvl1pPr algn="l">
+              <a:defRPr sz="1200"/>
+            </a:lvl1pPr>
+          </a:lstStyle>
+          <a:p>
+            <a:r>
+              <a:rPr lang="en-US" dirty="0"/>
+              <a:t>https://github.com/dotnet-presentations/home</a:t>
+            </a:r>
+          </a:p>
+          <a:p>
+            <a:endParaRPr lang="en-US" dirty="0"/>
           </a:p>
         </p:txBody>
       </p:sp>
@@ -11488,6 +12006,160 @@
 </file>
 
 <file path=ppt/slideLayouts/slideLayout4.xml><?xml version="1.0" encoding="utf-8"?>
+<p:sldLayout xmlns:a="http://schemas.openxmlformats.org/drawingml/2006/main" xmlns:r="http://schemas.openxmlformats.org/officeDocument/2006/relationships" xmlns:p="http://schemas.openxmlformats.org/presentationml/2006/main" userDrawn="1">
+  <p:cSld name="Title &amp; Non-bulleted text">
+    <p:spTree>
+      <p:nvGrpSpPr>
+        <p:cNvPr id="1" name=""/>
+        <p:cNvGrpSpPr/>
+        <p:nvPr/>
+      </p:nvGrpSpPr>
+      <p:grpSpPr>
+        <a:xfrm>
+          <a:off x="0" y="0"/>
+          <a:ext cx="0" cy="0"/>
+          <a:chOff x="0" y="0"/>
+          <a:chExt cx="0" cy="0"/>
+        </a:xfrm>
+      </p:grpSpPr>
+      <p:sp>
+        <p:nvSpPr>
+          <p:cNvPr id="2" name="Title 1"/>
+          <p:cNvSpPr>
+            <a:spLocks noGrp="1"/>
+          </p:cNvSpPr>
+          <p:nvPr>
+            <p:ph type="title"/>
+          </p:nvPr>
+        </p:nvSpPr>
+        <p:spPr>
+          <a:xfrm>
+            <a:off x="269240" y="289511"/>
+            <a:ext cx="11510956" cy="899665"/>
+          </a:xfrm>
+        </p:spPr>
+        <p:txBody>
+          <a:bodyPr/>
+          <a:lstStyle/>
+          <a:p>
+            <a:r>
+              <a:rPr lang="en-US"/>
+              <a:t>Click to edit Master title style</a:t>
+            </a:r>
+          </a:p>
+        </p:txBody>
+      </p:sp>
+      <p:sp>
+        <p:nvSpPr>
+          <p:cNvPr id="7" name="Text Placeholder 3">
+            <a:extLst>
+              <a:ext uri="{FF2B5EF4-FFF2-40B4-BE49-F238E27FC236}">
+                <a16:creationId xmlns:a16="http://schemas.microsoft.com/office/drawing/2014/main" id="{03D45574-B30B-4C34-A8B0-D8DC428F3EED}"/>
+              </a:ext>
+            </a:extLst>
+          </p:cNvPr>
+          <p:cNvSpPr>
+            <a:spLocks noGrp="1"/>
+          </p:cNvSpPr>
+          <p:nvPr>
+            <p:ph type="body" sz="quarter" idx="10"/>
+          </p:nvPr>
+        </p:nvSpPr>
+        <p:spPr>
+          <a:xfrm>
+            <a:off x="269240" y="1373694"/>
+            <a:ext cx="11510956" cy="2055306"/>
+          </a:xfrm>
+        </p:spPr>
+        <p:txBody>
+          <a:bodyPr wrap="square">
+            <a:spAutoFit/>
+          </a:bodyPr>
+          <a:lstStyle>
+            <a:lvl1pPr marL="0" indent="0">
+              <a:buNone/>
+              <a:defRPr/>
+            </a:lvl1pPr>
+            <a:lvl2pPr marL="224097" indent="0">
+              <a:buNone/>
+              <a:defRPr/>
+            </a:lvl2pPr>
+            <a:lvl3pPr marL="448193" indent="0">
+              <a:buNone/>
+              <a:defRPr/>
+            </a:lvl3pPr>
+            <a:lvl4pPr marL="672290" indent="0">
+              <a:buNone/>
+              <a:defRPr/>
+            </a:lvl4pPr>
+            <a:lvl5pPr marL="896386" indent="0">
+              <a:buNone/>
+              <a:defRPr/>
+            </a:lvl5pPr>
+          </a:lstStyle>
+          <a:p>
+            <a:pPr lvl="0"/>
+            <a:r>
+              <a:rPr lang="en-US"/>
+              <a:t>Edit Master text styles</a:t>
+            </a:r>
+          </a:p>
+          <a:p>
+            <a:pPr lvl="1"/>
+            <a:r>
+              <a:rPr lang="en-US"/>
+              <a:t>Second level</a:t>
+            </a:r>
+          </a:p>
+          <a:p>
+            <a:pPr lvl="2"/>
+            <a:r>
+              <a:rPr lang="en-US"/>
+              <a:t>Third level</a:t>
+            </a:r>
+          </a:p>
+          <a:p>
+            <a:pPr lvl="3"/>
+            <a:r>
+              <a:rPr lang="en-US"/>
+              <a:t>Fourth level</a:t>
+            </a:r>
+          </a:p>
+          <a:p>
+            <a:pPr lvl="4"/>
+            <a:r>
+              <a:rPr lang="en-US"/>
+              <a:t>Fifth level</a:t>
+            </a:r>
+          </a:p>
+        </p:txBody>
+      </p:sp>
+    </p:spTree>
+    <p:extLst>
+      <p:ext uri="{BB962C8B-B14F-4D97-AF65-F5344CB8AC3E}">
+        <p14:creationId xmlns:p14="http://schemas.microsoft.com/office/powerpoint/2010/main" val="3103152217"/>
+      </p:ext>
+    </p:extLst>
+  </p:cSld>
+  <p:clrMapOvr>
+    <a:masterClrMapping/>
+  </p:clrMapOvr>
+  <mc:AlternateContent xmlns:mc="http://schemas.openxmlformats.org/markup-compatibility/2006" xmlns:p14="http://schemas.microsoft.com/office/powerpoint/2010/main">
+    <mc:Choice Requires="p14">
+      <p:transition spd="med" p14:dur="700">
+        <p:fade/>
+      </p:transition>
+    </mc:Choice>
+    <mc:Fallback xmlns="">
+      <p:transition spd="med">
+        <p:fade/>
+      </p:transition>
+    </mc:Fallback>
+  </mc:AlternateContent>
+</p:sldLayout>
+</file>
+
+<file path=ppt/slideLayouts/slideLayout5.xml><?xml version="1.0" encoding="utf-8"?>
 <p:sldLayout xmlns:a="http://schemas.openxmlformats.org/drawingml/2006/main" xmlns:r="http://schemas.openxmlformats.org/officeDocument/2006/relationships" xmlns:p="http://schemas.openxmlformats.org/presentationml/2006/main" preserve="1">
   <p:cSld name="Section Title Plain">
     <p:bg>
@@ -11566,7 +12238,7 @@
 </p:sldLayout>
 </file>
 
-<file path=ppt/slideLayouts/slideLayout5.xml><?xml version="1.0" encoding="utf-8"?>
+<file path=ppt/slideLayouts/slideLayout6.xml><?xml version="1.0" encoding="utf-8"?>
 <p:sldLayout xmlns:a="http://schemas.openxmlformats.org/drawingml/2006/main" xmlns:r="http://schemas.openxmlformats.org/officeDocument/2006/relationships" xmlns:p="http://schemas.openxmlformats.org/presentationml/2006/main" preserve="1">
   <p:cSld name="Blank Purple">
     <p:bg>
@@ -11607,7 +12279,37 @@
 </p:sldLayout>
 </file>
 
-<file path=ppt/slideLayouts/slideLayout6.xml><?xml version="1.0" encoding="utf-8"?>
+<file path=ppt/slideLayouts/slideLayout7.xml><?xml version="1.0" encoding="utf-8"?>
+<p:sldLayout xmlns:a="http://schemas.openxmlformats.org/drawingml/2006/main" xmlns:r="http://schemas.openxmlformats.org/officeDocument/2006/relationships" xmlns:p="http://schemas.openxmlformats.org/presentationml/2006/main" type="blank">
+  <p:cSld name="Blank">
+    <p:spTree>
+      <p:nvGrpSpPr>
+        <p:cNvPr id="1" name=""/>
+        <p:cNvGrpSpPr/>
+        <p:nvPr/>
+      </p:nvGrpSpPr>
+      <p:grpSpPr>
+        <a:xfrm>
+          <a:off x="0" y="0"/>
+          <a:ext cx="0" cy="0"/>
+          <a:chOff x="0" y="0"/>
+          <a:chExt cx="0" cy="0"/>
+        </a:xfrm>
+      </p:grpSpPr>
+    </p:spTree>
+    <p:extLst>
+      <p:ext uri="{BB962C8B-B14F-4D97-AF65-F5344CB8AC3E}">
+        <p14:creationId xmlns:p14="http://schemas.microsoft.com/office/powerpoint/2010/main" val="3411214405"/>
+      </p:ext>
+    </p:extLst>
+  </p:cSld>
+  <p:clrMapOvr>
+    <a:masterClrMapping/>
+  </p:clrMapOvr>
+</p:sldLayout>
+</file>
+
+<file path=ppt/slideLayouts/slideLayout8.xml><?xml version="1.0" encoding="utf-8"?>
 <p:sldLayout xmlns:a="http://schemas.openxmlformats.org/drawingml/2006/main" xmlns:r="http://schemas.openxmlformats.org/officeDocument/2006/relationships" xmlns:p="http://schemas.openxmlformats.org/presentationml/2006/main" preserve="1">
   <p:cSld name="1_Video slide">
     <p:bg>
@@ -11809,7 +12511,7 @@
 </p:sldLayout>
 </file>
 
-<file path=ppt/slideLayouts/slideLayout7.xml><?xml version="1.0" encoding="utf-8"?>
+<file path=ppt/slideLayouts/slideLayout9.xml><?xml version="1.0" encoding="utf-8"?>
 <p:sldLayout xmlns:a="http://schemas.openxmlformats.org/drawingml/2006/main" xmlns:r="http://schemas.openxmlformats.org/officeDocument/2006/relationships" xmlns:p="http://schemas.openxmlformats.org/presentationml/2006/main" preserve="1">
   <p:cSld name="Video slide">
     <p:bg>
@@ -11911,190 +12613,6 @@
     </mc:Choice>
     <mc:Fallback xmlns="">
       <p:transition spd="slow">
-        <p:fade/>
-      </p:transition>
-    </mc:Fallback>
-  </mc:AlternateContent>
-</p:sldLayout>
-</file>
-
-<file path=ppt/slideLayouts/slideLayout8.xml><?xml version="1.0" encoding="utf-8"?>
-<p:sldLayout xmlns:a="http://schemas.openxmlformats.org/drawingml/2006/main" xmlns:r="http://schemas.openxmlformats.org/officeDocument/2006/relationships" xmlns:p="http://schemas.openxmlformats.org/presentationml/2006/main" type="blank">
-  <p:cSld name="Blank">
-    <p:spTree>
-      <p:nvGrpSpPr>
-        <p:cNvPr id="1" name=""/>
-        <p:cNvGrpSpPr/>
-        <p:nvPr/>
-      </p:nvGrpSpPr>
-      <p:grpSpPr>
-        <a:xfrm>
-          <a:off x="0" y="0"/>
-          <a:ext cx="0" cy="0"/>
-          <a:chOff x="0" y="0"/>
-          <a:chExt cx="0" cy="0"/>
-        </a:xfrm>
-      </p:grpSpPr>
-    </p:spTree>
-    <p:extLst>
-      <p:ext uri="{BB962C8B-B14F-4D97-AF65-F5344CB8AC3E}">
-        <p14:creationId xmlns:p14="http://schemas.microsoft.com/office/powerpoint/2010/main" val="3411214405"/>
-      </p:ext>
-    </p:extLst>
-  </p:cSld>
-  <p:clrMapOvr>
-    <a:masterClrMapping/>
-  </p:clrMapOvr>
-</p:sldLayout>
-</file>
-
-<file path=ppt/slideLayouts/slideLayout9.xml><?xml version="1.0" encoding="utf-8"?>
-<p:sldLayout xmlns:a="http://schemas.openxmlformats.org/drawingml/2006/main" xmlns:r="http://schemas.openxmlformats.org/officeDocument/2006/relationships" xmlns:p="http://schemas.openxmlformats.org/presentationml/2006/main" userDrawn="1">
-  <p:cSld name="Title &amp; Non-bulleted text">
-    <p:spTree>
-      <p:nvGrpSpPr>
-        <p:cNvPr id="1" name=""/>
-        <p:cNvGrpSpPr/>
-        <p:nvPr/>
-      </p:nvGrpSpPr>
-      <p:grpSpPr>
-        <a:xfrm>
-          <a:off x="0" y="0"/>
-          <a:ext cx="0" cy="0"/>
-          <a:chOff x="0" y="0"/>
-          <a:chExt cx="0" cy="0"/>
-        </a:xfrm>
-      </p:grpSpPr>
-      <p:sp>
-        <p:nvSpPr>
-          <p:cNvPr id="2" name="Title 1"/>
-          <p:cNvSpPr>
-            <a:spLocks noGrp="1"/>
-          </p:cNvSpPr>
-          <p:nvPr>
-            <p:ph type="title"/>
-          </p:nvPr>
-        </p:nvSpPr>
-        <p:spPr>
-          <a:xfrm>
-            <a:off x="269240" y="289511"/>
-            <a:ext cx="6797886" cy="899665"/>
-          </a:xfrm>
-        </p:spPr>
-        <p:txBody>
-          <a:bodyPr/>
-          <a:lstStyle/>
-          <a:p>
-            <a:r>
-              <a:rPr lang="en-US"/>
-              <a:t>Click to edit Master title style</a:t>
-            </a:r>
-          </a:p>
-        </p:txBody>
-      </p:sp>
-      <p:sp>
-        <p:nvSpPr>
-          <p:cNvPr id="7" name="Text Placeholder 3">
-            <a:extLst>
-              <a:ext uri="{FF2B5EF4-FFF2-40B4-BE49-F238E27FC236}">
-                <a16:creationId xmlns:a16="http://schemas.microsoft.com/office/drawing/2014/main" id="{03D45574-B30B-4C34-A8B0-D8DC428F3EED}"/>
-              </a:ext>
-            </a:extLst>
-          </p:cNvPr>
-          <p:cNvSpPr>
-            <a:spLocks noGrp="1"/>
-          </p:cNvSpPr>
-          <p:nvPr>
-            <p:ph type="body" sz="quarter" idx="10"/>
-          </p:nvPr>
-        </p:nvSpPr>
-        <p:spPr>
-          <a:xfrm>
-            <a:off x="269240" y="1860034"/>
-            <a:ext cx="6723185" cy="2263268"/>
-          </a:xfrm>
-        </p:spPr>
-        <p:txBody>
-          <a:bodyPr wrap="square">
-            <a:spAutoFit/>
-          </a:bodyPr>
-          <a:lstStyle>
-            <a:lvl1pPr marL="0" indent="0">
-              <a:buNone/>
-              <a:defRPr/>
-            </a:lvl1pPr>
-            <a:lvl2pPr marL="224097" indent="0">
-              <a:buNone/>
-              <a:defRPr/>
-            </a:lvl2pPr>
-            <a:lvl3pPr marL="448193" indent="0">
-              <a:buNone/>
-              <a:defRPr/>
-            </a:lvl3pPr>
-            <a:lvl4pPr marL="672290" indent="0">
-              <a:buNone/>
-              <a:defRPr/>
-            </a:lvl4pPr>
-            <a:lvl5pPr marL="896386" indent="0">
-              <a:buNone/>
-              <a:defRPr/>
-            </a:lvl5pPr>
-          </a:lstStyle>
-          <a:p>
-            <a:pPr lvl="0"/>
-            <a:r>
-              <a:rPr lang="en-US"/>
-              <a:t>Edit Master text styles</a:t>
-            </a:r>
-          </a:p>
-          <a:p>
-            <a:pPr lvl="1"/>
-            <a:r>
-              <a:rPr lang="en-US"/>
-              <a:t>Second level</a:t>
-            </a:r>
-          </a:p>
-          <a:p>
-            <a:pPr lvl="2"/>
-            <a:r>
-              <a:rPr lang="en-US"/>
-              <a:t>Third level</a:t>
-            </a:r>
-          </a:p>
-          <a:p>
-            <a:pPr lvl="3"/>
-            <a:r>
-              <a:rPr lang="en-US"/>
-              <a:t>Fourth level</a:t>
-            </a:r>
-          </a:p>
-          <a:p>
-            <a:pPr lvl="4"/>
-            <a:r>
-              <a:rPr lang="en-US"/>
-              <a:t>Fifth level</a:t>
-            </a:r>
-          </a:p>
-        </p:txBody>
-      </p:sp>
-    </p:spTree>
-    <p:extLst>
-      <p:ext uri="{BB962C8B-B14F-4D97-AF65-F5344CB8AC3E}">
-        <p14:creationId xmlns:p14="http://schemas.microsoft.com/office/powerpoint/2010/main" val="3103152217"/>
-      </p:ext>
-    </p:extLst>
-  </p:cSld>
-  <p:clrMapOvr>
-    <a:masterClrMapping/>
-  </p:clrMapOvr>
-  <mc:AlternateContent xmlns:mc="http://schemas.openxmlformats.org/markup-compatibility/2006" xmlns:p14="http://schemas.microsoft.com/office/powerpoint/2010/main">
-    <mc:Choice Requires="p14">
-      <p:transition spd="med" p14:dur="700">
-        <p:fade/>
-      </p:transition>
-    </mc:Choice>
-    <mc:Fallback xmlns="">
-      <p:transition spd="med">
         <p:fade/>
       </p:transition>
     </mc:Fallback>
@@ -13796,12 +14314,12 @@
     <p:sldLayoutId id="2147483736" r:id="rId1"/>
     <p:sldLayoutId id="2147483737" r:id="rId2"/>
     <p:sldLayoutId id="2147483718" r:id="rId3"/>
-    <p:sldLayoutId id="2147483725" r:id="rId4"/>
-    <p:sldLayoutId id="2147483726" r:id="rId5"/>
-    <p:sldLayoutId id="2147483742" r:id="rId6"/>
-    <p:sldLayoutId id="2147483741" r:id="rId7"/>
-    <p:sldLayoutId id="2147483746" r:id="rId8"/>
-    <p:sldLayoutId id="2147483733" r:id="rId9"/>
+    <p:sldLayoutId id="2147483733" r:id="rId4"/>
+    <p:sldLayoutId id="2147483725" r:id="rId5"/>
+    <p:sldLayoutId id="2147483726" r:id="rId6"/>
+    <p:sldLayoutId id="2147483746" r:id="rId7"/>
+    <p:sldLayoutId id="2147483742" r:id="rId8"/>
+    <p:sldLayoutId id="2147483741" r:id="rId9"/>
     <p:sldLayoutId id="2147483751" r:id="rId10"/>
   </p:sldLayoutIdLst>
   <p:transition>
@@ -36374,7 +36892,7 @@
 </file>
 
 <file path=ppt/slides/slide6.xml><?xml version="1.0" encoding="utf-8"?>
-<p:sld xmlns:a="http://schemas.openxmlformats.org/drawingml/2006/main" xmlns:r="http://schemas.openxmlformats.org/officeDocument/2006/relationships" xmlns:p="http://schemas.openxmlformats.org/presentationml/2006/main">
+<p:sld xmlns:a="http://schemas.openxmlformats.org/drawingml/2006/main" xmlns:r="http://schemas.openxmlformats.org/officeDocument/2006/relationships" xmlns:p="http://schemas.openxmlformats.org/presentationml/2006/main" showMasterSp="0">
   <p:cSld>
     <p:spTree>
       <p:nvGrpSpPr>
@@ -36490,7 +37008,7 @@
 </file>
 
 <file path=ppt/slides/slide7.xml><?xml version="1.0" encoding="utf-8"?>
-<p:sld xmlns:a="http://schemas.openxmlformats.org/drawingml/2006/main" xmlns:r="http://schemas.openxmlformats.org/officeDocument/2006/relationships" xmlns:p="http://schemas.openxmlformats.org/presentationml/2006/main">
+<p:sld xmlns:a="http://schemas.openxmlformats.org/drawingml/2006/main" xmlns:r="http://schemas.openxmlformats.org/officeDocument/2006/relationships" xmlns:p="http://schemas.openxmlformats.org/presentationml/2006/main" showMasterSp="0">
   <p:cSld>
     <p:spTree>
       <p:nvGrpSpPr>
@@ -38779,22 +39297,317 @@
 </a:theme>
 </file>
 
+<file path=ppt/theme/theme3.xml><?xml version="1.0" encoding="utf-8"?>
+<a:theme xmlns:a="http://schemas.openxmlformats.org/drawingml/2006/main" name="Office Theme">
+  <a:themeElements>
+    <a:clrScheme name="Office">
+      <a:dk1>
+        <a:sysClr val="windowText" lastClr="000000"/>
+      </a:dk1>
+      <a:lt1>
+        <a:sysClr val="window" lastClr="FFFFFF"/>
+      </a:lt1>
+      <a:dk2>
+        <a:srgbClr val="44546A"/>
+      </a:dk2>
+      <a:lt2>
+        <a:srgbClr val="E7E6E6"/>
+      </a:lt2>
+      <a:accent1>
+        <a:srgbClr val="4472C4"/>
+      </a:accent1>
+      <a:accent2>
+        <a:srgbClr val="ED7D31"/>
+      </a:accent2>
+      <a:accent3>
+        <a:srgbClr val="A5A5A5"/>
+      </a:accent3>
+      <a:accent4>
+        <a:srgbClr val="FFC000"/>
+      </a:accent4>
+      <a:accent5>
+        <a:srgbClr val="5B9BD5"/>
+      </a:accent5>
+      <a:accent6>
+        <a:srgbClr val="70AD47"/>
+      </a:accent6>
+      <a:hlink>
+        <a:srgbClr val="0563C1"/>
+      </a:hlink>
+      <a:folHlink>
+        <a:srgbClr val="954F72"/>
+      </a:folHlink>
+    </a:clrScheme>
+    <a:fontScheme name="Office">
+      <a:majorFont>
+        <a:latin typeface="Calibri Light" panose="020F0302020204030204"/>
+        <a:ea typeface=""/>
+        <a:cs typeface=""/>
+        <a:font script="Jpan" typeface="游ゴシック Light"/>
+        <a:font script="Hang" typeface="맑은 고딕"/>
+        <a:font script="Hans" typeface="等线 Light"/>
+        <a:font script="Hant" typeface="新細明體"/>
+        <a:font script="Arab" typeface="Times New Roman"/>
+        <a:font script="Hebr" typeface="Times New Roman"/>
+        <a:font script="Thai" typeface="Angsana New"/>
+        <a:font script="Ethi" typeface="Nyala"/>
+        <a:font script="Beng" typeface="Vrinda"/>
+        <a:font script="Gujr" typeface="Shruti"/>
+        <a:font script="Khmr" typeface="MoolBoran"/>
+        <a:font script="Knda" typeface="Tunga"/>
+        <a:font script="Guru" typeface="Raavi"/>
+        <a:font script="Cans" typeface="Euphemia"/>
+        <a:font script="Cher" typeface="Plantagenet Cherokee"/>
+        <a:font script="Yiii" typeface="Microsoft Yi Baiti"/>
+        <a:font script="Tibt" typeface="Microsoft Himalaya"/>
+        <a:font script="Thaa" typeface="MV Boli"/>
+        <a:font script="Deva" typeface="Mangal"/>
+        <a:font script="Telu" typeface="Gautami"/>
+        <a:font script="Taml" typeface="Latha"/>
+        <a:font script="Syrc" typeface="Estrangelo Edessa"/>
+        <a:font script="Orya" typeface="Kalinga"/>
+        <a:font script="Mlym" typeface="Kartika"/>
+        <a:font script="Laoo" typeface="DokChampa"/>
+        <a:font script="Sinh" typeface="Iskoola Pota"/>
+        <a:font script="Mong" typeface="Mongolian Baiti"/>
+        <a:font script="Viet" typeface="Times New Roman"/>
+        <a:font script="Uigh" typeface="Microsoft Uighur"/>
+        <a:font script="Geor" typeface="Sylfaen"/>
+        <a:font script="Armn" typeface="Arial"/>
+        <a:font script="Bugi" typeface="Leelawadee UI"/>
+        <a:font script="Bopo" typeface="Microsoft JhengHei"/>
+        <a:font script="Java" typeface="Javanese Text"/>
+        <a:font script="Lisu" typeface="Segoe UI"/>
+        <a:font script="Mymr" typeface="Myanmar Text"/>
+        <a:font script="Nkoo" typeface="Ebrima"/>
+        <a:font script="Olck" typeface="Nirmala UI"/>
+        <a:font script="Osma" typeface="Ebrima"/>
+        <a:font script="Phag" typeface="Phagspa"/>
+        <a:font script="Syrn" typeface="Estrangelo Edessa"/>
+        <a:font script="Syrj" typeface="Estrangelo Edessa"/>
+        <a:font script="Syre" typeface="Estrangelo Edessa"/>
+        <a:font script="Sora" typeface="Nirmala UI"/>
+        <a:font script="Tale" typeface="Microsoft Tai Le"/>
+        <a:font script="Talu" typeface="Microsoft New Tai Lue"/>
+        <a:font script="Tfng" typeface="Ebrima"/>
+      </a:majorFont>
+      <a:minorFont>
+        <a:latin typeface="Calibri" panose="020F0502020204030204"/>
+        <a:ea typeface=""/>
+        <a:cs typeface=""/>
+        <a:font script="Jpan" typeface="游ゴシック"/>
+        <a:font script="Hang" typeface="맑은 고딕"/>
+        <a:font script="Hans" typeface="等线"/>
+        <a:font script="Hant" typeface="新細明體"/>
+        <a:font script="Arab" typeface="Arial"/>
+        <a:font script="Hebr" typeface="Arial"/>
+        <a:font script="Thai" typeface="Cordia New"/>
+        <a:font script="Ethi" typeface="Nyala"/>
+        <a:font script="Beng" typeface="Vrinda"/>
+        <a:font script="Gujr" typeface="Shruti"/>
+        <a:font script="Khmr" typeface="DaunPenh"/>
+        <a:font script="Knda" typeface="Tunga"/>
+        <a:font script="Guru" typeface="Raavi"/>
+        <a:font script="Cans" typeface="Euphemia"/>
+        <a:font script="Cher" typeface="Plantagenet Cherokee"/>
+        <a:font script="Yiii" typeface="Microsoft Yi Baiti"/>
+        <a:font script="Tibt" typeface="Microsoft Himalaya"/>
+        <a:font script="Thaa" typeface="MV Boli"/>
+        <a:font script="Deva" typeface="Mangal"/>
+        <a:font script="Telu" typeface="Gautami"/>
+        <a:font script="Taml" typeface="Latha"/>
+        <a:font script="Syrc" typeface="Estrangelo Edessa"/>
+        <a:font script="Orya" typeface="Kalinga"/>
+        <a:font script="Mlym" typeface="Kartika"/>
+        <a:font script="Laoo" typeface="DokChampa"/>
+        <a:font script="Sinh" typeface="Iskoola Pota"/>
+        <a:font script="Mong" typeface="Mongolian Baiti"/>
+        <a:font script="Viet" typeface="Arial"/>
+        <a:font script="Uigh" typeface="Microsoft Uighur"/>
+        <a:font script="Geor" typeface="Sylfaen"/>
+        <a:font script="Armn" typeface="Arial"/>
+        <a:font script="Bugi" typeface="Leelawadee UI"/>
+        <a:font script="Bopo" typeface="Microsoft JhengHei"/>
+        <a:font script="Java" typeface="Javanese Text"/>
+        <a:font script="Lisu" typeface="Segoe UI"/>
+        <a:font script="Mymr" typeface="Myanmar Text"/>
+        <a:font script="Nkoo" typeface="Ebrima"/>
+        <a:font script="Olck" typeface="Nirmala UI"/>
+        <a:font script="Osma" typeface="Ebrima"/>
+        <a:font script="Phag" typeface="Phagspa"/>
+        <a:font script="Syrn" typeface="Estrangelo Edessa"/>
+        <a:font script="Syrj" typeface="Estrangelo Edessa"/>
+        <a:font script="Syre" typeface="Estrangelo Edessa"/>
+        <a:font script="Sora" typeface="Nirmala UI"/>
+        <a:font script="Tale" typeface="Microsoft Tai Le"/>
+        <a:font script="Talu" typeface="Microsoft New Tai Lue"/>
+        <a:font script="Tfng" typeface="Ebrima"/>
+      </a:minorFont>
+    </a:fontScheme>
+    <a:fmtScheme name="Office">
+      <a:fillStyleLst>
+        <a:solidFill>
+          <a:schemeClr val="phClr"/>
+        </a:solidFill>
+        <a:gradFill rotWithShape="1">
+          <a:gsLst>
+            <a:gs pos="0">
+              <a:schemeClr val="phClr">
+                <a:lumMod val="110000"/>
+                <a:satMod val="105000"/>
+                <a:tint val="67000"/>
+              </a:schemeClr>
+            </a:gs>
+            <a:gs pos="50000">
+              <a:schemeClr val="phClr">
+                <a:lumMod val="105000"/>
+                <a:satMod val="103000"/>
+                <a:tint val="73000"/>
+              </a:schemeClr>
+            </a:gs>
+            <a:gs pos="100000">
+              <a:schemeClr val="phClr">
+                <a:lumMod val="105000"/>
+                <a:satMod val="109000"/>
+                <a:tint val="81000"/>
+              </a:schemeClr>
+            </a:gs>
+          </a:gsLst>
+          <a:lin ang="5400000" scaled="0"/>
+        </a:gradFill>
+        <a:gradFill rotWithShape="1">
+          <a:gsLst>
+            <a:gs pos="0">
+              <a:schemeClr val="phClr">
+                <a:satMod val="103000"/>
+                <a:lumMod val="102000"/>
+                <a:tint val="94000"/>
+              </a:schemeClr>
+            </a:gs>
+            <a:gs pos="50000">
+              <a:schemeClr val="phClr">
+                <a:satMod val="110000"/>
+                <a:lumMod val="100000"/>
+                <a:shade val="100000"/>
+              </a:schemeClr>
+            </a:gs>
+            <a:gs pos="100000">
+              <a:schemeClr val="phClr">
+                <a:lumMod val="99000"/>
+                <a:satMod val="120000"/>
+                <a:shade val="78000"/>
+              </a:schemeClr>
+            </a:gs>
+          </a:gsLst>
+          <a:lin ang="5400000" scaled="0"/>
+        </a:gradFill>
+      </a:fillStyleLst>
+      <a:lnStyleLst>
+        <a:ln w="6350" cap="flat" cmpd="sng" algn="ctr">
+          <a:solidFill>
+            <a:schemeClr val="phClr"/>
+          </a:solidFill>
+          <a:prstDash val="solid"/>
+          <a:miter lim="800000"/>
+        </a:ln>
+        <a:ln w="12700" cap="flat" cmpd="sng" algn="ctr">
+          <a:solidFill>
+            <a:schemeClr val="phClr"/>
+          </a:solidFill>
+          <a:prstDash val="solid"/>
+          <a:miter lim="800000"/>
+        </a:ln>
+        <a:ln w="19050" cap="flat" cmpd="sng" algn="ctr">
+          <a:solidFill>
+            <a:schemeClr val="phClr"/>
+          </a:solidFill>
+          <a:prstDash val="solid"/>
+          <a:miter lim="800000"/>
+        </a:ln>
+      </a:lnStyleLst>
+      <a:effectStyleLst>
+        <a:effectStyle>
+          <a:effectLst/>
+        </a:effectStyle>
+        <a:effectStyle>
+          <a:effectLst/>
+        </a:effectStyle>
+        <a:effectStyle>
+          <a:effectLst>
+            <a:outerShdw blurRad="57150" dist="19050" dir="5400000" algn="ctr" rotWithShape="0">
+              <a:srgbClr val="000000">
+                <a:alpha val="63000"/>
+              </a:srgbClr>
+            </a:outerShdw>
+          </a:effectLst>
+        </a:effectStyle>
+      </a:effectStyleLst>
+      <a:bgFillStyleLst>
+        <a:solidFill>
+          <a:schemeClr val="phClr"/>
+        </a:solidFill>
+        <a:solidFill>
+          <a:schemeClr val="phClr">
+            <a:tint val="95000"/>
+            <a:satMod val="170000"/>
+          </a:schemeClr>
+        </a:solidFill>
+        <a:gradFill rotWithShape="1">
+          <a:gsLst>
+            <a:gs pos="0">
+              <a:schemeClr val="phClr">
+                <a:tint val="93000"/>
+                <a:satMod val="150000"/>
+                <a:shade val="98000"/>
+                <a:lumMod val="102000"/>
+              </a:schemeClr>
+            </a:gs>
+            <a:gs pos="50000">
+              <a:schemeClr val="phClr">
+                <a:tint val="98000"/>
+                <a:satMod val="130000"/>
+                <a:shade val="90000"/>
+                <a:lumMod val="103000"/>
+              </a:schemeClr>
+            </a:gs>
+            <a:gs pos="100000">
+              <a:schemeClr val="phClr">
+                <a:shade val="63000"/>
+                <a:satMod val="120000"/>
+              </a:schemeClr>
+            </a:gs>
+          </a:gsLst>
+          <a:lin ang="5400000" scaled="0"/>
+        </a:gradFill>
+      </a:bgFillStyleLst>
+    </a:fmtScheme>
+  </a:themeElements>
+  <a:objectDefaults/>
+  <a:extraClrSchemeLst/>
+  <a:extLst>
+    <a:ext uri="{05A4C25C-085E-4340-85A3-A5531E510DB2}">
+      <thm15:themeFamily xmlns:thm15="http://schemas.microsoft.com/office/thememl/2012/main" name="Office Theme" id="{62F939B6-93AF-4DB8-9C6B-D6C7DFDC589F}" vid="{4A3C46E8-61CC-4603-A589-7422A47A8E4A}"/>
+    </a:ext>
+  </a:extLst>
+</a:theme>
+</file>
+
 <file path=customXml/item1.xml><?xml version="1.0" encoding="utf-8"?>
+<?mso-contentType ?>
+<FormTemplates xmlns="http://schemas.microsoft.com/sharepoint/v3/contenttype/forms">
+  <Display>DocumentLibraryForm</Display>
+  <Edit>DocumentLibraryForm</Edit>
+  <New>DocumentLibraryForm</New>
+</FormTemplates>
+</file>
+
+<file path=customXml/item2.xml><?xml version="1.0" encoding="utf-8"?>
 <p:properties xmlns:p="http://schemas.microsoft.com/office/2006/metadata/properties" xmlns:xsi="http://www.w3.org/2001/XMLSchema-instance" xmlns:pc="http://schemas.microsoft.com/office/infopath/2007/PartnerControls">
   <documentManagement>
     <_ip_UnifiedCompliancePolicyProperties xmlns="http://schemas.microsoft.com/sharepoint/v3" xsi:nil="true"/>
     <_ip_UnifiedCompliancePolicyUIAction xmlns="http://schemas.microsoft.com/sharepoint/v3" xsi:nil="true"/>
   </documentManagement>
 </p:properties>
-</file>
-
-<file path=customXml/item2.xml><?xml version="1.0" encoding="utf-8"?>
-<?mso-contentType ?>
-<FormTemplates xmlns="http://schemas.microsoft.com/sharepoint/v3/contenttype/forms">
-  <Display>DocumentLibraryForm</Display>
-  <Edit>DocumentLibraryForm</Edit>
-  <New>DocumentLibraryForm</New>
-</FormTemplates>
 </file>
 
 <file path=customXml/item3.xml><?xml version="1.0" encoding="utf-8"?>
@@ -39006,27 +39819,27 @@
 </file>
 
 <file path=customXml/itemProps1.xml><?xml version="1.0" encoding="utf-8"?>
-<ds:datastoreItem xmlns:ds="http://schemas.openxmlformats.org/officeDocument/2006/customXml" ds:itemID="{D23E43D6-DB2F-4C33-A8C8-D28F777A5DE7}">
+<ds:datastoreItem xmlns:ds="http://schemas.openxmlformats.org/officeDocument/2006/customXml" ds:itemID="{093821A7-5528-48BE-BD00-067FBFDD28D5}">
   <ds:schemaRefs>
-    <ds:schemaRef ds:uri="http://purl.org/dc/terms/"/>
-    <ds:schemaRef ds:uri="http://schemas.microsoft.com/office/2006/documentManagement/types"/>
-    <ds:schemaRef ds:uri="569b343d-e775-480b-9b2b-6a6986deb9b0"/>
-    <ds:schemaRef ds:uri="http://schemas.microsoft.com/office/infopath/2007/PartnerControls"/>
-    <ds:schemaRef ds:uri="http://purl.org/dc/elements/1.1/"/>
-    <ds:schemaRef ds:uri="http://schemas.microsoft.com/office/2006/metadata/properties"/>
-    <ds:schemaRef ds:uri="http://schemas.openxmlformats.org/package/2006/metadata/core-properties"/>
-    <ds:schemaRef ds:uri="11245976-3b4d-4794-a754-317688483df2"/>
-    <ds:schemaRef ds:uri="http://schemas.microsoft.com/sharepoint/v3"/>
-    <ds:schemaRef ds:uri="http://www.w3.org/XML/1998/namespace"/>
-    <ds:schemaRef ds:uri="http://purl.org/dc/dcmitype/"/>
+    <ds:schemaRef ds:uri="http://schemas.microsoft.com/sharepoint/v3/contenttype/forms"/>
   </ds:schemaRefs>
 </ds:datastoreItem>
 </file>
 
 <file path=customXml/itemProps2.xml><?xml version="1.0" encoding="utf-8"?>
-<ds:datastoreItem xmlns:ds="http://schemas.openxmlformats.org/officeDocument/2006/customXml" ds:itemID="{093821A7-5528-48BE-BD00-067FBFDD28D5}">
+<ds:datastoreItem xmlns:ds="http://schemas.openxmlformats.org/officeDocument/2006/customXml" ds:itemID="{D23E43D6-DB2F-4C33-A8C8-D28F777A5DE7}">
   <ds:schemaRefs>
-    <ds:schemaRef ds:uri="http://schemas.microsoft.com/sharepoint/v3/contenttype/forms"/>
+    <ds:schemaRef ds:uri="http://schemas.microsoft.com/office/2006/metadata/properties"/>
+    <ds:schemaRef ds:uri="11245976-3b4d-4794-a754-317688483df2"/>
+    <ds:schemaRef ds:uri="http://schemas.microsoft.com/sharepoint/v3"/>
+    <ds:schemaRef ds:uri="http://purl.org/dc/terms/"/>
+    <ds:schemaRef ds:uri="http://schemas.microsoft.com/office/2006/documentManagement/types"/>
+    <ds:schemaRef ds:uri="http://schemas.microsoft.com/office/infopath/2007/PartnerControls"/>
+    <ds:schemaRef ds:uri="http://schemas.openxmlformats.org/package/2006/metadata/core-properties"/>
+    <ds:schemaRef ds:uri="http://purl.org/dc/elements/1.1/"/>
+    <ds:schemaRef ds:uri="569b343d-e775-480b-9b2b-6a6986deb9b0"/>
+    <ds:schemaRef ds:uri="http://www.w3.org/XML/1998/namespace"/>
+    <ds:schemaRef ds:uri="http://purl.org/dc/dcmitype/"/>
   </ds:schemaRefs>
 </ds:datastoreItem>
 </file>

--- a/WhatIsdotNET/WhatIsdotNET.pptx
+++ b/WhatIsdotNET/WhatIsdotNET.pptx
@@ -5,10 +5,10 @@
     <p:sldMasterId id="2147483715" r:id="rId4"/>
   </p:sldMasterIdLst>
   <p:notesMasterIdLst>
-    <p:notesMasterId r:id="rId27"/>
+    <p:notesMasterId r:id="rId29"/>
   </p:notesMasterIdLst>
   <p:handoutMasterIdLst>
-    <p:handoutMasterId r:id="rId28"/>
+    <p:handoutMasterId r:id="rId30"/>
   </p:handoutMasterIdLst>
   <p:sldIdLst>
     <p:sldId id="308" r:id="rId5"/>
@@ -16,23 +16,25 @@
     <p:sldId id="279" r:id="rId7"/>
     <p:sldId id="290" r:id="rId8"/>
     <p:sldId id="273" r:id="rId9"/>
-    <p:sldId id="286" r:id="rId10"/>
-    <p:sldId id="267" r:id="rId11"/>
-    <p:sldId id="268" r:id="rId12"/>
-    <p:sldId id="283" r:id="rId13"/>
-    <p:sldId id="284" r:id="rId14"/>
-    <p:sldId id="314" r:id="rId15"/>
-    <p:sldId id="282" r:id="rId16"/>
-    <p:sldId id="276" r:id="rId17"/>
-    <p:sldId id="292" r:id="rId18"/>
-    <p:sldId id="293" r:id="rId19"/>
-    <p:sldId id="294" r:id="rId20"/>
-    <p:sldId id="288" r:id="rId21"/>
-    <p:sldId id="297" r:id="rId22"/>
-    <p:sldId id="318" r:id="rId23"/>
-    <p:sldId id="298" r:id="rId24"/>
-    <p:sldId id="316" r:id="rId25"/>
-    <p:sldId id="289" r:id="rId26"/>
+    <p:sldId id="270" r:id="rId10"/>
+    <p:sldId id="319" r:id="rId11"/>
+    <p:sldId id="286" r:id="rId12"/>
+    <p:sldId id="267" r:id="rId13"/>
+    <p:sldId id="268" r:id="rId14"/>
+    <p:sldId id="283" r:id="rId15"/>
+    <p:sldId id="284" r:id="rId16"/>
+    <p:sldId id="314" r:id="rId17"/>
+    <p:sldId id="282" r:id="rId18"/>
+    <p:sldId id="276" r:id="rId19"/>
+    <p:sldId id="292" r:id="rId20"/>
+    <p:sldId id="293" r:id="rId21"/>
+    <p:sldId id="294" r:id="rId22"/>
+    <p:sldId id="288" r:id="rId23"/>
+    <p:sldId id="297" r:id="rId24"/>
+    <p:sldId id="318" r:id="rId25"/>
+    <p:sldId id="298" r:id="rId26"/>
+    <p:sldId id="316" r:id="rId27"/>
+    <p:sldId id="289" r:id="rId28"/>
   </p:sldIdLst>
   <p:sldSz cx="12192000" cy="6858000"/>
   <p:notesSz cx="7315200" cy="9601200"/>
@@ -134,6 +136,9 @@
   <p:extLst>
     <p:ext uri="{EFAFB233-063F-42B5-8137-9DF3F51BA10A}">
       <p15:sldGuideLst xmlns:p15="http://schemas.microsoft.com/office/powerpoint/2012/main"/>
+    </p:ext>
+    <p:ext uri="{2D200454-40CA-4A62-9FC3-DE9A4176ACB9}">
+      <p15:notesGuideLst xmlns:p15="http://schemas.microsoft.com/office/powerpoint/2012/main"/>
     </p:ext>
   </p:extLst>
 </p:presentation>
@@ -7040,7 +7045,7 @@
         </p:nvSpPr>
         <p:spPr>
           <a:xfrm>
-            <a:off x="0" y="0"/>
+            <a:off x="0" y="1"/>
             <a:ext cx="3170238" cy="481013"/>
           </a:xfrm>
           <a:prstGeom prst="rect">
@@ -7048,7 +7053,7 @@
           </a:prstGeom>
         </p:spPr>
         <p:txBody>
-          <a:bodyPr vert="horz" lIns="91440" tIns="45720" rIns="91440" bIns="45720" rtlCol="0"/>
+          <a:bodyPr vert="horz" lIns="91429" tIns="45715" rIns="91429" bIns="45715" rtlCol="0"/>
           <a:lstStyle>
             <a:lvl1pPr algn="l">
               <a:defRPr sz="1200"/>
@@ -7077,7 +7082,7 @@
         </p:nvSpPr>
         <p:spPr>
           <a:xfrm>
-            <a:off x="4143375" y="0"/>
+            <a:off x="4143375" y="1"/>
             <a:ext cx="3170238" cy="481013"/>
           </a:xfrm>
           <a:prstGeom prst="rect">
@@ -7085,7 +7090,7 @@
           </a:prstGeom>
         </p:spPr>
         <p:txBody>
-          <a:bodyPr vert="horz" lIns="91440" tIns="45720" rIns="91440" bIns="45720" rtlCol="0"/>
+          <a:bodyPr vert="horz" lIns="91429" tIns="45715" rIns="91429" bIns="45715" rtlCol="0"/>
           <a:lstStyle>
             <a:lvl1pPr algn="r">
               <a:defRPr sz="1200"/>
@@ -7126,7 +7131,7 @@
           </a:prstGeom>
         </p:spPr>
         <p:txBody>
-          <a:bodyPr vert="horz" lIns="91440" tIns="45720" rIns="91440" bIns="45720" rtlCol="0" anchor="b"/>
+          <a:bodyPr vert="horz" lIns="91429" tIns="45715" rIns="91429" bIns="45715" rtlCol="0" anchor="b"/>
           <a:lstStyle>
             <a:lvl1pPr algn="l">
               <a:defRPr sz="1200"/>
@@ -7163,7 +7168,7 @@
           </a:prstGeom>
         </p:spPr>
         <p:txBody>
-          <a:bodyPr vert="horz" lIns="91440" tIns="45720" rIns="91440" bIns="45720" rtlCol="0" anchor="b"/>
+          <a:bodyPr vert="horz" lIns="91429" tIns="45715" rIns="91429" bIns="45715" rtlCol="0" anchor="b"/>
           <a:lstStyle>
             <a:lvl1pPr algn="r">
               <a:defRPr sz="1200"/>
@@ -7237,7 +7242,7 @@
           </a:ln>
         </p:spPr>
         <p:txBody>
-          <a:bodyPr vert="horz" lIns="96661" tIns="48331" rIns="96661" bIns="48331" rtlCol="0" anchor="ctr"/>
+          <a:bodyPr vert="horz" lIns="96650" tIns="48325" rIns="96650" bIns="48325" rtlCol="0" anchor="ctr"/>
           <a:lstStyle/>
           <a:p>
             <a:endParaRPr lang="en-US"/>
@@ -7256,7 +7261,7 @@
         </p:nvSpPr>
         <p:spPr>
           <a:xfrm>
-            <a:off x="731520" y="4620577"/>
+            <a:off x="731521" y="4620578"/>
             <a:ext cx="5852160" cy="3780473"/>
           </a:xfrm>
           <a:prstGeom prst="rect">
@@ -7264,7 +7269,7 @@
           </a:prstGeom>
         </p:spPr>
         <p:txBody>
-          <a:bodyPr vert="horz" lIns="96661" tIns="48331" rIns="96661" bIns="48331" rtlCol="0"/>
+          <a:bodyPr vert="horz" lIns="96650" tIns="48325" rIns="96650" bIns="48325" rtlCol="0"/>
           <a:lstStyle/>
           <a:p>
             <a:pPr lvl="0"/>
@@ -7316,14 +7321,14 @@
         <p:spPr>
           <a:xfrm>
             <a:off x="4143587" y="9119474"/>
-            <a:ext cx="3169920" cy="481726"/>
+            <a:ext cx="3169921" cy="481726"/>
           </a:xfrm>
           <a:prstGeom prst="rect">
             <a:avLst/>
           </a:prstGeom>
         </p:spPr>
         <p:txBody>
-          <a:bodyPr vert="horz" lIns="96661" tIns="48331" rIns="96661" bIns="48331" rtlCol="0" anchor="b"/>
+          <a:bodyPr vert="horz" lIns="96650" tIns="48325" rIns="96650" bIns="48325" rtlCol="0" anchor="b"/>
           <a:lstStyle>
             <a:lvl1pPr algn="r">
               <a:defRPr sz="1300"/>
@@ -7356,7 +7361,7 @@
         </p:nvSpPr>
         <p:spPr>
           <a:xfrm>
-            <a:off x="0" y="0"/>
+            <a:off x="0" y="1"/>
             <a:ext cx="3170238" cy="481013"/>
           </a:xfrm>
           <a:prstGeom prst="rect">
@@ -7364,7 +7369,7 @@
           </a:prstGeom>
         </p:spPr>
         <p:txBody>
-          <a:bodyPr vert="horz" lIns="91440" tIns="45720" rIns="91440" bIns="45720" rtlCol="0"/>
+          <a:bodyPr vert="horz" lIns="91429" tIns="45715" rIns="91429" bIns="45715" rtlCol="0"/>
           <a:lstStyle>
             <a:lvl1pPr algn="l">
               <a:defRPr sz="1200"/>
@@ -7547,7 +7552,7 @@
           <a:bodyPr/>
           <a:lstStyle/>
           <a:p>
-            <a:pPr defTabSz="966612">
+            <a:pPr defTabSz="966501">
               <a:defRPr/>
             </a:pPr>
             <a:fld id="{3F63EB8A-53A4-4077-8798-610E05BE84FE}" type="slidenum">
@@ -7557,7 +7562,7 @@
                 </a:solidFill>
                 <a:latin typeface="Calibri" panose="020F0502020204030204"/>
               </a:rPr>
-              <a:pPr defTabSz="966612">
+              <a:pPr defTabSz="966501">
                 <a:defRPr/>
               </a:pPr>
               <a:t>1</a:t>
@@ -7589,7 +7594,7 @@
         </p:nvSpPr>
         <p:spPr>
           <a:xfrm>
-            <a:off x="0" y="0"/>
+            <a:off x="0" y="1"/>
             <a:ext cx="3170238" cy="481013"/>
           </a:xfrm>
           <a:prstGeom prst="rect">
@@ -7597,7 +7602,7 @@
           </a:prstGeom>
         </p:spPr>
         <p:txBody>
-          <a:bodyPr vert="horz" lIns="91440" tIns="45720" rIns="91440" bIns="45720" rtlCol="0"/>
+          <a:bodyPr vert="horz" lIns="91429" tIns="45715" rIns="91429" bIns="45715" rtlCol="0"/>
           <a:lstStyle>
             <a:lvl1pPr algn="l">
               <a:defRPr sz="1200"/>
@@ -7628,6 +7633,601 @@
 </file>
 
 <file path=ppt/notesSlides/notesSlide10.xml><?xml version="1.0" encoding="utf-8"?>
+<p:notes xmlns:a="http://schemas.openxmlformats.org/drawingml/2006/main" xmlns:r="http://schemas.openxmlformats.org/officeDocument/2006/relationships" xmlns:p="http://schemas.openxmlformats.org/presentationml/2006/main">
+  <p:cSld>
+    <p:spTree>
+      <p:nvGrpSpPr>
+        <p:cNvPr id="1" name=""/>
+        <p:cNvGrpSpPr/>
+        <p:nvPr/>
+      </p:nvGrpSpPr>
+      <p:grpSpPr>
+        <a:xfrm>
+          <a:off x="0" y="0"/>
+          <a:ext cx="0" cy="0"/>
+          <a:chOff x="0" y="0"/>
+          <a:chExt cx="0" cy="0"/>
+        </a:xfrm>
+      </p:grpSpPr>
+      <p:sp>
+        <p:nvSpPr>
+          <p:cNvPr id="2" name="Slide Image Placeholder 1"/>
+          <p:cNvSpPr>
+            <a:spLocks noGrp="1" noRot="1" noChangeAspect="1"/>
+          </p:cNvSpPr>
+          <p:nvPr>
+            <p:ph type="sldImg"/>
+          </p:nvPr>
+        </p:nvSpPr>
+        <p:spPr/>
+      </p:sp>
+      <p:sp>
+        <p:nvSpPr>
+          <p:cNvPr id="3" name="Notes Placeholder 2"/>
+          <p:cNvSpPr>
+            <a:spLocks noGrp="1"/>
+          </p:cNvSpPr>
+          <p:nvPr>
+            <p:ph type="body" idx="1"/>
+          </p:nvPr>
+        </p:nvSpPr>
+        <p:spPr/>
+        <p:txBody>
+          <a:bodyPr/>
+          <a:lstStyle/>
+          <a:p>
+            <a:r>
+              <a:rPr lang="en-US" b="1" dirty="0"/>
+              <a:t>Jim </a:t>
+            </a:r>
+            <a:r>
+              <a:rPr lang="en-US" b="1" dirty="0" err="1"/>
+              <a:t>Zemlin</a:t>
+            </a:r>
+            <a:r>
+              <a:rPr lang="en-US" b="1" dirty="0"/>
+              <a:t>, Executive</a:t>
+            </a:r>
+            <a:r>
+              <a:rPr lang="en-US" b="1" baseline="0" dirty="0"/>
+              <a:t> director of Linux foundation said “There are 10’s of millions of open source projects, invest in the ones with sustainable ecosystems”. .NET is one of those projects. </a:t>
+            </a:r>
+            <a:r>
+              <a:rPr lang="en-US" dirty="0"/>
+              <a:t>June 5</a:t>
+            </a:r>
+            <a:r>
+              <a:rPr lang="en-US" baseline="30000" dirty="0"/>
+              <a:t>th</a:t>
+            </a:r>
+            <a:r>
+              <a:rPr lang="en-US" dirty="0"/>
+              <a:t> 2017, CNCF</a:t>
+            </a:r>
+            <a:r>
+              <a:rPr lang="en-US" baseline="0" dirty="0"/>
+              <a:t> released an analysis of the top 30 highest velocity open source projects today. </a:t>
+            </a:r>
+            <a:r>
+              <a:rPr lang="en-US" dirty="0"/>
+              <a:t>This is a logarithmic</a:t>
+            </a:r>
+            <a:r>
+              <a:rPr lang="en-US" baseline="0" dirty="0"/>
+              <a:t> scale to measure OSS project velocity with commits on the X axis and PRs and issues on the Y axis, with # of authors indicated by the size of the circle. The farther upper right the more activity a project has. Linux Kernel is #1, followed by Chromium, Kubernetes and </a:t>
+            </a:r>
+            <a:r>
+              <a:rPr lang="en-US" baseline="0" dirty="0" err="1"/>
+              <a:t>VSCode</a:t>
+            </a:r>
+            <a:r>
+              <a:rPr lang="en-US" baseline="0" dirty="0"/>
+              <a:t>. Notice .NET is the #1 application framework. </a:t>
+            </a:r>
+          </a:p>
+          <a:p>
+            <a:endParaRPr lang="en-US" baseline="0" dirty="0"/>
+          </a:p>
+          <a:p>
+            <a:pPr defTabSz="966501">
+              <a:defRPr/>
+            </a:pPr>
+            <a:r>
+              <a:rPr lang="en-US" baseline="0" dirty="0"/>
+              <a:t>Updated live: https://cdn.rawgit.com/cncf/velocity/d6f852d9/charts/top_30_bubble_chart_2017.html </a:t>
+            </a:r>
+            <a:endParaRPr lang="en-US" dirty="0"/>
+          </a:p>
+          <a:p>
+            <a:endParaRPr lang="en-US" dirty="0"/>
+          </a:p>
+        </p:txBody>
+      </p:sp>
+      <p:sp>
+        <p:nvSpPr>
+          <p:cNvPr id="4" name="Slide Number Placeholder 3"/>
+          <p:cNvSpPr>
+            <a:spLocks noGrp="1"/>
+          </p:cNvSpPr>
+          <p:nvPr>
+            <p:ph type="sldNum" sz="quarter" idx="10"/>
+          </p:nvPr>
+        </p:nvSpPr>
+        <p:spPr/>
+        <p:txBody>
+          <a:bodyPr/>
+          <a:lstStyle/>
+          <a:p>
+            <a:pPr defTabSz="966501">
+              <a:defRPr/>
+            </a:pPr>
+            <a:fld id="{EBAD7DCF-4954-42D1-825D-68A0F61615A4}" type="slidenum">
+              <a:rPr lang="en-US">
+                <a:solidFill>
+                  <a:prstClr val="black"/>
+                </a:solidFill>
+                <a:latin typeface="Calibri" panose="020F0502020204030204"/>
+              </a:rPr>
+              <a:pPr defTabSz="966501">
+                <a:defRPr/>
+              </a:pPr>
+              <a:t>10</a:t>
+            </a:fld>
+            <a:endParaRPr lang="en-US">
+              <a:solidFill>
+                <a:prstClr val="black"/>
+              </a:solidFill>
+              <a:latin typeface="Calibri" panose="020F0502020204030204"/>
+            </a:endParaRPr>
+          </a:p>
+        </p:txBody>
+      </p:sp>
+      <p:sp>
+        <p:nvSpPr>
+          <p:cNvPr id="5" name="Header Placeholder 10">
+            <a:extLst>
+              <a:ext uri="{FF2B5EF4-FFF2-40B4-BE49-F238E27FC236}">
+                <a16:creationId xmlns:a16="http://schemas.microsoft.com/office/drawing/2014/main" id="{5D26D21F-3566-4A31-9CF4-64F7531D051C}"/>
+              </a:ext>
+            </a:extLst>
+          </p:cNvPr>
+          <p:cNvSpPr>
+            <a:spLocks noGrp="1"/>
+          </p:cNvSpPr>
+          <p:nvPr>
+            <p:ph type="hdr" sz="quarter"/>
+          </p:nvPr>
+        </p:nvSpPr>
+        <p:spPr>
+          <a:xfrm>
+            <a:off x="0" y="1"/>
+            <a:ext cx="3170238" cy="481013"/>
+          </a:xfrm>
+          <a:prstGeom prst="rect">
+            <a:avLst/>
+          </a:prstGeom>
+        </p:spPr>
+        <p:txBody>
+          <a:bodyPr vert="horz" lIns="91429" tIns="45715" rIns="91429" bIns="45715" rtlCol="0"/>
+          <a:lstStyle>
+            <a:lvl1pPr algn="l">
+              <a:defRPr sz="1200"/>
+            </a:lvl1pPr>
+          </a:lstStyle>
+          <a:p>
+            <a:r>
+              <a:rPr lang="en-US" dirty="0"/>
+              <a:t>https://github.com/dotnet-presentations/home</a:t>
+            </a:r>
+          </a:p>
+          <a:p>
+            <a:endParaRPr lang="en-US" dirty="0"/>
+          </a:p>
+        </p:txBody>
+      </p:sp>
+    </p:spTree>
+    <p:extLst>
+      <p:ext uri="{BB962C8B-B14F-4D97-AF65-F5344CB8AC3E}">
+        <p14:creationId xmlns:p14="http://schemas.microsoft.com/office/powerpoint/2010/main" val="4238198123"/>
+      </p:ext>
+    </p:extLst>
+  </p:cSld>
+  <p:clrMapOvr>
+    <a:masterClrMapping/>
+  </p:clrMapOvr>
+</p:notes>
+</file>
+
+<file path=ppt/notesSlides/notesSlide11.xml><?xml version="1.0" encoding="utf-8"?>
+<p:notes xmlns:a="http://schemas.openxmlformats.org/drawingml/2006/main" xmlns:r="http://schemas.openxmlformats.org/officeDocument/2006/relationships" xmlns:p="http://schemas.openxmlformats.org/presentationml/2006/main">
+  <p:cSld>
+    <p:spTree>
+      <p:nvGrpSpPr>
+        <p:cNvPr id="1" name=""/>
+        <p:cNvGrpSpPr/>
+        <p:nvPr/>
+      </p:nvGrpSpPr>
+      <p:grpSpPr>
+        <a:xfrm>
+          <a:off x="0" y="0"/>
+          <a:ext cx="0" cy="0"/>
+          <a:chOff x="0" y="0"/>
+          <a:chExt cx="0" cy="0"/>
+        </a:xfrm>
+      </p:grpSpPr>
+      <p:sp>
+        <p:nvSpPr>
+          <p:cNvPr id="3" name="Notes Placeholder 2"/>
+          <p:cNvSpPr>
+            <a:spLocks noGrp="1"/>
+          </p:cNvSpPr>
+          <p:nvPr>
+            <p:ph type="body" idx="1"/>
+          </p:nvPr>
+        </p:nvSpPr>
+        <p:spPr>
+          <a:xfrm>
+            <a:off x="493296" y="4800600"/>
+            <a:ext cx="6352673" cy="2420938"/>
+          </a:xfrm>
+        </p:spPr>
+        <p:txBody>
+          <a:bodyPr/>
+          <a:lstStyle/>
+          <a:p>
+            <a:pPr defTabSz="966501">
+              <a:defRPr/>
+            </a:pPr>
+            <a:r>
+              <a:rPr lang="en-US" dirty="0"/>
+              <a:t>This didn’t happen overnight. Here’s a little history of .NET open source…..</a:t>
+            </a:r>
+          </a:p>
+          <a:p>
+            <a:pPr defTabSz="966501">
+              <a:defRPr/>
+            </a:pPr>
+            <a:endParaRPr lang="en-US" dirty="0"/>
+          </a:p>
+          <a:p>
+            <a:pPr defTabSz="966501">
+              <a:defRPr/>
+            </a:pPr>
+            <a:r>
+              <a:rPr lang="en-US" dirty="0"/>
+              <a:t>Dec 2001-Feb 2002. </a:t>
+            </a:r>
+          </a:p>
+          <a:p>
+            <a:pPr defTabSz="966501">
+              <a:defRPr/>
+            </a:pPr>
+            <a:r>
+              <a:rPr lang="en-US" b="1" dirty="0"/>
+              <a:t>A new platform is born. </a:t>
+            </a:r>
+            <a:r>
+              <a:rPr lang="en-US" b="0" dirty="0"/>
+              <a:t>Along with HP,</a:t>
+            </a:r>
+            <a:r>
+              <a:rPr lang="en-US" b="0" baseline="0" dirty="0"/>
+              <a:t> Intel and others, the ECMA-335 standard was created that defined a common language infrastructure to support multiple programming languages. C# and Visual Basic.NET were released and F# came later in 2007, but there are over 20 other .NET languages today. Visual Studio .NET was released and included C#, VB, C++ development all in one box. This was the first IDE that was truly integrated across multiple languages. </a:t>
+            </a:r>
+          </a:p>
+          <a:p>
+            <a:pPr defTabSz="966501">
+              <a:defRPr/>
+            </a:pPr>
+            <a:endParaRPr lang="en-US" b="1" dirty="0"/>
+          </a:p>
+          <a:p>
+            <a:pPr defTabSz="966501">
+              <a:defRPr/>
+            </a:pPr>
+            <a:r>
+              <a:rPr lang="en-US" b="1" dirty="0"/>
+              <a:t>Mono project begins. </a:t>
+            </a:r>
+            <a:r>
+              <a:rPr lang="en-US" dirty="0"/>
+              <a:t>The CLI</a:t>
+            </a:r>
+            <a:r>
+              <a:rPr lang="en-US" baseline="0" dirty="0"/>
+              <a:t> spec gave others the ability to create their own .NET implementations. Even though Microsoft built the first .NET Framework for Windows-only, the spec was intentionally portable across OSes and chipsets. The Mono project began, spearheaded by Miguel de Icaza, with the goal to implement Microsoft's new .NET development platform on Linux and Unix-like platforms. Later, Miguel started Xamarin which focused on cross-platform, native, mobile development with C#, built upon Mono. This allows developers to use C# and .NET to build apps for iOS and Android. Unity games development also emerged from Mono. </a:t>
+            </a:r>
+          </a:p>
+          <a:p>
+            <a:pPr defTabSz="966501">
+              <a:defRPr/>
+            </a:pPr>
+            <a:endParaRPr lang="en-US" baseline="0" dirty="0"/>
+          </a:p>
+          <a:p>
+            <a:pPr defTabSz="966501">
+              <a:defRPr/>
+            </a:pPr>
+            <a:r>
+              <a:rPr lang="en-US" baseline="0" dirty="0"/>
+              <a:t>2008. </a:t>
+            </a:r>
+          </a:p>
+          <a:p>
+            <a:pPr defTabSz="966501">
+              <a:defRPr/>
+            </a:pPr>
+            <a:r>
+              <a:rPr lang="en-US" b="1" baseline="0" dirty="0"/>
+              <a:t>ASP.NET MVC web development stack is released to </a:t>
+            </a:r>
+            <a:r>
+              <a:rPr lang="en-US" b="1" baseline="0" dirty="0" err="1"/>
+              <a:t>CodePlex</a:t>
+            </a:r>
+            <a:r>
+              <a:rPr lang="en-US" b="1" baseline="0" dirty="0"/>
+              <a:t> as open source. </a:t>
+            </a:r>
+            <a:r>
+              <a:rPr lang="en-US" b="0" baseline="0" dirty="0"/>
+              <a:t>This was the first application development framework from Microsoft to be released as open source. The underlying runtime and compilers were still closed however. </a:t>
+            </a:r>
+          </a:p>
+          <a:p>
+            <a:pPr defTabSz="966501">
+              <a:defRPr/>
+            </a:pPr>
+            <a:endParaRPr lang="en-US" b="0" baseline="0" dirty="0"/>
+          </a:p>
+          <a:p>
+            <a:pPr defTabSz="966501">
+              <a:defRPr/>
+            </a:pPr>
+            <a:r>
+              <a:rPr lang="en-US" b="0" baseline="0" dirty="0"/>
+              <a:t>2014. </a:t>
+            </a:r>
+          </a:p>
+          <a:p>
+            <a:pPr defTabSz="966501">
+              <a:defRPr/>
+            </a:pPr>
+            <a:r>
+              <a:rPr lang="en-US" b="1" dirty="0"/>
+              <a:t>Hell</a:t>
+            </a:r>
+            <a:r>
+              <a:rPr lang="en-US" b="1" baseline="0" dirty="0"/>
+              <a:t> freezes over &amp; pigs fly. </a:t>
+            </a:r>
+            <a:r>
+              <a:rPr lang="en-US" dirty="0"/>
+              <a:t>Early 2014 at Microsoft’s BUILD</a:t>
+            </a:r>
+            <a:r>
+              <a:rPr lang="en-US" baseline="0" dirty="0"/>
+              <a:t> conference</a:t>
+            </a:r>
+            <a:r>
+              <a:rPr lang="en-US" dirty="0"/>
+              <a:t>, Anders Hejlsberg, the father of C#,</a:t>
+            </a:r>
+            <a:r>
+              <a:rPr lang="en-US" baseline="0" dirty="0"/>
+              <a:t> releases </a:t>
+            </a:r>
+            <a:r>
+              <a:rPr lang="en-US" dirty="0"/>
+              <a:t>the .NET Compiler</a:t>
+            </a:r>
+            <a:r>
+              <a:rPr lang="en-US" baseline="0" dirty="0"/>
+              <a:t> Platform “Roslyn” as open source on stage. Later in November, .NET Core project begins in the open. The technology world is shocked, and the .NET community is excited. .NET Core is a new cloud-native implementation of .NET that is geared for cross-platform, hyper-scale services as well as small IoT devices. It’s meant to bring .NET into the next 15 years of computing. And the community has been extremely supportive.</a:t>
+            </a:r>
+            <a:endParaRPr lang="en-US" b="0" baseline="0" dirty="0"/>
+          </a:p>
+          <a:p>
+            <a:pPr defTabSz="966501">
+              <a:defRPr/>
+            </a:pPr>
+            <a:endParaRPr lang="en-US" b="0" baseline="0" dirty="0"/>
+          </a:p>
+          <a:p>
+            <a:pPr defTabSz="966501">
+              <a:defRPr/>
+            </a:pPr>
+            <a:r>
+              <a:rPr lang="en-US" b="0" baseline="0" dirty="0"/>
+              <a:t>2016. </a:t>
+            </a:r>
+          </a:p>
+          <a:p>
+            <a:pPr defTabSz="966501">
+              <a:defRPr/>
+            </a:pPr>
+            <a:r>
+              <a:rPr lang="en-US" b="1" dirty="0"/>
+              <a:t>Mono comes home. </a:t>
+            </a:r>
+            <a:r>
+              <a:rPr lang="en-US" dirty="0"/>
+              <a:t>In</a:t>
+            </a:r>
+            <a:r>
+              <a:rPr lang="en-US" baseline="0" dirty="0"/>
+              <a:t> early 2016, Microsoft finally acquires Xamarin and brings Miguel de Icaza into Developer Division. Mono joins the .NET foundation and is officially supported and contributed to by Microsoft. The Microsoft community officially meets the Mono community. </a:t>
+            </a:r>
+            <a:endParaRPr lang="en-US" b="0" baseline="0" dirty="0"/>
+          </a:p>
+          <a:p>
+            <a:pPr defTabSz="966501">
+              <a:defRPr/>
+            </a:pPr>
+            <a:endParaRPr lang="en-US" b="0" baseline="0" dirty="0"/>
+          </a:p>
+          <a:p>
+            <a:pPr defTabSz="966501">
+              <a:defRPr/>
+            </a:pPr>
+            <a:r>
+              <a:rPr lang="en-US" b="0" baseline="0" dirty="0"/>
+              <a:t>2017. </a:t>
+            </a:r>
+          </a:p>
+          <a:p>
+            <a:pPr defTabSz="966501">
+              <a:defRPr/>
+            </a:pPr>
+            <a:r>
+              <a:rPr lang="en-US" b="1" baseline="0" dirty="0"/>
+              <a:t>.NET Core 2.0 Released. </a:t>
+            </a:r>
+            <a:r>
+              <a:rPr lang="en-US" b="0" baseline="0" dirty="0"/>
+              <a:t>Our cross platform and open source implementation of .NET finally releases to the world with unified tooling support across multiple operating systems and editors. </a:t>
+            </a:r>
+            <a:endParaRPr lang="en-US" b="1" baseline="0" dirty="0"/>
+          </a:p>
+          <a:p>
+            <a:pPr defTabSz="966501">
+              <a:defRPr/>
+            </a:pPr>
+            <a:endParaRPr lang="en-US" b="0" baseline="0" dirty="0"/>
+          </a:p>
+          <a:p>
+            <a:pPr defTabSz="966501">
+              <a:defRPr/>
+            </a:pPr>
+            <a:endParaRPr lang="en-US" dirty="0"/>
+          </a:p>
+          <a:p>
+            <a:pPr defTabSz="966501">
+              <a:defRPr/>
+            </a:pPr>
+            <a:endParaRPr lang="en-US" dirty="0"/>
+          </a:p>
+        </p:txBody>
+      </p:sp>
+      <p:sp>
+        <p:nvSpPr>
+          <p:cNvPr id="7" name="Slide Number Placeholder 6"/>
+          <p:cNvSpPr>
+            <a:spLocks noGrp="1"/>
+          </p:cNvSpPr>
+          <p:nvPr>
+            <p:ph type="sldNum" sz="quarter" idx="13"/>
+          </p:nvPr>
+        </p:nvSpPr>
+        <p:spPr>
+          <a:xfrm>
+            <a:off x="4144964" y="9120188"/>
+            <a:ext cx="3170237" cy="481012"/>
+          </a:xfrm>
+        </p:spPr>
+        <p:txBody>
+          <a:bodyPr/>
+          <a:lstStyle/>
+          <a:p>
+            <a:pPr defTabSz="966501">
+              <a:defRPr/>
+            </a:pPr>
+            <a:fld id="{B4008EB6-D09E-4580-8CD6-DDB14511944F}" type="slidenum">
+              <a:rPr lang="en-US">
+                <a:solidFill>
+                  <a:prstClr val="black"/>
+                </a:solidFill>
+                <a:latin typeface="Calibri" panose="020F0502020204030204"/>
+              </a:rPr>
+              <a:pPr defTabSz="966501">
+                <a:defRPr/>
+              </a:pPr>
+              <a:t>11</a:t>
+            </a:fld>
+            <a:endParaRPr lang="en-US" dirty="0">
+              <a:solidFill>
+                <a:prstClr val="black"/>
+              </a:solidFill>
+              <a:latin typeface="Calibri" panose="020F0502020204030204"/>
+            </a:endParaRPr>
+          </a:p>
+        </p:txBody>
+      </p:sp>
+      <p:sp>
+        <p:nvSpPr>
+          <p:cNvPr id="8" name="Slide Image Placeholder 7">
+            <a:extLst>
+              <a:ext uri="{FF2B5EF4-FFF2-40B4-BE49-F238E27FC236}">
+                <a16:creationId xmlns:a16="http://schemas.microsoft.com/office/drawing/2014/main" id="{BCAF6593-53E3-40FD-8C5A-D856B8FADFB4}"/>
+              </a:ext>
+            </a:extLst>
+          </p:cNvPr>
+          <p:cNvSpPr>
+            <a:spLocks noGrp="1" noRot="1" noChangeAspect="1"/>
+          </p:cNvSpPr>
+          <p:nvPr>
+            <p:ph type="sldImg"/>
+          </p:nvPr>
+        </p:nvSpPr>
+        <p:spPr/>
+      </p:sp>
+      <p:sp>
+        <p:nvSpPr>
+          <p:cNvPr id="10" name="Header Placeholder 10">
+            <a:extLst>
+              <a:ext uri="{FF2B5EF4-FFF2-40B4-BE49-F238E27FC236}">
+                <a16:creationId xmlns:a16="http://schemas.microsoft.com/office/drawing/2014/main" id="{A3E9A547-A109-437E-9821-7A92FBEE648A}"/>
+              </a:ext>
+            </a:extLst>
+          </p:cNvPr>
+          <p:cNvSpPr>
+            <a:spLocks noGrp="1"/>
+          </p:cNvSpPr>
+          <p:nvPr>
+            <p:ph type="hdr" sz="quarter"/>
+          </p:nvPr>
+        </p:nvSpPr>
+        <p:spPr>
+          <a:xfrm>
+            <a:off x="0" y="1"/>
+            <a:ext cx="3170238" cy="481013"/>
+          </a:xfrm>
+          <a:prstGeom prst="rect">
+            <a:avLst/>
+          </a:prstGeom>
+        </p:spPr>
+        <p:txBody>
+          <a:bodyPr vert="horz" lIns="91429" tIns="45715" rIns="91429" bIns="45715" rtlCol="0"/>
+          <a:lstStyle>
+            <a:lvl1pPr algn="l">
+              <a:defRPr sz="1200"/>
+            </a:lvl1pPr>
+          </a:lstStyle>
+          <a:p>
+            <a:r>
+              <a:rPr lang="en-US" dirty="0"/>
+              <a:t>https://github.com/dotnet-presentations/home</a:t>
+            </a:r>
+          </a:p>
+          <a:p>
+            <a:endParaRPr lang="en-US" dirty="0"/>
+          </a:p>
+        </p:txBody>
+      </p:sp>
+    </p:spTree>
+    <p:extLst>
+      <p:ext uri="{BB962C8B-B14F-4D97-AF65-F5344CB8AC3E}">
+        <p14:creationId xmlns:p14="http://schemas.microsoft.com/office/powerpoint/2010/main" val="3291182048"/>
+      </p:ext>
+    </p:extLst>
+  </p:cSld>
+  <p:clrMapOvr>
+    <a:masterClrMapping/>
+  </p:clrMapOvr>
+</p:notes>
+</file>
+
+<file path=ppt/notesSlides/notesSlide12.xml><?xml version="1.0" encoding="utf-8"?>
 <p:notes xmlns:a="http://schemas.openxmlformats.org/drawingml/2006/main" xmlns:r="http://schemas.openxmlformats.org/officeDocument/2006/relationships" xmlns:p="http://schemas.openxmlformats.org/presentationml/2006/main">
   <p:cSld>
     <p:spTree>
@@ -7711,7 +8311,7 @@
           <a:bodyPr/>
           <a:lstStyle/>
           <a:p>
-            <a:pPr defTabSz="1004735">
+            <a:pPr defTabSz="1004619">
               <a:defRPr/>
             </a:pPr>
             <a:fld id="{B4008EB6-D09E-4580-8CD6-DDB14511944F}" type="slidenum">
@@ -7721,10 +8321,10 @@
                 </a:solidFill>
                 <a:latin typeface="Calibri" panose="020F0502020204030204"/>
               </a:rPr>
-              <a:pPr defTabSz="1004735">
+              <a:pPr defTabSz="1004619">
                 <a:defRPr/>
               </a:pPr>
-              <a:t>10</a:t>
+              <a:t>12</a:t>
             </a:fld>
             <a:endParaRPr lang="en-US">
               <a:solidFill>
@@ -7753,7 +8353,7 @@
         </p:nvSpPr>
         <p:spPr>
           <a:xfrm>
-            <a:off x="0" y="0"/>
+            <a:off x="0" y="1"/>
             <a:ext cx="3170238" cy="481013"/>
           </a:xfrm>
           <a:prstGeom prst="rect">
@@ -7761,7 +8361,7 @@
           </a:prstGeom>
         </p:spPr>
         <p:txBody>
-          <a:bodyPr vert="horz" lIns="91440" tIns="45720" rIns="91440" bIns="45720" rtlCol="0"/>
+          <a:bodyPr vert="horz" lIns="91429" tIns="45715" rIns="91429" bIns="45715" rtlCol="0"/>
           <a:lstStyle>
             <a:lvl1pPr algn="l">
               <a:defRPr sz="1200"/>
@@ -7791,7 +8391,7 @@
 </p:notes>
 </file>
 
-<file path=ppt/notesSlides/notesSlide11.xml><?xml version="1.0" encoding="utf-8"?>
+<file path=ppt/notesSlides/notesSlide13.xml><?xml version="1.0" encoding="utf-8"?>
 <p:notes xmlns:a="http://schemas.openxmlformats.org/drawingml/2006/main" xmlns:r="http://schemas.openxmlformats.org/officeDocument/2006/relationships" xmlns:p="http://schemas.openxmlformats.org/presentationml/2006/main">
   <p:cSld>
     <p:spTree>
@@ -7859,7 +8459,7 @@
           <a:p>
             <a:fld id="{E0AE778D-2A57-4226-B72B-26EA3CA60131}" type="slidenum">
               <a:rPr lang="en-US" smtClean="0"/>
-              <a:t>11</a:t>
+              <a:t>13</a:t>
             </a:fld>
             <a:endParaRPr lang="en-US"/>
           </a:p>
@@ -7883,7 +8483,7 @@
         </p:nvSpPr>
         <p:spPr>
           <a:xfrm>
-            <a:off x="0" y="0"/>
+            <a:off x="0" y="1"/>
             <a:ext cx="3170238" cy="481013"/>
           </a:xfrm>
           <a:prstGeom prst="rect">
@@ -7891,7 +8491,7 @@
           </a:prstGeom>
         </p:spPr>
         <p:txBody>
-          <a:bodyPr vert="horz" lIns="91440" tIns="45720" rIns="91440" bIns="45720" rtlCol="0"/>
+          <a:bodyPr vert="horz" lIns="91429" tIns="45715" rIns="91429" bIns="45715" rtlCol="0"/>
           <a:lstStyle>
             <a:lvl1pPr algn="l">
               <a:defRPr sz="1200"/>
@@ -7921,7 +8521,7 @@
 </p:notes>
 </file>
 
-<file path=ppt/notesSlides/notesSlide12.xml><?xml version="1.0" encoding="utf-8"?>
+<file path=ppt/notesSlides/notesSlide14.xml><?xml version="1.0" encoding="utf-8"?>
 <p:notes xmlns:a="http://schemas.openxmlformats.org/drawingml/2006/main" xmlns:r="http://schemas.openxmlformats.org/officeDocument/2006/relationships" xmlns:p="http://schemas.openxmlformats.org/presentationml/2006/main">
   <p:cSld>
     <p:spTree>
@@ -7987,7 +8587,7 @@
           <a:bodyPr/>
           <a:lstStyle/>
           <a:p>
-            <a:pPr defTabSz="986002">
+            <a:pPr defTabSz="985889">
               <a:defRPr/>
             </a:pPr>
             <a:fld id="{B4008EB6-D09E-4580-8CD6-DDB14511944F}" type="slidenum">
@@ -7997,10 +8597,10 @@
                 </a:solidFill>
                 <a:latin typeface="Segoe UI" pitchFamily="34" charset="0"/>
               </a:rPr>
-              <a:pPr defTabSz="986002">
+              <a:pPr defTabSz="985889">
                 <a:defRPr/>
               </a:pPr>
-              <a:t>12</a:t>
+              <a:t>14</a:t>
             </a:fld>
             <a:endParaRPr lang="en-US">
               <a:solidFill>
@@ -8029,7 +8629,7 @@
         </p:nvSpPr>
         <p:spPr>
           <a:xfrm>
-            <a:off x="0" y="0"/>
+            <a:off x="0" y="1"/>
             <a:ext cx="3170238" cy="481013"/>
           </a:xfrm>
           <a:prstGeom prst="rect">
@@ -8037,7 +8637,7 @@
           </a:prstGeom>
         </p:spPr>
         <p:txBody>
-          <a:bodyPr vert="horz" lIns="91440" tIns="45720" rIns="91440" bIns="45720" rtlCol="0"/>
+          <a:bodyPr vert="horz" lIns="91429" tIns="45715" rIns="91429" bIns="45715" rtlCol="0"/>
           <a:lstStyle>
             <a:lvl1pPr algn="l">
               <a:defRPr sz="1200"/>
@@ -8067,7 +8667,7 @@
 </p:notes>
 </file>
 
-<file path=ppt/notesSlides/notesSlide13.xml><?xml version="1.0" encoding="utf-8"?>
+<file path=ppt/notesSlides/notesSlide15.xml><?xml version="1.0" encoding="utf-8"?>
 <p:notes xmlns:a="http://schemas.openxmlformats.org/drawingml/2006/main" xmlns:r="http://schemas.openxmlformats.org/officeDocument/2006/relationships" xmlns:p="http://schemas.openxmlformats.org/presentationml/2006/main">
   <p:cSld>
     <p:spTree>
@@ -8133,7 +8733,7 @@
           <a:bodyPr/>
           <a:lstStyle/>
           <a:p>
-            <a:pPr defTabSz="986002">
+            <a:pPr defTabSz="985889">
               <a:defRPr/>
             </a:pPr>
             <a:fld id="{CC8195A8-0CC9-4EC5-84EE-12317B82121E}" type="slidenum">
@@ -8143,10 +8743,10 @@
                 </a:solidFill>
                 <a:latin typeface="Segoe UI" pitchFamily="34" charset="0"/>
               </a:rPr>
-              <a:pPr defTabSz="986002">
+              <a:pPr defTabSz="985889">
                 <a:defRPr/>
               </a:pPr>
-              <a:t>13</a:t>
+              <a:t>15</a:t>
             </a:fld>
             <a:endParaRPr lang="en-US">
               <a:solidFill>
@@ -8175,7 +8775,7 @@
         </p:nvSpPr>
         <p:spPr>
           <a:xfrm>
-            <a:off x="0" y="0"/>
+            <a:off x="0" y="1"/>
             <a:ext cx="3170238" cy="481013"/>
           </a:xfrm>
           <a:prstGeom prst="rect">
@@ -8183,7 +8783,7 @@
           </a:prstGeom>
         </p:spPr>
         <p:txBody>
-          <a:bodyPr vert="horz" lIns="91440" tIns="45720" rIns="91440" bIns="45720" rtlCol="0"/>
+          <a:bodyPr vert="horz" lIns="91429" tIns="45715" rIns="91429" bIns="45715" rtlCol="0"/>
           <a:lstStyle>
             <a:lvl1pPr algn="l">
               <a:defRPr sz="1200"/>
@@ -8213,7 +8813,7 @@
 </p:notes>
 </file>
 
-<file path=ppt/notesSlides/notesSlide14.xml><?xml version="1.0" encoding="utf-8"?>
+<file path=ppt/notesSlides/notesSlide16.xml><?xml version="1.0" encoding="utf-8"?>
 <p:notes xmlns:a="http://schemas.openxmlformats.org/drawingml/2006/main" xmlns:r="http://schemas.openxmlformats.org/officeDocument/2006/relationships" xmlns:p="http://schemas.openxmlformats.org/presentationml/2006/main">
   <p:cSld>
     <p:spTree>
@@ -8276,7 +8876,7 @@
           <a:bodyPr/>
           <a:lstStyle/>
           <a:p>
-            <a:pPr defTabSz="966612">
+            <a:pPr defTabSz="966501">
               <a:defRPr/>
             </a:pPr>
             <a:fld id="{3829E9FC-B671-424D-AD31-3E8C5FC948FF}" type="slidenum">
@@ -8286,10 +8886,10 @@
                 </a:solidFill>
                 <a:latin typeface="Calibri" panose="020F0502020204030204"/>
               </a:rPr>
-              <a:pPr defTabSz="966612">
+              <a:pPr defTabSz="966501">
                 <a:defRPr/>
               </a:pPr>
-              <a:t>14</a:t>
+              <a:t>16</a:t>
             </a:fld>
             <a:endParaRPr lang="en-US">
               <a:solidFill>
@@ -8318,7 +8918,7 @@
         </p:nvSpPr>
         <p:spPr>
           <a:xfrm>
-            <a:off x="0" y="0"/>
+            <a:off x="0" y="1"/>
             <a:ext cx="3170238" cy="481013"/>
           </a:xfrm>
           <a:prstGeom prst="rect">
@@ -8326,7 +8926,7 @@
           </a:prstGeom>
         </p:spPr>
         <p:txBody>
-          <a:bodyPr vert="horz" lIns="91440" tIns="45720" rIns="91440" bIns="45720" rtlCol="0"/>
+          <a:bodyPr vert="horz" lIns="91429" tIns="45715" rIns="91429" bIns="45715" rtlCol="0"/>
           <a:lstStyle>
             <a:lvl1pPr algn="l">
               <a:defRPr sz="1200"/>
@@ -8356,7 +8956,7 @@
 </p:notes>
 </file>
 
-<file path=ppt/notesSlides/notesSlide15.xml><?xml version="1.0" encoding="utf-8"?>
+<file path=ppt/notesSlides/notesSlide17.xml><?xml version="1.0" encoding="utf-8"?>
 <p:notes xmlns:a="http://schemas.openxmlformats.org/drawingml/2006/main" xmlns:r="http://schemas.openxmlformats.org/officeDocument/2006/relationships" xmlns:p="http://schemas.openxmlformats.org/presentationml/2006/main">
   <p:cSld>
     <p:spTree>
@@ -8422,7 +9022,7 @@
           <a:bodyPr/>
           <a:lstStyle/>
           <a:p>
-            <a:pPr defTabSz="966612">
+            <a:pPr defTabSz="966501">
               <a:defRPr/>
             </a:pPr>
             <a:fld id="{3829E9FC-B671-424D-AD31-3E8C5FC948FF}" type="slidenum">
@@ -8432,10 +9032,10 @@
                 </a:solidFill>
                 <a:latin typeface="Calibri" panose="020F0502020204030204"/>
               </a:rPr>
-              <a:pPr defTabSz="966612">
+              <a:pPr defTabSz="966501">
                 <a:defRPr/>
               </a:pPr>
-              <a:t>15</a:t>
+              <a:t>17</a:t>
             </a:fld>
             <a:endParaRPr lang="en-US">
               <a:solidFill>
@@ -8464,7 +9064,7 @@
         </p:nvSpPr>
         <p:spPr>
           <a:xfrm>
-            <a:off x="0" y="0"/>
+            <a:off x="0" y="1"/>
             <a:ext cx="3170238" cy="481013"/>
           </a:xfrm>
           <a:prstGeom prst="rect">
@@ -8472,7 +9072,7 @@
           </a:prstGeom>
         </p:spPr>
         <p:txBody>
-          <a:bodyPr vert="horz" lIns="91440" tIns="45720" rIns="91440" bIns="45720" rtlCol="0"/>
+          <a:bodyPr vert="horz" lIns="91429" tIns="45715" rIns="91429" bIns="45715" rtlCol="0"/>
           <a:lstStyle>
             <a:lvl1pPr algn="l">
               <a:defRPr sz="1200"/>
@@ -8502,7 +9102,7 @@
 </p:notes>
 </file>
 
-<file path=ppt/notesSlides/notesSlide16.xml><?xml version="1.0" encoding="utf-8"?>
+<file path=ppt/notesSlides/notesSlide18.xml><?xml version="1.0" encoding="utf-8"?>
 <p:notes xmlns:a="http://schemas.openxmlformats.org/drawingml/2006/main" xmlns:r="http://schemas.openxmlformats.org/officeDocument/2006/relationships" xmlns:p="http://schemas.openxmlformats.org/presentationml/2006/main">
   <p:cSld>
     <p:spTree>
@@ -8568,7 +9168,7 @@
           <a:bodyPr/>
           <a:lstStyle/>
           <a:p>
-            <a:pPr defTabSz="966612">
+            <a:pPr defTabSz="966501">
               <a:defRPr/>
             </a:pPr>
             <a:fld id="{3829E9FC-B671-424D-AD31-3E8C5FC948FF}" type="slidenum">
@@ -8578,10 +9178,10 @@
                 </a:solidFill>
                 <a:latin typeface="Calibri" panose="020F0502020204030204"/>
               </a:rPr>
-              <a:pPr defTabSz="966612">
+              <a:pPr defTabSz="966501">
                 <a:defRPr/>
               </a:pPr>
-              <a:t>16</a:t>
+              <a:t>18</a:t>
             </a:fld>
             <a:endParaRPr lang="en-US">
               <a:solidFill>
@@ -8610,7 +9210,7 @@
         </p:nvSpPr>
         <p:spPr>
           <a:xfrm>
-            <a:off x="0" y="0"/>
+            <a:off x="0" y="1"/>
             <a:ext cx="3170238" cy="481013"/>
           </a:xfrm>
           <a:prstGeom prst="rect">
@@ -8618,7 +9218,7 @@
           </a:prstGeom>
         </p:spPr>
         <p:txBody>
-          <a:bodyPr vert="horz" lIns="91440" tIns="45720" rIns="91440" bIns="45720" rtlCol="0"/>
+          <a:bodyPr vert="horz" lIns="91429" tIns="45715" rIns="91429" bIns="45715" rtlCol="0"/>
           <a:lstStyle>
             <a:lvl1pPr algn="l">
               <a:defRPr sz="1200"/>
@@ -8639,317 +9239,6 @@
     <p:extLst>
       <p:ext uri="{BB962C8B-B14F-4D97-AF65-F5344CB8AC3E}">
         <p14:creationId xmlns:p14="http://schemas.microsoft.com/office/powerpoint/2010/main" val="2504923607"/>
-      </p:ext>
-    </p:extLst>
-  </p:cSld>
-  <p:clrMapOvr>
-    <a:masterClrMapping/>
-  </p:clrMapOvr>
-</p:notes>
-</file>
-
-<file path=ppt/notesSlides/notesSlide17.xml><?xml version="1.0" encoding="utf-8"?>
-<p:notes xmlns:a="http://schemas.openxmlformats.org/drawingml/2006/main" xmlns:r="http://schemas.openxmlformats.org/officeDocument/2006/relationships" xmlns:p="http://schemas.openxmlformats.org/presentationml/2006/main">
-  <p:cSld>
-    <p:spTree>
-      <p:nvGrpSpPr>
-        <p:cNvPr id="1" name=""/>
-        <p:cNvGrpSpPr/>
-        <p:nvPr/>
-      </p:nvGrpSpPr>
-      <p:grpSpPr>
-        <a:xfrm>
-          <a:off x="0" y="0"/>
-          <a:ext cx="0" cy="0"/>
-          <a:chOff x="0" y="0"/>
-          <a:chExt cx="0" cy="0"/>
-        </a:xfrm>
-      </p:grpSpPr>
-      <p:sp>
-        <p:nvSpPr>
-          <p:cNvPr id="2" name="Slide Image Placeholder 1"/>
-          <p:cNvSpPr>
-            <a:spLocks noGrp="1" noRot="1" noChangeAspect="1"/>
-          </p:cNvSpPr>
-          <p:nvPr>
-            <p:ph type="sldImg"/>
-          </p:nvPr>
-        </p:nvSpPr>
-        <p:spPr/>
-      </p:sp>
-      <p:sp>
-        <p:nvSpPr>
-          <p:cNvPr id="3" name="Notes Placeholder 2"/>
-          <p:cNvSpPr>
-            <a:spLocks noGrp="1"/>
-          </p:cNvSpPr>
-          <p:nvPr>
-            <p:ph type="body" idx="1"/>
-          </p:nvPr>
-        </p:nvSpPr>
-        <p:spPr/>
-        <p:txBody>
-          <a:bodyPr/>
-          <a:lstStyle/>
-          <a:p>
-            <a:pPr defTabSz="966612">
-              <a:defRPr/>
-            </a:pPr>
-            <a:r>
-              <a:rPr lang="en-US" dirty="0"/>
-              <a:t>And our usage is growing. As of February 2018, if we take a look at just the cross-platform, web workload (.NET Core) you can see we are already over a half million active developers per month. Active means unique developers with 2+ days of development per month. </a:t>
-            </a:r>
-          </a:p>
-          <a:p>
-            <a:pPr defTabSz="966612">
-              <a:defRPr/>
-            </a:pPr>
-            <a:endParaRPr lang="en-US" dirty="0"/>
-          </a:p>
-          <a:p>
-            <a:pPr defTabSz="966612">
-              <a:defRPr/>
-            </a:pPr>
-            <a:r>
-              <a:rPr lang="en-US" dirty="0"/>
-              <a:t>On average we’re seeing double digit percentage growth of .NET Core </a:t>
-            </a:r>
-            <a:r>
-              <a:rPr lang="en-US" dirty="0" err="1"/>
-              <a:t>MoM</a:t>
-            </a:r>
-            <a:r>
-              <a:rPr lang="en-US" dirty="0"/>
-              <a:t> since 2.0 release in August. Metric includes .NET Core CLI + .NET Core in Visual Studio, 2day+ Active.  </a:t>
-            </a:r>
-          </a:p>
-          <a:p>
-            <a:endParaRPr lang="en-US" dirty="0"/>
-          </a:p>
-          <a:p>
-            <a:r>
-              <a:rPr lang="en-US" dirty="0"/>
-              <a:t>.NET all up across </a:t>
-            </a:r>
-            <a:r>
-              <a:rPr lang="en-US"/>
-              <a:t>other workloads is </a:t>
-            </a:r>
-            <a:r>
-              <a:rPr lang="en-US" dirty="0"/>
-              <a:t>also growing rapidly. We have 4M active developers. We get about 450K new developers/Month and we see a 15% growth in Community PR’s </a:t>
-            </a:r>
-            <a:r>
-              <a:rPr lang="en-US" dirty="0" err="1"/>
-              <a:t>MoM</a:t>
-            </a:r>
-            <a:r>
-              <a:rPr lang="en-US" dirty="0"/>
-              <a:t>. </a:t>
-            </a:r>
-          </a:p>
-        </p:txBody>
-      </p:sp>
-      <p:sp>
-        <p:nvSpPr>
-          <p:cNvPr id="4" name="Slide Number Placeholder 3"/>
-          <p:cNvSpPr>
-            <a:spLocks noGrp="1"/>
-          </p:cNvSpPr>
-          <p:nvPr>
-            <p:ph type="sldNum" sz="quarter" idx="10"/>
-          </p:nvPr>
-        </p:nvSpPr>
-        <p:spPr/>
-        <p:txBody>
-          <a:bodyPr/>
-          <a:lstStyle/>
-          <a:p>
-            <a:fld id="{A5B2E1C3-744A-48F6-B1A1-972992C1F32F}" type="slidenum">
-              <a:rPr lang="en-US" smtClean="0"/>
-              <a:t>17</a:t>
-            </a:fld>
-            <a:endParaRPr lang="en-US"/>
-          </a:p>
-        </p:txBody>
-      </p:sp>
-      <p:sp>
-        <p:nvSpPr>
-          <p:cNvPr id="5" name="Header Placeholder 10">
-            <a:extLst>
-              <a:ext uri="{FF2B5EF4-FFF2-40B4-BE49-F238E27FC236}">
-                <a16:creationId xmlns:a16="http://schemas.microsoft.com/office/drawing/2014/main" id="{844CBA84-9978-4A47-9720-91A757AB5E8A}"/>
-              </a:ext>
-            </a:extLst>
-          </p:cNvPr>
-          <p:cNvSpPr>
-            <a:spLocks noGrp="1"/>
-          </p:cNvSpPr>
-          <p:nvPr>
-            <p:ph type="hdr" sz="quarter"/>
-          </p:nvPr>
-        </p:nvSpPr>
-        <p:spPr>
-          <a:xfrm>
-            <a:off x="0" y="0"/>
-            <a:ext cx="3170238" cy="481013"/>
-          </a:xfrm>
-          <a:prstGeom prst="rect">
-            <a:avLst/>
-          </a:prstGeom>
-        </p:spPr>
-        <p:txBody>
-          <a:bodyPr vert="horz" lIns="91440" tIns="45720" rIns="91440" bIns="45720" rtlCol="0"/>
-          <a:lstStyle>
-            <a:lvl1pPr algn="l">
-              <a:defRPr sz="1200"/>
-            </a:lvl1pPr>
-          </a:lstStyle>
-          <a:p>
-            <a:r>
-              <a:rPr lang="en-US" dirty="0"/>
-              <a:t>https://github.com/dotnet-presentations/home</a:t>
-            </a:r>
-          </a:p>
-          <a:p>
-            <a:endParaRPr lang="en-US" dirty="0"/>
-          </a:p>
-        </p:txBody>
-      </p:sp>
-    </p:spTree>
-    <p:extLst>
-      <p:ext uri="{BB962C8B-B14F-4D97-AF65-F5344CB8AC3E}">
-        <p14:creationId xmlns:p14="http://schemas.microsoft.com/office/powerpoint/2010/main" val="2117039568"/>
-      </p:ext>
-    </p:extLst>
-  </p:cSld>
-  <p:clrMapOvr>
-    <a:masterClrMapping/>
-  </p:clrMapOvr>
-</p:notes>
-</file>
-
-<file path=ppt/notesSlides/notesSlide18.xml><?xml version="1.0" encoding="utf-8"?>
-<p:notes xmlns:a="http://schemas.openxmlformats.org/drawingml/2006/main" xmlns:r="http://schemas.openxmlformats.org/officeDocument/2006/relationships" xmlns:p="http://schemas.openxmlformats.org/presentationml/2006/main">
-  <p:cSld>
-    <p:spTree>
-      <p:nvGrpSpPr>
-        <p:cNvPr id="1" name=""/>
-        <p:cNvGrpSpPr/>
-        <p:nvPr/>
-      </p:nvGrpSpPr>
-      <p:grpSpPr>
-        <a:xfrm>
-          <a:off x="0" y="0"/>
-          <a:ext cx="0" cy="0"/>
-          <a:chOff x="0" y="0"/>
-          <a:chExt cx="0" cy="0"/>
-        </a:xfrm>
-      </p:grpSpPr>
-      <p:sp>
-        <p:nvSpPr>
-          <p:cNvPr id="2" name="Slide Image Placeholder 1"/>
-          <p:cNvSpPr>
-            <a:spLocks noGrp="1" noRot="1" noChangeAspect="1"/>
-          </p:cNvSpPr>
-          <p:nvPr>
-            <p:ph type="sldImg"/>
-          </p:nvPr>
-        </p:nvSpPr>
-        <p:spPr/>
-      </p:sp>
-      <p:sp>
-        <p:nvSpPr>
-          <p:cNvPr id="3" name="Notes Placeholder 2"/>
-          <p:cNvSpPr>
-            <a:spLocks noGrp="1"/>
-          </p:cNvSpPr>
-          <p:nvPr>
-            <p:ph type="body" idx="1"/>
-          </p:nvPr>
-        </p:nvSpPr>
-        <p:spPr/>
-        <p:txBody>
-          <a:bodyPr/>
-          <a:lstStyle/>
-          <a:p>
-            <a:r>
-              <a:rPr lang="en-US" dirty="0"/>
-              <a:t>So you want to learn .NET? Start with a language. We make it easy to get started learning right in your browser. </a:t>
-            </a:r>
-          </a:p>
-        </p:txBody>
-      </p:sp>
-      <p:sp>
-        <p:nvSpPr>
-          <p:cNvPr id="4" name="Slide Number Placeholder 3"/>
-          <p:cNvSpPr>
-            <a:spLocks noGrp="1"/>
-          </p:cNvSpPr>
-          <p:nvPr>
-            <p:ph type="sldNum" sz="quarter" idx="10"/>
-          </p:nvPr>
-        </p:nvSpPr>
-        <p:spPr/>
-        <p:txBody>
-          <a:bodyPr/>
-          <a:lstStyle/>
-          <a:p>
-            <a:fld id="{E0AE778D-2A57-4226-B72B-26EA3CA60131}" type="slidenum">
-              <a:rPr lang="en-US" smtClean="0"/>
-              <a:t>18</a:t>
-            </a:fld>
-            <a:endParaRPr lang="en-US"/>
-          </a:p>
-        </p:txBody>
-      </p:sp>
-      <p:sp>
-        <p:nvSpPr>
-          <p:cNvPr id="5" name="Header Placeholder 10">
-            <a:extLst>
-              <a:ext uri="{FF2B5EF4-FFF2-40B4-BE49-F238E27FC236}">
-                <a16:creationId xmlns:a16="http://schemas.microsoft.com/office/drawing/2014/main" id="{43AD052D-DF69-459D-86BF-623D5EA6F6A5}"/>
-              </a:ext>
-            </a:extLst>
-          </p:cNvPr>
-          <p:cNvSpPr>
-            <a:spLocks noGrp="1"/>
-          </p:cNvSpPr>
-          <p:nvPr>
-            <p:ph type="hdr" sz="quarter"/>
-          </p:nvPr>
-        </p:nvSpPr>
-        <p:spPr>
-          <a:xfrm>
-            <a:off x="0" y="0"/>
-            <a:ext cx="3170238" cy="481013"/>
-          </a:xfrm>
-          <a:prstGeom prst="rect">
-            <a:avLst/>
-          </a:prstGeom>
-        </p:spPr>
-        <p:txBody>
-          <a:bodyPr vert="horz" lIns="91440" tIns="45720" rIns="91440" bIns="45720" rtlCol="0"/>
-          <a:lstStyle>
-            <a:lvl1pPr algn="l">
-              <a:defRPr sz="1200"/>
-            </a:lvl1pPr>
-          </a:lstStyle>
-          <a:p>
-            <a:r>
-              <a:rPr lang="en-US" dirty="0"/>
-              <a:t>https://github.com/dotnet-presentations/home</a:t>
-            </a:r>
-          </a:p>
-          <a:p>
-            <a:endParaRPr lang="en-US" dirty="0"/>
-          </a:p>
-        </p:txBody>
-      </p:sp>
-    </p:spTree>
-    <p:extLst>
-      <p:ext uri="{BB962C8B-B14F-4D97-AF65-F5344CB8AC3E}">
-        <p14:creationId xmlns:p14="http://schemas.microsoft.com/office/powerpoint/2010/main" val="2345490442"/>
       </p:ext>
     </p:extLst>
   </p:cSld>
@@ -9003,42 +9292,48 @@
           <a:bodyPr/>
           <a:lstStyle/>
           <a:p>
+            <a:pPr defTabSz="966501">
+              <a:defRPr/>
+            </a:pPr>
             <a:r>
               <a:rPr lang="en-US" dirty="0"/>
-              <a:t>In-Browser tutorial:</a:t>
+              <a:t>And our usage is growing. As of February 2018, if we take a look at just the cross-platform, web workload (.NET Core) you can see we are already over a half million active developers per month. Active means unique developers with 2+ days of development per month. </a:t>
             </a:r>
+          </a:p>
+          <a:p>
+            <a:pPr defTabSz="966501">
+              <a:defRPr/>
+            </a:pPr>
+            <a:endParaRPr lang="en-US" dirty="0"/>
+          </a:p>
+          <a:p>
+            <a:pPr defTabSz="966501">
+              <a:defRPr/>
+            </a:pPr>
+            <a:r>
+              <a:rPr lang="en-US" dirty="0"/>
+              <a:t>On average we’re seeing double digit percentage growth of .NET Core </a:t>
+            </a:r>
+            <a:r>
+              <a:rPr lang="en-US" dirty="0" err="1"/>
+              <a:t>MoM</a:t>
+            </a:r>
+            <a:r>
+              <a:rPr lang="en-US" dirty="0"/>
+              <a:t> since 2.0 release in August. Metric includes .NET Core CLI + .NET Core in Visual Studio, 2day+ Active.  </a:t>
+            </a:r>
+          </a:p>
+          <a:p>
+            <a:endParaRPr lang="en-US" dirty="0"/>
           </a:p>
           <a:p>
             <a:r>
               <a:rPr lang="en-US" dirty="0"/>
-              <a:t>www.dot.net </a:t>
+              <a:t>.NET all up across other workloads is also growing rapidly</a:t>
             </a:r>
             <a:r>
-              <a:rPr lang="en-US" dirty="0">
-                <a:sym typeface="Wingdings" panose="05000000000000000000" pitchFamily="2" charset="2"/>
-              </a:rPr>
-              <a:t> Get Started  Select In-browser tutorial</a:t>
-            </a:r>
-          </a:p>
-          <a:p>
-            <a:r>
-              <a:rPr lang="en-US" b="1" dirty="0">
-                <a:sym typeface="Wingdings" panose="05000000000000000000" pitchFamily="2" charset="2"/>
-              </a:rPr>
-              <a:t>https://www.microsoft.com/net/learn/in-browser-tutorial/1</a:t>
-            </a:r>
-          </a:p>
-          <a:p>
-            <a:endParaRPr lang="en-US" b="1" dirty="0">
-              <a:sym typeface="Wingdings" panose="05000000000000000000" pitchFamily="2" charset="2"/>
-            </a:endParaRPr>
-          </a:p>
-          <a:p>
-            <a:r>
-              <a:rPr lang="en-US" dirty="0">
-                <a:sym typeface="Wingdings" panose="05000000000000000000" pitchFamily="2" charset="2"/>
-              </a:rPr>
-              <a:t>-- Have the class walk through some of the lessons. </a:t>
+              <a:rPr lang="en-US"/>
+              <a:t>. </a:t>
             </a:r>
             <a:endParaRPr lang="en-US" dirty="0"/>
           </a:p>
@@ -9059,7 +9354,7 @@
           <a:bodyPr/>
           <a:lstStyle/>
           <a:p>
-            <a:fld id="{E0AE778D-2A57-4226-B72B-26EA3CA60131}" type="slidenum">
+            <a:fld id="{A5B2E1C3-744A-48F6-B1A1-972992C1F32F}" type="slidenum">
               <a:rPr lang="en-US" smtClean="0"/>
               <a:t>19</a:t>
             </a:fld>
@@ -9072,7 +9367,7 @@
           <p:cNvPr id="5" name="Header Placeholder 10">
             <a:extLst>
               <a:ext uri="{FF2B5EF4-FFF2-40B4-BE49-F238E27FC236}">
-                <a16:creationId xmlns:a16="http://schemas.microsoft.com/office/drawing/2014/main" id="{389753A2-5F8A-4548-8AA2-356A80BBADBE}"/>
+                <a16:creationId xmlns:a16="http://schemas.microsoft.com/office/drawing/2014/main" id="{844CBA84-9978-4A47-9720-91A757AB5E8A}"/>
               </a:ext>
             </a:extLst>
           </p:cNvPr>
@@ -9085,7 +9380,7 @@
         </p:nvSpPr>
         <p:spPr>
           <a:xfrm>
-            <a:off x="0" y="0"/>
+            <a:off x="0" y="1"/>
             <a:ext cx="3170238" cy="481013"/>
           </a:xfrm>
           <a:prstGeom prst="rect">
@@ -9093,7 +9388,7 @@
           </a:prstGeom>
         </p:spPr>
         <p:txBody>
-          <a:bodyPr vert="horz" lIns="91440" tIns="45720" rIns="91440" bIns="45720" rtlCol="0"/>
+          <a:bodyPr vert="horz" lIns="91429" tIns="45715" rIns="91429" bIns="45715" rtlCol="0"/>
           <a:lstStyle>
             <a:lvl1pPr algn="l">
               <a:defRPr sz="1200"/>
@@ -9113,7 +9408,7 @@
     </p:spTree>
     <p:extLst>
       <p:ext uri="{BB962C8B-B14F-4D97-AF65-F5344CB8AC3E}">
-        <p14:creationId xmlns:p14="http://schemas.microsoft.com/office/powerpoint/2010/main" val="2263716338"/>
+        <p14:creationId xmlns:p14="http://schemas.microsoft.com/office/powerpoint/2010/main" val="2117039568"/>
       </p:ext>
     </p:extLst>
   </p:cSld>
@@ -9256,13 +9551,8 @@
           <a:p>
             <a:r>
               <a:rPr lang="en-US" dirty="0"/>
-              <a:t>We also have free tools that can help you build </a:t>
+              <a:t>So you want to learn .NET? Start with a language. We make it easy to get started learning right in your browser. </a:t>
             </a:r>
-            <a:r>
-              <a:rPr lang="en-US"/>
-              <a:t>your apps. </a:t>
-            </a:r>
-            <a:endParaRPr lang="en-US" dirty="0"/>
           </a:p>
         </p:txBody>
       </p:sp>
@@ -9294,6 +9584,305 @@
           <p:cNvPr id="5" name="Header Placeholder 10">
             <a:extLst>
               <a:ext uri="{FF2B5EF4-FFF2-40B4-BE49-F238E27FC236}">
+                <a16:creationId xmlns:a16="http://schemas.microsoft.com/office/drawing/2014/main" id="{43AD052D-DF69-459D-86BF-623D5EA6F6A5}"/>
+              </a:ext>
+            </a:extLst>
+          </p:cNvPr>
+          <p:cNvSpPr>
+            <a:spLocks noGrp="1"/>
+          </p:cNvSpPr>
+          <p:nvPr>
+            <p:ph type="hdr" sz="quarter"/>
+          </p:nvPr>
+        </p:nvSpPr>
+        <p:spPr>
+          <a:xfrm>
+            <a:off x="0" y="1"/>
+            <a:ext cx="3170238" cy="481013"/>
+          </a:xfrm>
+          <a:prstGeom prst="rect">
+            <a:avLst/>
+          </a:prstGeom>
+        </p:spPr>
+        <p:txBody>
+          <a:bodyPr vert="horz" lIns="91429" tIns="45715" rIns="91429" bIns="45715" rtlCol="0"/>
+          <a:lstStyle>
+            <a:lvl1pPr algn="l">
+              <a:defRPr sz="1200"/>
+            </a:lvl1pPr>
+          </a:lstStyle>
+          <a:p>
+            <a:r>
+              <a:rPr lang="en-US" dirty="0"/>
+              <a:t>https://github.com/dotnet-presentations/home</a:t>
+            </a:r>
+          </a:p>
+          <a:p>
+            <a:endParaRPr lang="en-US" dirty="0"/>
+          </a:p>
+        </p:txBody>
+      </p:sp>
+    </p:spTree>
+    <p:extLst>
+      <p:ext uri="{BB962C8B-B14F-4D97-AF65-F5344CB8AC3E}">
+        <p14:creationId xmlns:p14="http://schemas.microsoft.com/office/powerpoint/2010/main" val="2345490442"/>
+      </p:ext>
+    </p:extLst>
+  </p:cSld>
+  <p:clrMapOvr>
+    <a:masterClrMapping/>
+  </p:clrMapOvr>
+</p:notes>
+</file>
+
+<file path=ppt/notesSlides/notesSlide21.xml><?xml version="1.0" encoding="utf-8"?>
+<p:notes xmlns:a="http://schemas.openxmlformats.org/drawingml/2006/main" xmlns:r="http://schemas.openxmlformats.org/officeDocument/2006/relationships" xmlns:p="http://schemas.openxmlformats.org/presentationml/2006/main">
+  <p:cSld>
+    <p:spTree>
+      <p:nvGrpSpPr>
+        <p:cNvPr id="1" name=""/>
+        <p:cNvGrpSpPr/>
+        <p:nvPr/>
+      </p:nvGrpSpPr>
+      <p:grpSpPr>
+        <a:xfrm>
+          <a:off x="0" y="0"/>
+          <a:ext cx="0" cy="0"/>
+          <a:chOff x="0" y="0"/>
+          <a:chExt cx="0" cy="0"/>
+        </a:xfrm>
+      </p:grpSpPr>
+      <p:sp>
+        <p:nvSpPr>
+          <p:cNvPr id="2" name="Slide Image Placeholder 1"/>
+          <p:cNvSpPr>
+            <a:spLocks noGrp="1" noRot="1" noChangeAspect="1"/>
+          </p:cNvSpPr>
+          <p:nvPr>
+            <p:ph type="sldImg"/>
+          </p:nvPr>
+        </p:nvSpPr>
+        <p:spPr/>
+      </p:sp>
+      <p:sp>
+        <p:nvSpPr>
+          <p:cNvPr id="3" name="Notes Placeholder 2"/>
+          <p:cNvSpPr>
+            <a:spLocks noGrp="1"/>
+          </p:cNvSpPr>
+          <p:nvPr>
+            <p:ph type="body" idx="1"/>
+          </p:nvPr>
+        </p:nvSpPr>
+        <p:spPr/>
+        <p:txBody>
+          <a:bodyPr/>
+          <a:lstStyle/>
+          <a:p>
+            <a:r>
+              <a:rPr lang="en-US" dirty="0"/>
+              <a:t>In-Browser tutorial:</a:t>
+            </a:r>
+          </a:p>
+          <a:p>
+            <a:r>
+              <a:rPr lang="en-US" dirty="0"/>
+              <a:t>www.dot.net </a:t>
+            </a:r>
+            <a:r>
+              <a:rPr lang="en-US" dirty="0">
+                <a:sym typeface="Wingdings" panose="05000000000000000000" pitchFamily="2" charset="2"/>
+              </a:rPr>
+              <a:t> Get Started  Select In-browser tutorial</a:t>
+            </a:r>
+          </a:p>
+          <a:p>
+            <a:r>
+              <a:rPr lang="en-US" b="1" dirty="0">
+                <a:sym typeface="Wingdings" panose="05000000000000000000" pitchFamily="2" charset="2"/>
+              </a:rPr>
+              <a:t>https://www.microsoft.com/net/learn/in-browser-tutorial/1</a:t>
+            </a:r>
+          </a:p>
+          <a:p>
+            <a:endParaRPr lang="en-US" b="1" dirty="0">
+              <a:sym typeface="Wingdings" panose="05000000000000000000" pitchFamily="2" charset="2"/>
+            </a:endParaRPr>
+          </a:p>
+          <a:p>
+            <a:r>
+              <a:rPr lang="en-US" dirty="0">
+                <a:sym typeface="Wingdings" panose="05000000000000000000" pitchFamily="2" charset="2"/>
+              </a:rPr>
+              <a:t>-- Have the class walk through some of the lessons. </a:t>
+            </a:r>
+            <a:endParaRPr lang="en-US" dirty="0"/>
+          </a:p>
+        </p:txBody>
+      </p:sp>
+      <p:sp>
+        <p:nvSpPr>
+          <p:cNvPr id="4" name="Slide Number Placeholder 3"/>
+          <p:cNvSpPr>
+            <a:spLocks noGrp="1"/>
+          </p:cNvSpPr>
+          <p:nvPr>
+            <p:ph type="sldNum" sz="quarter" idx="10"/>
+          </p:nvPr>
+        </p:nvSpPr>
+        <p:spPr/>
+        <p:txBody>
+          <a:bodyPr/>
+          <a:lstStyle/>
+          <a:p>
+            <a:fld id="{E0AE778D-2A57-4226-B72B-26EA3CA60131}" type="slidenum">
+              <a:rPr lang="en-US" smtClean="0"/>
+              <a:t>21</a:t>
+            </a:fld>
+            <a:endParaRPr lang="en-US"/>
+          </a:p>
+        </p:txBody>
+      </p:sp>
+      <p:sp>
+        <p:nvSpPr>
+          <p:cNvPr id="5" name="Header Placeholder 10">
+            <a:extLst>
+              <a:ext uri="{FF2B5EF4-FFF2-40B4-BE49-F238E27FC236}">
+                <a16:creationId xmlns:a16="http://schemas.microsoft.com/office/drawing/2014/main" id="{389753A2-5F8A-4548-8AA2-356A80BBADBE}"/>
+              </a:ext>
+            </a:extLst>
+          </p:cNvPr>
+          <p:cNvSpPr>
+            <a:spLocks noGrp="1"/>
+          </p:cNvSpPr>
+          <p:nvPr>
+            <p:ph type="hdr" sz="quarter"/>
+          </p:nvPr>
+        </p:nvSpPr>
+        <p:spPr>
+          <a:xfrm>
+            <a:off x="0" y="1"/>
+            <a:ext cx="3170238" cy="481013"/>
+          </a:xfrm>
+          <a:prstGeom prst="rect">
+            <a:avLst/>
+          </a:prstGeom>
+        </p:spPr>
+        <p:txBody>
+          <a:bodyPr vert="horz" lIns="91429" tIns="45715" rIns="91429" bIns="45715" rtlCol="0"/>
+          <a:lstStyle>
+            <a:lvl1pPr algn="l">
+              <a:defRPr sz="1200"/>
+            </a:lvl1pPr>
+          </a:lstStyle>
+          <a:p>
+            <a:r>
+              <a:rPr lang="en-US" dirty="0"/>
+              <a:t>https://github.com/dotnet-presentations/home</a:t>
+            </a:r>
+          </a:p>
+          <a:p>
+            <a:endParaRPr lang="en-US" dirty="0"/>
+          </a:p>
+        </p:txBody>
+      </p:sp>
+    </p:spTree>
+    <p:extLst>
+      <p:ext uri="{BB962C8B-B14F-4D97-AF65-F5344CB8AC3E}">
+        <p14:creationId xmlns:p14="http://schemas.microsoft.com/office/powerpoint/2010/main" val="2263716338"/>
+      </p:ext>
+    </p:extLst>
+  </p:cSld>
+  <p:clrMapOvr>
+    <a:masterClrMapping/>
+  </p:clrMapOvr>
+</p:notes>
+</file>
+
+<file path=ppt/notesSlides/notesSlide22.xml><?xml version="1.0" encoding="utf-8"?>
+<p:notes xmlns:a="http://schemas.openxmlformats.org/drawingml/2006/main" xmlns:r="http://schemas.openxmlformats.org/officeDocument/2006/relationships" xmlns:p="http://schemas.openxmlformats.org/presentationml/2006/main">
+  <p:cSld>
+    <p:spTree>
+      <p:nvGrpSpPr>
+        <p:cNvPr id="1" name=""/>
+        <p:cNvGrpSpPr/>
+        <p:nvPr/>
+      </p:nvGrpSpPr>
+      <p:grpSpPr>
+        <a:xfrm>
+          <a:off x="0" y="0"/>
+          <a:ext cx="0" cy="0"/>
+          <a:chOff x="0" y="0"/>
+          <a:chExt cx="0" cy="0"/>
+        </a:xfrm>
+      </p:grpSpPr>
+      <p:sp>
+        <p:nvSpPr>
+          <p:cNvPr id="2" name="Slide Image Placeholder 1"/>
+          <p:cNvSpPr>
+            <a:spLocks noGrp="1" noRot="1" noChangeAspect="1"/>
+          </p:cNvSpPr>
+          <p:nvPr>
+            <p:ph type="sldImg"/>
+          </p:nvPr>
+        </p:nvSpPr>
+        <p:spPr/>
+      </p:sp>
+      <p:sp>
+        <p:nvSpPr>
+          <p:cNvPr id="3" name="Notes Placeholder 2"/>
+          <p:cNvSpPr>
+            <a:spLocks noGrp="1"/>
+          </p:cNvSpPr>
+          <p:nvPr>
+            <p:ph type="body" idx="1"/>
+          </p:nvPr>
+        </p:nvSpPr>
+        <p:spPr/>
+        <p:txBody>
+          <a:bodyPr/>
+          <a:lstStyle/>
+          <a:p>
+            <a:r>
+              <a:rPr lang="en-US" dirty="0"/>
+              <a:t>We also have free tools that can help you build </a:t>
+            </a:r>
+            <a:r>
+              <a:rPr lang="en-US"/>
+              <a:t>your apps. </a:t>
+            </a:r>
+            <a:endParaRPr lang="en-US" dirty="0"/>
+          </a:p>
+        </p:txBody>
+      </p:sp>
+      <p:sp>
+        <p:nvSpPr>
+          <p:cNvPr id="4" name="Slide Number Placeholder 3"/>
+          <p:cNvSpPr>
+            <a:spLocks noGrp="1"/>
+          </p:cNvSpPr>
+          <p:nvPr>
+            <p:ph type="sldNum" sz="quarter" idx="10"/>
+          </p:nvPr>
+        </p:nvSpPr>
+        <p:spPr/>
+        <p:txBody>
+          <a:bodyPr/>
+          <a:lstStyle/>
+          <a:p>
+            <a:fld id="{E0AE778D-2A57-4226-B72B-26EA3CA60131}" type="slidenum">
+              <a:rPr lang="en-US" smtClean="0"/>
+              <a:t>22</a:t>
+            </a:fld>
+            <a:endParaRPr lang="en-US"/>
+          </a:p>
+        </p:txBody>
+      </p:sp>
+      <p:sp>
+        <p:nvSpPr>
+          <p:cNvPr id="5" name="Header Placeholder 10">
+            <a:extLst>
+              <a:ext uri="{FF2B5EF4-FFF2-40B4-BE49-F238E27FC236}">
                 <a16:creationId xmlns:a16="http://schemas.microsoft.com/office/drawing/2014/main" id="{5DA3948D-156A-44E9-AF62-E5BCD2B66E49}"/>
               </a:ext>
             </a:extLst>
@@ -9307,7 +9896,7 @@
         </p:nvSpPr>
         <p:spPr>
           <a:xfrm>
-            <a:off x="0" y="0"/>
+            <a:off x="0" y="1"/>
             <a:ext cx="3170238" cy="481013"/>
           </a:xfrm>
           <a:prstGeom prst="rect">
@@ -9315,7 +9904,7 @@
           </a:prstGeom>
         </p:spPr>
         <p:txBody>
-          <a:bodyPr vert="horz" lIns="91440" tIns="45720" rIns="91440" bIns="45720" rtlCol="0"/>
+          <a:bodyPr vert="horz" lIns="91429" tIns="45715" rIns="91429" bIns="45715" rtlCol="0"/>
           <a:lstStyle>
             <a:lvl1pPr algn="l">
               <a:defRPr sz="1200"/>
@@ -9345,7 +9934,7 @@
 </p:notes>
 </file>
 
-<file path=ppt/notesSlides/notesSlide21.xml><?xml version="1.0" encoding="utf-8"?>
+<file path=ppt/notesSlides/notesSlide23.xml><?xml version="1.0" encoding="utf-8"?>
 <p:notes xmlns:a="http://schemas.openxmlformats.org/drawingml/2006/main" xmlns:r="http://schemas.openxmlformats.org/officeDocument/2006/relationships" xmlns:p="http://schemas.openxmlformats.org/presentationml/2006/main">
   <p:cSld>
     <p:spTree>
@@ -9531,7 +10120,7 @@
           <a:p>
             <a:fld id="{E0AE778D-2A57-4226-B72B-26EA3CA60131}" type="slidenum">
               <a:rPr lang="en-US" smtClean="0"/>
-              <a:t>21</a:t>
+              <a:t>23</a:t>
             </a:fld>
             <a:endParaRPr lang="en-US"/>
           </a:p>
@@ -9555,7 +10144,7 @@
         </p:nvSpPr>
         <p:spPr>
           <a:xfrm>
-            <a:off x="0" y="0"/>
+            <a:off x="0" y="1"/>
             <a:ext cx="3170238" cy="481013"/>
           </a:xfrm>
           <a:prstGeom prst="rect">
@@ -9563,7 +10152,7 @@
           </a:prstGeom>
         </p:spPr>
         <p:txBody>
-          <a:bodyPr vert="horz" lIns="91440" tIns="45720" rIns="91440" bIns="45720" rtlCol="0"/>
+          <a:bodyPr vert="horz" lIns="91429" tIns="45715" rIns="91429" bIns="45715" rtlCol="0"/>
           <a:lstStyle>
             <a:lvl1pPr algn="l">
               <a:defRPr sz="1200"/>
@@ -9593,7 +10182,7 @@
 </p:notes>
 </file>
 
-<file path=ppt/notesSlides/notesSlide22.xml><?xml version="1.0" encoding="utf-8"?>
+<file path=ppt/notesSlides/notesSlide24.xml><?xml version="1.0" encoding="utf-8"?>
 <p:notes xmlns:a="http://schemas.openxmlformats.org/drawingml/2006/main" xmlns:r="http://schemas.openxmlformats.org/officeDocument/2006/relationships" xmlns:p="http://schemas.openxmlformats.org/presentationml/2006/main">
   <p:cSld>
     <p:spTree>
@@ -9656,7 +10245,7 @@
           <a:bodyPr/>
           <a:lstStyle/>
           <a:p>
-            <a:pPr defTabSz="966612">
+            <a:pPr defTabSz="966501">
               <a:defRPr/>
             </a:pPr>
             <a:fld id="{3F63EB8A-53A4-4077-8798-610E05BE84FE}" type="slidenum">
@@ -9666,10 +10255,10 @@
                 </a:solidFill>
                 <a:latin typeface="Calibri" panose="020F0502020204030204"/>
               </a:rPr>
-              <a:pPr defTabSz="966612">
+              <a:pPr defTabSz="966501">
                 <a:defRPr/>
               </a:pPr>
-              <a:t>22</a:t>
+              <a:t>24</a:t>
             </a:fld>
             <a:endParaRPr lang="en-US">
               <a:solidFill>
@@ -9698,7 +10287,7 @@
         </p:nvSpPr>
         <p:spPr>
           <a:xfrm>
-            <a:off x="0" y="0"/>
+            <a:off x="0" y="1"/>
             <a:ext cx="3170238" cy="481013"/>
           </a:xfrm>
           <a:prstGeom prst="rect">
@@ -9706,7 +10295,7 @@
           </a:prstGeom>
         </p:spPr>
         <p:txBody>
-          <a:bodyPr vert="horz" lIns="91440" tIns="45720" rIns="91440" bIns="45720" rtlCol="0"/>
+          <a:bodyPr vert="horz" lIns="91429" tIns="45715" rIns="91429" bIns="45715" rtlCol="0"/>
           <a:lstStyle>
             <a:lvl1pPr algn="l">
               <a:defRPr sz="1200"/>
@@ -9847,7 +10436,7 @@
           <a:bodyPr/>
           <a:lstStyle/>
           <a:p>
-            <a:pPr defTabSz="966612">
+            <a:pPr defTabSz="966501">
               <a:defRPr/>
             </a:pPr>
             <a:fld id="{3829E9FC-B671-424D-AD31-3E8C5FC948FF}" type="slidenum">
@@ -9857,7 +10446,7 @@
                 </a:solidFill>
                 <a:latin typeface="Calibri" panose="020F0502020204030204"/>
               </a:rPr>
-              <a:pPr defTabSz="966612">
+              <a:pPr defTabSz="966501">
                 <a:defRPr/>
               </a:pPr>
               <a:t>3</a:t>
@@ -9889,7 +10478,7 @@
         </p:nvSpPr>
         <p:spPr>
           <a:xfrm>
-            <a:off x="0" y="0"/>
+            <a:off x="0" y="1"/>
             <a:ext cx="3170238" cy="481013"/>
           </a:xfrm>
           <a:prstGeom prst="rect">
@@ -9897,7 +10486,7 @@
           </a:prstGeom>
         </p:spPr>
         <p:txBody>
-          <a:bodyPr vert="horz" lIns="91440" tIns="45720" rIns="91440" bIns="45720" rtlCol="0"/>
+          <a:bodyPr vert="horz" lIns="91429" tIns="45715" rIns="91429" bIns="45715" rtlCol="0"/>
           <a:lstStyle>
             <a:lvl1pPr algn="l">
               <a:defRPr sz="1200"/>
@@ -9996,7 +10585,7 @@
           <a:bodyPr/>
           <a:lstStyle/>
           <a:p>
-            <a:pPr defTabSz="966612">
+            <a:pPr defTabSz="966501">
               <a:defRPr/>
             </a:pPr>
             <a:fld id="{3829E9FC-B671-424D-AD31-3E8C5FC948FF}" type="slidenum">
@@ -10006,7 +10595,7 @@
                 </a:solidFill>
                 <a:latin typeface="Calibri" panose="020F0502020204030204"/>
               </a:rPr>
-              <a:pPr defTabSz="966612">
+              <a:pPr defTabSz="966501">
                 <a:defRPr/>
               </a:pPr>
               <a:t>4</a:t>
@@ -10038,7 +10627,7 @@
         </p:nvSpPr>
         <p:spPr>
           <a:xfrm>
-            <a:off x="0" y="0"/>
+            <a:off x="0" y="1"/>
             <a:ext cx="3170238" cy="481013"/>
           </a:xfrm>
           <a:prstGeom prst="rect">
@@ -10046,7 +10635,7 @@
           </a:prstGeom>
         </p:spPr>
         <p:txBody>
-          <a:bodyPr vert="horz" lIns="91440" tIns="45720" rIns="91440" bIns="45720" rtlCol="0"/>
+          <a:bodyPr vert="horz" lIns="91429" tIns="45715" rIns="91429" bIns="45715" rtlCol="0"/>
           <a:lstStyle>
             <a:lvl1pPr algn="l">
               <a:defRPr sz="1200"/>
@@ -10142,7 +10731,7 @@
           <a:bodyPr/>
           <a:lstStyle/>
           <a:p>
-            <a:pPr defTabSz="966612">
+            <a:pPr defTabSz="966501">
               <a:defRPr/>
             </a:pPr>
             <a:fld id="{3829E9FC-B671-424D-AD31-3E8C5FC948FF}" type="slidenum">
@@ -10152,7 +10741,7 @@
                 </a:solidFill>
                 <a:latin typeface="Calibri" panose="020F0502020204030204"/>
               </a:rPr>
-              <a:pPr defTabSz="966612">
+              <a:pPr defTabSz="966501">
                 <a:defRPr/>
               </a:pPr>
               <a:t>5</a:t>
@@ -10184,7 +10773,7 @@
         </p:nvSpPr>
         <p:spPr>
           <a:xfrm>
-            <a:off x="0" y="0"/>
+            <a:off x="0" y="1"/>
             <a:ext cx="3170238" cy="481013"/>
           </a:xfrm>
           <a:prstGeom prst="rect">
@@ -10192,7 +10781,7 @@
           </a:prstGeom>
         </p:spPr>
         <p:txBody>
-          <a:bodyPr vert="horz" lIns="91440" tIns="45720" rIns="91440" bIns="45720" rtlCol="0"/>
+          <a:bodyPr vert="horz" lIns="91429" tIns="45715" rIns="91429" bIns="45715" rtlCol="0"/>
           <a:lstStyle>
             <a:lvl1pPr algn="l">
               <a:defRPr sz="1200"/>
@@ -10223,6 +10812,256 @@
 </file>
 
 <file path=ppt/notesSlides/notesSlide6.xml><?xml version="1.0" encoding="utf-8"?>
+<p:notes xmlns:a="http://schemas.openxmlformats.org/drawingml/2006/main" xmlns:r="http://schemas.openxmlformats.org/officeDocument/2006/relationships" xmlns:p="http://schemas.openxmlformats.org/presentationml/2006/main">
+  <p:cSld>
+    <p:spTree>
+      <p:nvGrpSpPr>
+        <p:cNvPr id="1" name=""/>
+        <p:cNvGrpSpPr/>
+        <p:nvPr/>
+      </p:nvGrpSpPr>
+      <p:grpSpPr>
+        <a:xfrm>
+          <a:off x="0" y="0"/>
+          <a:ext cx="0" cy="0"/>
+          <a:chOff x="0" y="0"/>
+          <a:chExt cx="0" cy="0"/>
+        </a:xfrm>
+      </p:grpSpPr>
+      <p:sp>
+        <p:nvSpPr>
+          <p:cNvPr id="2" name="Slide Image Placeholder 1"/>
+          <p:cNvSpPr>
+            <a:spLocks noGrp="1" noRot="1" noChangeAspect="1"/>
+          </p:cNvSpPr>
+          <p:nvPr>
+            <p:ph type="sldImg"/>
+          </p:nvPr>
+        </p:nvSpPr>
+        <p:spPr/>
+      </p:sp>
+      <p:sp>
+        <p:nvSpPr>
+          <p:cNvPr id="3" name="Notes Placeholder 2"/>
+          <p:cNvSpPr>
+            <a:spLocks noGrp="1"/>
+          </p:cNvSpPr>
+          <p:nvPr>
+            <p:ph type="body" idx="1"/>
+          </p:nvPr>
+        </p:nvSpPr>
+        <p:spPr/>
+        <p:txBody>
+          <a:bodyPr/>
+          <a:lstStyle/>
+          <a:p>
+            <a:r>
+              <a:rPr lang="en-US" dirty="0"/>
+              <a:t>.NET is fast. Really fast! That means applications provide better response times and require less compute power. </a:t>
+            </a:r>
+            <a:r>
+              <a:rPr lang="en-US" dirty="0" err="1"/>
+              <a:t>StackOverflow</a:t>
+            </a:r>
+            <a:r>
+              <a:rPr lang="en-US" dirty="0"/>
+              <a:t> serves 5.3M page views a day on just 9 servers!</a:t>
+            </a:r>
+          </a:p>
+          <a:p>
+            <a:r>
+              <a:rPr lang="en-US" dirty="0"/>
+              <a:t>The popular </a:t>
+            </a:r>
+            <a:r>
+              <a:rPr lang="en-US" u="sng" dirty="0" err="1">
+                <a:hlinkClick r:id="rId3"/>
+              </a:rPr>
+              <a:t>TechEmpower</a:t>
+            </a:r>
+            <a:r>
+              <a:rPr lang="en-US" dirty="0"/>
+              <a:t> benchmark compares web application frameworks with tasks like JSON serialization, database access, and server side template rendering - .NET performs faster than any other popular framework. </a:t>
+            </a:r>
+          </a:p>
+          <a:p>
+            <a:r>
+              <a:rPr lang="en-US" dirty="0">
+                <a:hlinkClick r:id="rId3"/>
+              </a:rPr>
+              <a:t>https://www.techempower.com/benchmarks/#section=data-r14&amp;hw=ph&amp;test=plaintext</a:t>
+            </a:r>
+            <a:endParaRPr lang="en-US" dirty="0"/>
+          </a:p>
+          <a:p>
+            <a:endParaRPr lang="en-US" dirty="0"/>
+          </a:p>
+          <a:p>
+            <a:r>
+              <a:rPr lang="en-US" dirty="0"/>
+              <a:t>The community has played a crucial role in performance work for the .NET stack. </a:t>
+            </a:r>
+          </a:p>
+          <a:p>
+            <a:r>
+              <a:rPr lang="en-US" dirty="0"/>
+              <a:t>https://blogs.msdn.microsoft.com/dotnet/tag/performance/</a:t>
+            </a:r>
+          </a:p>
+          <a:p>
+            <a:endParaRPr lang="en-US" dirty="0"/>
+          </a:p>
+        </p:txBody>
+      </p:sp>
+      <p:sp>
+        <p:nvSpPr>
+          <p:cNvPr id="4" name="Slide Number Placeholder 3"/>
+          <p:cNvSpPr>
+            <a:spLocks noGrp="1"/>
+          </p:cNvSpPr>
+          <p:nvPr>
+            <p:ph type="sldNum" sz="quarter" idx="10"/>
+          </p:nvPr>
+        </p:nvSpPr>
+        <p:spPr/>
+        <p:txBody>
+          <a:bodyPr/>
+          <a:lstStyle/>
+          <a:p>
+            <a:pPr defTabSz="914295">
+              <a:defRPr/>
+            </a:pPr>
+            <a:fld id="{CC8195A8-0CC9-4EC5-84EE-12317B82121E}" type="slidenum">
+              <a:rPr lang="en-US" sz="1200">
+                <a:solidFill>
+                  <a:prstClr val="black"/>
+                </a:solidFill>
+                <a:latin typeface="Calibri" panose="020F0502020204030204"/>
+              </a:rPr>
+              <a:pPr defTabSz="914295">
+                <a:defRPr/>
+              </a:pPr>
+              <a:t>6</a:t>
+            </a:fld>
+            <a:endParaRPr lang="en-US" sz="1200">
+              <a:solidFill>
+                <a:prstClr val="black"/>
+              </a:solidFill>
+              <a:latin typeface="Calibri" panose="020F0502020204030204"/>
+            </a:endParaRPr>
+          </a:p>
+        </p:txBody>
+      </p:sp>
+    </p:spTree>
+    <p:extLst>
+      <p:ext uri="{BB962C8B-B14F-4D97-AF65-F5344CB8AC3E}">
+        <p14:creationId xmlns:p14="http://schemas.microsoft.com/office/powerpoint/2010/main" val="3859818021"/>
+      </p:ext>
+    </p:extLst>
+  </p:cSld>
+  <p:clrMapOvr>
+    <a:masterClrMapping/>
+  </p:clrMapOvr>
+</p:notes>
+</file>
+
+<file path=ppt/notesSlides/notesSlide7.xml><?xml version="1.0" encoding="utf-8"?>
+<p:notes xmlns:a="http://schemas.openxmlformats.org/drawingml/2006/main" xmlns:r="http://schemas.openxmlformats.org/officeDocument/2006/relationships" xmlns:p="http://schemas.openxmlformats.org/presentationml/2006/main">
+  <p:cSld>
+    <p:spTree>
+      <p:nvGrpSpPr>
+        <p:cNvPr id="1" name=""/>
+        <p:cNvGrpSpPr/>
+        <p:nvPr/>
+      </p:nvGrpSpPr>
+      <p:grpSpPr>
+        <a:xfrm>
+          <a:off x="0" y="0"/>
+          <a:ext cx="0" cy="0"/>
+          <a:chOff x="0" y="0"/>
+          <a:chExt cx="0" cy="0"/>
+        </a:xfrm>
+      </p:grpSpPr>
+      <p:sp>
+        <p:nvSpPr>
+          <p:cNvPr id="2" name="Slide Image Placeholder 1"/>
+          <p:cNvSpPr>
+            <a:spLocks noGrp="1" noRot="1" noChangeAspect="1"/>
+          </p:cNvSpPr>
+          <p:nvPr>
+            <p:ph type="sldImg"/>
+          </p:nvPr>
+        </p:nvSpPr>
+        <p:spPr/>
+      </p:sp>
+      <p:sp>
+        <p:nvSpPr>
+          <p:cNvPr id="3" name="Notes Placeholder 2"/>
+          <p:cNvSpPr>
+            <a:spLocks noGrp="1"/>
+          </p:cNvSpPr>
+          <p:nvPr>
+            <p:ph type="body" idx="1"/>
+          </p:nvPr>
+        </p:nvSpPr>
+        <p:spPr/>
+        <p:txBody>
+          <a:bodyPr/>
+          <a:lstStyle/>
+          <a:p>
+            <a:r>
+              <a:rPr lang="en-US" dirty="0"/>
+              <a:t>https://www.similartech.com/categories/framework</a:t>
+            </a:r>
+          </a:p>
+          <a:p>
+            <a:endParaRPr lang="en-US" dirty="0"/>
+          </a:p>
+          <a:p>
+            <a:r>
+              <a:rPr lang="en-US" dirty="0"/>
+              <a:t>ASP.NET is the name of the web framework for .NET. As you can see there are more top websites developed with .NET than these other technologies. Only PHP has more. </a:t>
+            </a:r>
+          </a:p>
+        </p:txBody>
+      </p:sp>
+      <p:sp>
+        <p:nvSpPr>
+          <p:cNvPr id="4" name="Slide Number Placeholder 3"/>
+          <p:cNvSpPr>
+            <a:spLocks noGrp="1"/>
+          </p:cNvSpPr>
+          <p:nvPr>
+            <p:ph type="sldNum" sz="quarter" idx="10"/>
+          </p:nvPr>
+        </p:nvSpPr>
+        <p:spPr/>
+        <p:txBody>
+          <a:bodyPr/>
+          <a:lstStyle/>
+          <a:p>
+            <a:fld id="{E0AE778D-2A57-4226-B72B-26EA3CA60131}" type="slidenum">
+              <a:rPr lang="en-US" smtClean="0"/>
+              <a:t>7</a:t>
+            </a:fld>
+            <a:endParaRPr lang="en-US"/>
+          </a:p>
+        </p:txBody>
+      </p:sp>
+    </p:spTree>
+    <p:extLst>
+      <p:ext uri="{BB962C8B-B14F-4D97-AF65-F5344CB8AC3E}">
+        <p14:creationId xmlns:p14="http://schemas.microsoft.com/office/powerpoint/2010/main" val="783420521"/>
+      </p:ext>
+    </p:extLst>
+  </p:cSld>
+  <p:clrMapOvr>
+    <a:masterClrMapping/>
+  </p:clrMapOvr>
+</p:notes>
+</file>
+
+<file path=ppt/notesSlides/notesSlide8.xml><?xml version="1.0" encoding="utf-8"?>
 <p:notes xmlns:a="http://schemas.openxmlformats.org/drawingml/2006/main" xmlns:r="http://schemas.openxmlformats.org/officeDocument/2006/relationships" xmlns:p="http://schemas.openxmlformats.org/presentationml/2006/main">
   <p:cSld>
     <p:spTree>
@@ -10303,7 +11142,7 @@
           <a:bodyPr/>
           <a:lstStyle/>
           <a:p>
-            <a:pPr defTabSz="986002">
+            <a:pPr defTabSz="985889">
               <a:defRPr/>
             </a:pPr>
             <a:fld id="{B4008EB6-D09E-4580-8CD6-DDB14511944F}" type="slidenum">
@@ -10313,10 +11152,10 @@
                 </a:solidFill>
                 <a:latin typeface="Segoe UI" pitchFamily="34" charset="0"/>
               </a:rPr>
-              <a:pPr defTabSz="986002">
+              <a:pPr defTabSz="985889">
                 <a:defRPr/>
               </a:pPr>
-              <a:t>6</a:t>
+              <a:t>8</a:t>
             </a:fld>
             <a:endParaRPr lang="en-US">
               <a:solidFill>
@@ -10345,7 +11184,7 @@
         </p:nvSpPr>
         <p:spPr>
           <a:xfrm>
-            <a:off x="0" y="0"/>
+            <a:off x="0" y="1"/>
             <a:ext cx="3170238" cy="481013"/>
           </a:xfrm>
           <a:prstGeom prst="rect">
@@ -10353,7 +11192,7 @@
           </a:prstGeom>
         </p:spPr>
         <p:txBody>
-          <a:bodyPr vert="horz" lIns="91440" tIns="45720" rIns="91440" bIns="45720" rtlCol="0"/>
+          <a:bodyPr vert="horz" lIns="91429" tIns="45715" rIns="91429" bIns="45715" rtlCol="0"/>
           <a:lstStyle>
             <a:lvl1pPr algn="l">
               <a:defRPr sz="1200"/>
@@ -10383,7 +11222,7 @@
 </p:notes>
 </file>
 
-<file path=ppt/notesSlides/notesSlide7.xml><?xml version="1.0" encoding="utf-8"?>
+<file path=ppt/notesSlides/notesSlide9.xml><?xml version="1.0" encoding="utf-8"?>
 <p:notes xmlns:a="http://schemas.openxmlformats.org/drawingml/2006/main" xmlns:r="http://schemas.openxmlformats.org/officeDocument/2006/relationships" xmlns:p="http://schemas.openxmlformats.org/presentationml/2006/main">
   <p:cSld>
     <p:spTree>
@@ -10453,7 +11292,7 @@
             <a:endParaRPr lang="en-US" dirty="0"/>
           </a:p>
           <a:p>
-            <a:pPr defTabSz="966612">
+            <a:pPr defTabSz="966501">
               <a:defRPr/>
             </a:pPr>
             <a:r>
@@ -10489,7 +11328,7 @@
           <a:bodyPr/>
           <a:lstStyle/>
           <a:p>
-            <a:pPr defTabSz="986002">
+            <a:pPr defTabSz="985889">
               <a:defRPr/>
             </a:pPr>
             <a:fld id="{B4008EB6-D09E-4580-8CD6-DDB14511944F}" type="slidenum">
@@ -10499,10 +11338,10 @@
                 </a:solidFill>
                 <a:latin typeface="Segoe UI" pitchFamily="34" charset="0"/>
               </a:rPr>
-              <a:pPr defTabSz="986002">
+              <a:pPr defTabSz="985889">
                 <a:defRPr/>
               </a:pPr>
-              <a:t>7</a:t>
+              <a:t>9</a:t>
             </a:fld>
             <a:endParaRPr lang="en-US">
               <a:solidFill>
@@ -10531,7 +11370,7 @@
         </p:nvSpPr>
         <p:spPr>
           <a:xfrm>
-            <a:off x="0" y="0"/>
+            <a:off x="0" y="1"/>
             <a:ext cx="3170238" cy="481013"/>
           </a:xfrm>
           <a:prstGeom prst="rect">
@@ -10539,7 +11378,7 @@
           </a:prstGeom>
         </p:spPr>
         <p:txBody>
-          <a:bodyPr vert="horz" lIns="91440" tIns="45720" rIns="91440" bIns="45720" rtlCol="0"/>
+          <a:bodyPr vert="horz" lIns="91429" tIns="45715" rIns="91429" bIns="45715" rtlCol="0"/>
           <a:lstStyle>
             <a:lvl1pPr algn="l">
               <a:defRPr sz="1200"/>
@@ -10560,601 +11399,6 @@
     <p:extLst>
       <p:ext uri="{BB962C8B-B14F-4D97-AF65-F5344CB8AC3E}">
         <p14:creationId xmlns:p14="http://schemas.microsoft.com/office/powerpoint/2010/main" val="3012143018"/>
-      </p:ext>
-    </p:extLst>
-  </p:cSld>
-  <p:clrMapOvr>
-    <a:masterClrMapping/>
-  </p:clrMapOvr>
-</p:notes>
-</file>
-
-<file path=ppt/notesSlides/notesSlide8.xml><?xml version="1.0" encoding="utf-8"?>
-<p:notes xmlns:a="http://schemas.openxmlformats.org/drawingml/2006/main" xmlns:r="http://schemas.openxmlformats.org/officeDocument/2006/relationships" xmlns:p="http://schemas.openxmlformats.org/presentationml/2006/main">
-  <p:cSld>
-    <p:spTree>
-      <p:nvGrpSpPr>
-        <p:cNvPr id="1" name=""/>
-        <p:cNvGrpSpPr/>
-        <p:nvPr/>
-      </p:nvGrpSpPr>
-      <p:grpSpPr>
-        <a:xfrm>
-          <a:off x="0" y="0"/>
-          <a:ext cx="0" cy="0"/>
-          <a:chOff x="0" y="0"/>
-          <a:chExt cx="0" cy="0"/>
-        </a:xfrm>
-      </p:grpSpPr>
-      <p:sp>
-        <p:nvSpPr>
-          <p:cNvPr id="2" name="Slide Image Placeholder 1"/>
-          <p:cNvSpPr>
-            <a:spLocks noGrp="1" noRot="1" noChangeAspect="1"/>
-          </p:cNvSpPr>
-          <p:nvPr>
-            <p:ph type="sldImg"/>
-          </p:nvPr>
-        </p:nvSpPr>
-        <p:spPr/>
-      </p:sp>
-      <p:sp>
-        <p:nvSpPr>
-          <p:cNvPr id="3" name="Notes Placeholder 2"/>
-          <p:cNvSpPr>
-            <a:spLocks noGrp="1"/>
-          </p:cNvSpPr>
-          <p:nvPr>
-            <p:ph type="body" idx="1"/>
-          </p:nvPr>
-        </p:nvSpPr>
-        <p:spPr/>
-        <p:txBody>
-          <a:bodyPr/>
-          <a:lstStyle/>
-          <a:p>
-            <a:r>
-              <a:rPr lang="en-US" b="1" dirty="0"/>
-              <a:t>Jim </a:t>
-            </a:r>
-            <a:r>
-              <a:rPr lang="en-US" b="1" dirty="0" err="1"/>
-              <a:t>Zemlin</a:t>
-            </a:r>
-            <a:r>
-              <a:rPr lang="en-US" b="1" dirty="0"/>
-              <a:t>, Executive</a:t>
-            </a:r>
-            <a:r>
-              <a:rPr lang="en-US" b="1" baseline="0" dirty="0"/>
-              <a:t> director of Linux foundation said “There are 10’s of millions of open source projects, invest in the ones with sustainable ecosystems”. .NET is one of those projects. </a:t>
-            </a:r>
-            <a:r>
-              <a:rPr lang="en-US" dirty="0"/>
-              <a:t>June 5</a:t>
-            </a:r>
-            <a:r>
-              <a:rPr lang="en-US" baseline="30000" dirty="0"/>
-              <a:t>th</a:t>
-            </a:r>
-            <a:r>
-              <a:rPr lang="en-US" dirty="0"/>
-              <a:t> 2017, CNCF</a:t>
-            </a:r>
-            <a:r>
-              <a:rPr lang="en-US" baseline="0" dirty="0"/>
-              <a:t> released an analysis of the top 30 highest velocity open source projects today. </a:t>
-            </a:r>
-            <a:r>
-              <a:rPr lang="en-US" dirty="0"/>
-              <a:t>This is a logarithmic</a:t>
-            </a:r>
-            <a:r>
-              <a:rPr lang="en-US" baseline="0" dirty="0"/>
-              <a:t> scale to measure OSS project velocity with commits on the X axis and PRs and issues on the Y axis, with # of authors indicated by the size of the circle. The farther upper right the more activity a project has. Linux Kernel is #1, followed by Chromium, Kubernetes and </a:t>
-            </a:r>
-            <a:r>
-              <a:rPr lang="en-US" baseline="0" dirty="0" err="1"/>
-              <a:t>VSCode</a:t>
-            </a:r>
-            <a:r>
-              <a:rPr lang="en-US" baseline="0" dirty="0"/>
-              <a:t>. Notice .NET is the #1 application framework. </a:t>
-            </a:r>
-          </a:p>
-          <a:p>
-            <a:endParaRPr lang="en-US" baseline="0" dirty="0"/>
-          </a:p>
-          <a:p>
-            <a:pPr defTabSz="966612">
-              <a:defRPr/>
-            </a:pPr>
-            <a:r>
-              <a:rPr lang="en-US" baseline="0" dirty="0"/>
-              <a:t>Updated live: https://cdn.rawgit.com/cncf/velocity/d6f852d9/charts/top_30_bubble_chart_2017.html </a:t>
-            </a:r>
-            <a:endParaRPr lang="en-US" dirty="0"/>
-          </a:p>
-          <a:p>
-            <a:endParaRPr lang="en-US" dirty="0"/>
-          </a:p>
-        </p:txBody>
-      </p:sp>
-      <p:sp>
-        <p:nvSpPr>
-          <p:cNvPr id="4" name="Slide Number Placeholder 3"/>
-          <p:cNvSpPr>
-            <a:spLocks noGrp="1"/>
-          </p:cNvSpPr>
-          <p:nvPr>
-            <p:ph type="sldNum" sz="quarter" idx="10"/>
-          </p:nvPr>
-        </p:nvSpPr>
-        <p:spPr/>
-        <p:txBody>
-          <a:bodyPr/>
-          <a:lstStyle/>
-          <a:p>
-            <a:pPr defTabSz="966612">
-              <a:defRPr/>
-            </a:pPr>
-            <a:fld id="{EBAD7DCF-4954-42D1-825D-68A0F61615A4}" type="slidenum">
-              <a:rPr lang="en-US">
-                <a:solidFill>
-                  <a:prstClr val="black"/>
-                </a:solidFill>
-                <a:latin typeface="Calibri" panose="020F0502020204030204"/>
-              </a:rPr>
-              <a:pPr defTabSz="966612">
-                <a:defRPr/>
-              </a:pPr>
-              <a:t>8</a:t>
-            </a:fld>
-            <a:endParaRPr lang="en-US">
-              <a:solidFill>
-                <a:prstClr val="black"/>
-              </a:solidFill>
-              <a:latin typeface="Calibri" panose="020F0502020204030204"/>
-            </a:endParaRPr>
-          </a:p>
-        </p:txBody>
-      </p:sp>
-      <p:sp>
-        <p:nvSpPr>
-          <p:cNvPr id="5" name="Header Placeholder 10">
-            <a:extLst>
-              <a:ext uri="{FF2B5EF4-FFF2-40B4-BE49-F238E27FC236}">
-                <a16:creationId xmlns:a16="http://schemas.microsoft.com/office/drawing/2014/main" id="{5D26D21F-3566-4A31-9CF4-64F7531D051C}"/>
-              </a:ext>
-            </a:extLst>
-          </p:cNvPr>
-          <p:cNvSpPr>
-            <a:spLocks noGrp="1"/>
-          </p:cNvSpPr>
-          <p:nvPr>
-            <p:ph type="hdr" sz="quarter"/>
-          </p:nvPr>
-        </p:nvSpPr>
-        <p:spPr>
-          <a:xfrm>
-            <a:off x="0" y="0"/>
-            <a:ext cx="3170238" cy="481013"/>
-          </a:xfrm>
-          <a:prstGeom prst="rect">
-            <a:avLst/>
-          </a:prstGeom>
-        </p:spPr>
-        <p:txBody>
-          <a:bodyPr vert="horz" lIns="91440" tIns="45720" rIns="91440" bIns="45720" rtlCol="0"/>
-          <a:lstStyle>
-            <a:lvl1pPr algn="l">
-              <a:defRPr sz="1200"/>
-            </a:lvl1pPr>
-          </a:lstStyle>
-          <a:p>
-            <a:r>
-              <a:rPr lang="en-US" dirty="0"/>
-              <a:t>https://github.com/dotnet-presentations/home</a:t>
-            </a:r>
-          </a:p>
-          <a:p>
-            <a:endParaRPr lang="en-US" dirty="0"/>
-          </a:p>
-        </p:txBody>
-      </p:sp>
-    </p:spTree>
-    <p:extLst>
-      <p:ext uri="{BB962C8B-B14F-4D97-AF65-F5344CB8AC3E}">
-        <p14:creationId xmlns:p14="http://schemas.microsoft.com/office/powerpoint/2010/main" val="4238198123"/>
-      </p:ext>
-    </p:extLst>
-  </p:cSld>
-  <p:clrMapOvr>
-    <a:masterClrMapping/>
-  </p:clrMapOvr>
-</p:notes>
-</file>
-
-<file path=ppt/notesSlides/notesSlide9.xml><?xml version="1.0" encoding="utf-8"?>
-<p:notes xmlns:a="http://schemas.openxmlformats.org/drawingml/2006/main" xmlns:r="http://schemas.openxmlformats.org/officeDocument/2006/relationships" xmlns:p="http://schemas.openxmlformats.org/presentationml/2006/main">
-  <p:cSld>
-    <p:spTree>
-      <p:nvGrpSpPr>
-        <p:cNvPr id="1" name=""/>
-        <p:cNvGrpSpPr/>
-        <p:nvPr/>
-      </p:nvGrpSpPr>
-      <p:grpSpPr>
-        <a:xfrm>
-          <a:off x="0" y="0"/>
-          <a:ext cx="0" cy="0"/>
-          <a:chOff x="0" y="0"/>
-          <a:chExt cx="0" cy="0"/>
-        </a:xfrm>
-      </p:grpSpPr>
-      <p:sp>
-        <p:nvSpPr>
-          <p:cNvPr id="3" name="Notes Placeholder 2"/>
-          <p:cNvSpPr>
-            <a:spLocks noGrp="1"/>
-          </p:cNvSpPr>
-          <p:nvPr>
-            <p:ph type="body" idx="1"/>
-          </p:nvPr>
-        </p:nvSpPr>
-        <p:spPr>
-          <a:xfrm>
-            <a:off x="493295" y="4800600"/>
-            <a:ext cx="6352673" cy="2420938"/>
-          </a:xfrm>
-        </p:spPr>
-        <p:txBody>
-          <a:bodyPr/>
-          <a:lstStyle/>
-          <a:p>
-            <a:pPr defTabSz="966612">
-              <a:defRPr/>
-            </a:pPr>
-            <a:r>
-              <a:rPr lang="en-US" dirty="0"/>
-              <a:t>This didn’t happen overnight. Here’s a little history of .NET open source…..</a:t>
-            </a:r>
-          </a:p>
-          <a:p>
-            <a:pPr defTabSz="966612">
-              <a:defRPr/>
-            </a:pPr>
-            <a:endParaRPr lang="en-US" dirty="0"/>
-          </a:p>
-          <a:p>
-            <a:pPr defTabSz="966612">
-              <a:defRPr/>
-            </a:pPr>
-            <a:r>
-              <a:rPr lang="en-US" dirty="0"/>
-              <a:t>Dec 2001-Feb 2002. </a:t>
-            </a:r>
-          </a:p>
-          <a:p>
-            <a:pPr defTabSz="966612">
-              <a:defRPr/>
-            </a:pPr>
-            <a:r>
-              <a:rPr lang="en-US" b="1" dirty="0"/>
-              <a:t>A new platform is born. </a:t>
-            </a:r>
-            <a:r>
-              <a:rPr lang="en-US" b="0" dirty="0"/>
-              <a:t>Along with HP,</a:t>
-            </a:r>
-            <a:r>
-              <a:rPr lang="en-US" b="0" baseline="0" dirty="0"/>
-              <a:t> Intel and others, the ECMA-335 standard was created that defined a common language infrastructure to support multiple programming languages. C# and Visual Basic.NET were released and F# came later in 2007, but there are over 20 other .NET languages today. Visual Studio .NET was released and included C#, VB, C++ development all in one box. This was the first IDE that was truly integrated across multiple languages. </a:t>
-            </a:r>
-          </a:p>
-          <a:p>
-            <a:pPr defTabSz="966612">
-              <a:defRPr/>
-            </a:pPr>
-            <a:endParaRPr lang="en-US" b="1" dirty="0"/>
-          </a:p>
-          <a:p>
-            <a:pPr defTabSz="966612">
-              <a:defRPr/>
-            </a:pPr>
-            <a:r>
-              <a:rPr lang="en-US" b="1" dirty="0"/>
-              <a:t>Mono project begins. </a:t>
-            </a:r>
-            <a:r>
-              <a:rPr lang="en-US" dirty="0"/>
-              <a:t>The CLI</a:t>
-            </a:r>
-            <a:r>
-              <a:rPr lang="en-US" baseline="0" dirty="0"/>
-              <a:t> spec gave others the ability to create their own .NET implementations. Even though Microsoft built the first .NET Framework for Windows-only, the spec was intentionally portable across OSes and chipsets. The Mono project began, spearheaded by Miguel de Icaza, with the goal to implement Microsoft's new .NET development platform on Linux and Unix-like platforms. Later, Miguel started Xamarin which focused on cross-platform, native, mobile development with C#, built upon Mono. This allows developers to use C# and .NET to build apps for iOS and Android. Unity games development also emerged from Mono. </a:t>
-            </a:r>
-          </a:p>
-          <a:p>
-            <a:pPr defTabSz="966612">
-              <a:defRPr/>
-            </a:pPr>
-            <a:endParaRPr lang="en-US" baseline="0" dirty="0"/>
-          </a:p>
-          <a:p>
-            <a:pPr defTabSz="966612">
-              <a:defRPr/>
-            </a:pPr>
-            <a:r>
-              <a:rPr lang="en-US" baseline="0" dirty="0"/>
-              <a:t>2008. </a:t>
-            </a:r>
-          </a:p>
-          <a:p>
-            <a:pPr defTabSz="966612">
-              <a:defRPr/>
-            </a:pPr>
-            <a:r>
-              <a:rPr lang="en-US" b="1" baseline="0" dirty="0"/>
-              <a:t>ASP.NET MVC web development stack is released to </a:t>
-            </a:r>
-            <a:r>
-              <a:rPr lang="en-US" b="1" baseline="0" dirty="0" err="1"/>
-              <a:t>CodePlex</a:t>
-            </a:r>
-            <a:r>
-              <a:rPr lang="en-US" b="1" baseline="0" dirty="0"/>
-              <a:t> as open source. </a:t>
-            </a:r>
-            <a:r>
-              <a:rPr lang="en-US" b="0" baseline="0" dirty="0"/>
-              <a:t>This was the first application development framework from Microsoft to be released as open source. The underlying runtime and compilers were still closed however. </a:t>
-            </a:r>
-          </a:p>
-          <a:p>
-            <a:pPr defTabSz="966612">
-              <a:defRPr/>
-            </a:pPr>
-            <a:endParaRPr lang="en-US" b="0" baseline="0" dirty="0"/>
-          </a:p>
-          <a:p>
-            <a:pPr defTabSz="966612">
-              <a:defRPr/>
-            </a:pPr>
-            <a:r>
-              <a:rPr lang="en-US" b="0" baseline="0" dirty="0"/>
-              <a:t>2014. </a:t>
-            </a:r>
-          </a:p>
-          <a:p>
-            <a:pPr defTabSz="966612">
-              <a:defRPr/>
-            </a:pPr>
-            <a:r>
-              <a:rPr lang="en-US" b="1" dirty="0"/>
-              <a:t>Hell</a:t>
-            </a:r>
-            <a:r>
-              <a:rPr lang="en-US" b="1" baseline="0" dirty="0"/>
-              <a:t> freezes over &amp; pigs fly. </a:t>
-            </a:r>
-            <a:r>
-              <a:rPr lang="en-US" dirty="0"/>
-              <a:t>Early 2014 at Microsoft’s BUILD</a:t>
-            </a:r>
-            <a:r>
-              <a:rPr lang="en-US" baseline="0" dirty="0"/>
-              <a:t> conference</a:t>
-            </a:r>
-            <a:r>
-              <a:rPr lang="en-US" dirty="0"/>
-              <a:t>, Anders Hejlsberg, the father of C#,</a:t>
-            </a:r>
-            <a:r>
-              <a:rPr lang="en-US" baseline="0" dirty="0"/>
-              <a:t> releases </a:t>
-            </a:r>
-            <a:r>
-              <a:rPr lang="en-US" dirty="0"/>
-              <a:t>the .NET Compiler</a:t>
-            </a:r>
-            <a:r>
-              <a:rPr lang="en-US" baseline="0" dirty="0"/>
-              <a:t> Platform “Roslyn” as open source on stage. Later in November, .NET Core project begins in the open. The technology world is shocked, and the .NET community is excited. .NET Core is a new cloud-native implementation of .NET that is geared for cross-platform, hyper-scale services as well as small IoT devices. It’s meant to bring .NET into the next 15 years of computing. And the community has been extremely supportive.</a:t>
-            </a:r>
-            <a:endParaRPr lang="en-US" b="0" baseline="0" dirty="0"/>
-          </a:p>
-          <a:p>
-            <a:pPr defTabSz="966612">
-              <a:defRPr/>
-            </a:pPr>
-            <a:endParaRPr lang="en-US" b="0" baseline="0" dirty="0"/>
-          </a:p>
-          <a:p>
-            <a:pPr defTabSz="966612">
-              <a:defRPr/>
-            </a:pPr>
-            <a:r>
-              <a:rPr lang="en-US" b="0" baseline="0" dirty="0"/>
-              <a:t>2016. </a:t>
-            </a:r>
-          </a:p>
-          <a:p>
-            <a:pPr defTabSz="966612">
-              <a:defRPr/>
-            </a:pPr>
-            <a:r>
-              <a:rPr lang="en-US" b="1" dirty="0"/>
-              <a:t>Mono comes home. </a:t>
-            </a:r>
-            <a:r>
-              <a:rPr lang="en-US" dirty="0"/>
-              <a:t>In</a:t>
-            </a:r>
-            <a:r>
-              <a:rPr lang="en-US" baseline="0" dirty="0"/>
-              <a:t> early 2016, Microsoft finally acquires Xamarin and brings Miguel de Icaza into Developer Division. Mono joins the .NET foundation and is officially supported and contributed to by Microsoft. The Microsoft community officially meets the Mono community. </a:t>
-            </a:r>
-            <a:endParaRPr lang="en-US" b="0" baseline="0" dirty="0"/>
-          </a:p>
-          <a:p>
-            <a:pPr defTabSz="966612">
-              <a:defRPr/>
-            </a:pPr>
-            <a:endParaRPr lang="en-US" b="0" baseline="0" dirty="0"/>
-          </a:p>
-          <a:p>
-            <a:pPr defTabSz="966612">
-              <a:defRPr/>
-            </a:pPr>
-            <a:r>
-              <a:rPr lang="en-US" b="0" baseline="0" dirty="0"/>
-              <a:t>2017. </a:t>
-            </a:r>
-          </a:p>
-          <a:p>
-            <a:pPr defTabSz="966612">
-              <a:defRPr/>
-            </a:pPr>
-            <a:r>
-              <a:rPr lang="en-US" b="1" baseline="0" dirty="0"/>
-              <a:t>.NET Core 2.0 Released. </a:t>
-            </a:r>
-            <a:r>
-              <a:rPr lang="en-US" b="0" baseline="0" dirty="0"/>
-              <a:t>Our cross platform and open source implementation of .NET finally releases to the world with unified tooling support across multiple operating systems and editors. </a:t>
-            </a:r>
-            <a:endParaRPr lang="en-US" b="1" baseline="0" dirty="0"/>
-          </a:p>
-          <a:p>
-            <a:pPr defTabSz="966612">
-              <a:defRPr/>
-            </a:pPr>
-            <a:endParaRPr lang="en-US" b="0" baseline="0" dirty="0"/>
-          </a:p>
-          <a:p>
-            <a:pPr defTabSz="966612">
-              <a:defRPr/>
-            </a:pPr>
-            <a:endParaRPr lang="en-US" dirty="0"/>
-          </a:p>
-          <a:p>
-            <a:pPr defTabSz="966612">
-              <a:defRPr/>
-            </a:pPr>
-            <a:endParaRPr lang="en-US" dirty="0"/>
-          </a:p>
-        </p:txBody>
-      </p:sp>
-      <p:sp>
-        <p:nvSpPr>
-          <p:cNvPr id="7" name="Slide Number Placeholder 6"/>
-          <p:cNvSpPr>
-            <a:spLocks noGrp="1"/>
-          </p:cNvSpPr>
-          <p:nvPr>
-            <p:ph type="sldNum" sz="quarter" idx="13"/>
-          </p:nvPr>
-        </p:nvSpPr>
-        <p:spPr>
-          <a:xfrm>
-            <a:off x="4144963" y="9120188"/>
-            <a:ext cx="3170237" cy="481012"/>
-          </a:xfrm>
-        </p:spPr>
-        <p:txBody>
-          <a:bodyPr/>
-          <a:lstStyle/>
-          <a:p>
-            <a:pPr defTabSz="966612">
-              <a:defRPr/>
-            </a:pPr>
-            <a:fld id="{B4008EB6-D09E-4580-8CD6-DDB14511944F}" type="slidenum">
-              <a:rPr lang="en-US">
-                <a:solidFill>
-                  <a:prstClr val="black"/>
-                </a:solidFill>
-                <a:latin typeface="Calibri" panose="020F0502020204030204"/>
-              </a:rPr>
-              <a:pPr defTabSz="966612">
-                <a:defRPr/>
-              </a:pPr>
-              <a:t>9</a:t>
-            </a:fld>
-            <a:endParaRPr lang="en-US" dirty="0">
-              <a:solidFill>
-                <a:prstClr val="black"/>
-              </a:solidFill>
-              <a:latin typeface="Calibri" panose="020F0502020204030204"/>
-            </a:endParaRPr>
-          </a:p>
-        </p:txBody>
-      </p:sp>
-      <p:sp>
-        <p:nvSpPr>
-          <p:cNvPr id="8" name="Slide Image Placeholder 7">
-            <a:extLst>
-              <a:ext uri="{FF2B5EF4-FFF2-40B4-BE49-F238E27FC236}">
-                <a16:creationId xmlns:a16="http://schemas.microsoft.com/office/drawing/2014/main" id="{BCAF6593-53E3-40FD-8C5A-D856B8FADFB4}"/>
-              </a:ext>
-            </a:extLst>
-          </p:cNvPr>
-          <p:cNvSpPr>
-            <a:spLocks noGrp="1" noRot="1" noChangeAspect="1"/>
-          </p:cNvSpPr>
-          <p:nvPr>
-            <p:ph type="sldImg"/>
-          </p:nvPr>
-        </p:nvSpPr>
-        <p:spPr/>
-      </p:sp>
-      <p:sp>
-        <p:nvSpPr>
-          <p:cNvPr id="10" name="Header Placeholder 10">
-            <a:extLst>
-              <a:ext uri="{FF2B5EF4-FFF2-40B4-BE49-F238E27FC236}">
-                <a16:creationId xmlns:a16="http://schemas.microsoft.com/office/drawing/2014/main" id="{A3E9A547-A109-437E-9821-7A92FBEE648A}"/>
-              </a:ext>
-            </a:extLst>
-          </p:cNvPr>
-          <p:cNvSpPr>
-            <a:spLocks noGrp="1"/>
-          </p:cNvSpPr>
-          <p:nvPr>
-            <p:ph type="hdr" sz="quarter"/>
-          </p:nvPr>
-        </p:nvSpPr>
-        <p:spPr>
-          <a:xfrm>
-            <a:off x="0" y="0"/>
-            <a:ext cx="3170238" cy="481013"/>
-          </a:xfrm>
-          <a:prstGeom prst="rect">
-            <a:avLst/>
-          </a:prstGeom>
-        </p:spPr>
-        <p:txBody>
-          <a:bodyPr vert="horz" lIns="91440" tIns="45720" rIns="91440" bIns="45720" rtlCol="0"/>
-          <a:lstStyle>
-            <a:lvl1pPr algn="l">
-              <a:defRPr sz="1200"/>
-            </a:lvl1pPr>
-          </a:lstStyle>
-          <a:p>
-            <a:r>
-              <a:rPr lang="en-US" dirty="0"/>
-              <a:t>https://github.com/dotnet-presentations/home</a:t>
-            </a:r>
-          </a:p>
-          <a:p>
-            <a:endParaRPr lang="en-US" dirty="0"/>
-          </a:p>
-        </p:txBody>
-      </p:sp>
-    </p:spTree>
-    <p:extLst>
-      <p:ext uri="{BB962C8B-B14F-4D97-AF65-F5344CB8AC3E}">
-        <p14:creationId xmlns:p14="http://schemas.microsoft.com/office/powerpoint/2010/main" val="3291182048"/>
       </p:ext>
     </p:extLst>
   </p:cSld>
@@ -11695,6 +11939,164 @@
     <p:extLst>
       <p:ext uri="{BB962C8B-B14F-4D97-AF65-F5344CB8AC3E}">
         <p14:creationId xmlns:p14="http://schemas.microsoft.com/office/powerpoint/2010/main" val="416517811"/>
+      </p:ext>
+    </p:extLst>
+  </p:cSld>
+  <p:clrMapOvr>
+    <a:masterClrMapping/>
+  </p:clrMapOvr>
+</p:sldLayout>
+</file>
+
+<file path=ppt/slideLayouts/slideLayout11.xml><?xml version="1.0" encoding="utf-8"?>
+<p:sldLayout xmlns:a="http://schemas.openxmlformats.org/drawingml/2006/main" xmlns:r="http://schemas.openxmlformats.org/officeDocument/2006/relationships" xmlns:p="http://schemas.openxmlformats.org/presentationml/2006/main" type="obj">
+  <p:cSld name="Content - Dark">
+    <p:bg>
+      <p:bgPr>
+        <a:solidFill>
+          <a:schemeClr val="accent6"/>
+        </a:solidFill>
+        <a:effectLst/>
+      </p:bgPr>
+    </p:bg>
+    <p:spTree>
+      <p:nvGrpSpPr>
+        <p:cNvPr id="1" name=""/>
+        <p:cNvGrpSpPr/>
+        <p:nvPr/>
+      </p:nvGrpSpPr>
+      <p:grpSpPr>
+        <a:xfrm>
+          <a:off x="0" y="0"/>
+          <a:ext cx="0" cy="0"/>
+          <a:chOff x="0" y="0"/>
+          <a:chExt cx="0" cy="0"/>
+        </a:xfrm>
+      </p:grpSpPr>
+      <p:sp>
+        <p:nvSpPr>
+          <p:cNvPr id="2" name="Title 1"/>
+          <p:cNvSpPr>
+            <a:spLocks noGrp="1"/>
+          </p:cNvSpPr>
+          <p:nvPr>
+            <p:ph type="title"/>
+          </p:nvPr>
+        </p:nvSpPr>
+        <p:spPr/>
+        <p:txBody>
+          <a:bodyPr>
+            <a:normAutofit/>
+          </a:bodyPr>
+          <a:lstStyle>
+            <a:lvl1pPr algn="l">
+              <a:defRPr sz="4000">
+                <a:solidFill>
+                  <a:schemeClr val="bg2"/>
+                </a:solidFill>
+              </a:defRPr>
+            </a:lvl1pPr>
+          </a:lstStyle>
+          <a:p>
+            <a:r>
+              <a:rPr lang="en-US" dirty="0"/>
+              <a:t>Click to edit Master title style</a:t>
+            </a:r>
+          </a:p>
+        </p:txBody>
+      </p:sp>
+      <p:sp>
+        <p:nvSpPr>
+          <p:cNvPr id="3" name="Content Placeholder 2"/>
+          <p:cNvSpPr>
+            <a:spLocks noGrp="1"/>
+          </p:cNvSpPr>
+          <p:nvPr>
+            <p:ph idx="1"/>
+          </p:nvPr>
+        </p:nvSpPr>
+        <p:spPr/>
+        <p:txBody>
+          <a:bodyPr/>
+          <a:lstStyle>
+            <a:lvl1pPr>
+              <a:defRPr sz="2400">
+                <a:solidFill>
+                  <a:schemeClr val="bg2">
+                    <a:lumMod val="60000"/>
+                    <a:lumOff val="40000"/>
+                  </a:schemeClr>
+                </a:solidFill>
+              </a:defRPr>
+            </a:lvl1pPr>
+            <a:lvl2pPr>
+              <a:defRPr sz="2400">
+                <a:solidFill>
+                  <a:schemeClr val="bg2">
+                    <a:lumMod val="60000"/>
+                    <a:lumOff val="40000"/>
+                  </a:schemeClr>
+                </a:solidFill>
+              </a:defRPr>
+            </a:lvl2pPr>
+            <a:lvl3pPr>
+              <a:defRPr sz="2400">
+                <a:solidFill>
+                  <a:schemeClr val="bg2">
+                    <a:lumMod val="60000"/>
+                    <a:lumOff val="40000"/>
+                  </a:schemeClr>
+                </a:solidFill>
+              </a:defRPr>
+            </a:lvl3pPr>
+            <a:lvl4pPr>
+              <a:defRPr sz="2400">
+                <a:solidFill>
+                  <a:schemeClr val="bg2">
+                    <a:lumMod val="60000"/>
+                    <a:lumOff val="40000"/>
+                  </a:schemeClr>
+                </a:solidFill>
+              </a:defRPr>
+            </a:lvl4pPr>
+            <a:lvl5pPr>
+              <a:defRPr sz="2133"/>
+            </a:lvl5pPr>
+          </a:lstStyle>
+          <a:p>
+            <a:pPr lvl="0"/>
+            <a:r>
+              <a:rPr lang="en-US" dirty="0"/>
+              <a:t>Edit Master text styles</a:t>
+            </a:r>
+          </a:p>
+          <a:p>
+            <a:pPr lvl="1"/>
+            <a:r>
+              <a:rPr lang="en-US" dirty="0"/>
+              <a:t>Second level</a:t>
+            </a:r>
+          </a:p>
+          <a:p>
+            <a:pPr lvl="2"/>
+            <a:r>
+              <a:rPr lang="en-US" dirty="0"/>
+              <a:t>Third level</a:t>
+            </a:r>
+          </a:p>
+          <a:p>
+            <a:pPr lvl="3"/>
+            <a:r>
+              <a:rPr lang="en-US" dirty="0"/>
+              <a:t>Fourth level</a:t>
+            </a:r>
+          </a:p>
+        </p:txBody>
+      </p:sp>
+    </p:spTree>
+    <p:extLst>
+      <p:ext uri="{BB962C8B-B14F-4D97-AF65-F5344CB8AC3E}">
+        <p14:creationId xmlns:p14="http://schemas.microsoft.com/office/powerpoint/2010/main" val="1196583194"/>
       </p:ext>
     </p:extLst>
   </p:cSld>
@@ -14321,6 +14723,7 @@
     <p:sldLayoutId id="2147483742" r:id="rId8"/>
     <p:sldLayoutId id="2147483741" r:id="rId9"/>
     <p:sldLayoutId id="2147483751" r:id="rId10"/>
+    <p:sldLayoutId id="2147483752" r:id="rId11"/>
   </p:sldLayoutIdLst>
   <p:transition>
     <p:fade/>
@@ -15020,6 +15423,978 @@
 </file>
 
 <file path=ppt/slides/slide10.xml><?xml version="1.0" encoding="utf-8"?>
+<p:sld xmlns:a="http://schemas.openxmlformats.org/drawingml/2006/main" xmlns:r="http://schemas.openxmlformats.org/officeDocument/2006/relationships" xmlns:p="http://schemas.openxmlformats.org/presentationml/2006/main">
+  <p:cSld>
+    <p:bg>
+      <p:bgPr>
+        <a:solidFill>
+          <a:schemeClr val="bg1"/>
+        </a:solidFill>
+        <a:effectLst/>
+      </p:bgPr>
+    </p:bg>
+    <p:spTree>
+      <p:nvGrpSpPr>
+        <p:cNvPr id="1" name=""/>
+        <p:cNvGrpSpPr/>
+        <p:nvPr/>
+      </p:nvGrpSpPr>
+      <p:grpSpPr>
+        <a:xfrm>
+          <a:off x="0" y="0"/>
+          <a:ext cx="0" cy="0"/>
+          <a:chOff x="0" y="0"/>
+          <a:chExt cx="0" cy="0"/>
+        </a:xfrm>
+      </p:grpSpPr>
+      <p:sp>
+        <p:nvSpPr>
+          <p:cNvPr id="2" name="Title 1"/>
+          <p:cNvSpPr>
+            <a:spLocks noGrp="1"/>
+          </p:cNvSpPr>
+          <p:nvPr>
+            <p:ph type="title"/>
+          </p:nvPr>
+        </p:nvSpPr>
+        <p:spPr>
+          <a:xfrm>
+            <a:off x="158003" y="365124"/>
+            <a:ext cx="3145267" cy="5784663"/>
+          </a:xfrm>
+        </p:spPr>
+        <p:txBody>
+          <a:bodyPr>
+            <a:normAutofit/>
+          </a:bodyPr>
+          <a:lstStyle/>
+          <a:p>
+            <a:r>
+              <a:rPr lang="en-US" sz="3600" dirty="0">
+                <a:latin typeface="Segoe UI Light" panose="020B0502040204020203" pitchFamily="34" charset="0"/>
+                <a:cs typeface="Segoe UI Light" panose="020B0502040204020203" pitchFamily="34" charset="0"/>
+              </a:rPr>
+              <a:t>.NET named Top 30 Highest Velocity OSS Projects</a:t>
+            </a:r>
+          </a:p>
+        </p:txBody>
+      </p:sp>
+      <p:pic>
+        <p:nvPicPr>
+          <p:cNvPr id="4" name="Picture 3"/>
+          <p:cNvPicPr>
+            <a:picLocks noChangeAspect="1"/>
+          </p:cNvPicPr>
+          <p:nvPr/>
+        </p:nvPicPr>
+        <p:blipFill>
+          <a:blip r:embed="rId3"/>
+          <a:stretch>
+            <a:fillRect/>
+          </a:stretch>
+        </p:blipFill>
+        <p:spPr>
+          <a:xfrm>
+            <a:off x="3543300" y="0"/>
+            <a:ext cx="8648700" cy="6667500"/>
+          </a:xfrm>
+          <a:prstGeom prst="rect">
+            <a:avLst/>
+          </a:prstGeom>
+        </p:spPr>
+      </p:pic>
+      <p:sp>
+        <p:nvSpPr>
+          <p:cNvPr id="5" name="Rectangle 4"/>
+          <p:cNvSpPr/>
+          <p:nvPr/>
+        </p:nvSpPr>
+        <p:spPr>
+          <a:xfrm>
+            <a:off x="158003" y="6396416"/>
+            <a:ext cx="6096000" cy="276999"/>
+          </a:xfrm>
+          <a:prstGeom prst="rect">
+            <a:avLst/>
+          </a:prstGeom>
+        </p:spPr>
+        <p:txBody>
+          <a:bodyPr>
+            <a:spAutoFit/>
+          </a:bodyPr>
+          <a:lstStyle/>
+          <a:p>
+            <a:pPr marL="0" marR="0" lvl="0" indent="0" algn="l" defTabSz="914400" rtl="0" eaLnBrk="1" fontAlgn="auto" latinLnBrk="0" hangingPunct="1">
+              <a:lnSpc>
+                <a:spcPct val="100000"/>
+              </a:lnSpc>
+              <a:spcBef>
+                <a:spcPts val="0"/>
+              </a:spcBef>
+              <a:spcAft>
+                <a:spcPts val="0"/>
+              </a:spcAft>
+              <a:buClrTx/>
+              <a:buSzTx/>
+              <a:buFontTx/>
+              <a:buNone/>
+              <a:tabLst/>
+              <a:defRPr/>
+            </a:pPr>
+            <a:r>
+              <a:rPr kumimoji="0" lang="en-US" sz="1200" b="0" i="0" u="none" strike="noStrike" kern="1200" cap="none" spc="0" normalizeH="0" baseline="0" noProof="0" dirty="0">
+                <a:ln>
+                  <a:noFill/>
+                </a:ln>
+                <a:solidFill>
+                  <a:srgbClr val="505050"/>
+                </a:solidFill>
+                <a:effectLst/>
+                <a:uLnTx/>
+                <a:uFillTx/>
+                <a:latin typeface="Segoe UI Semilight"/>
+                <a:ea typeface="+mn-ea"/>
+                <a:cs typeface="+mn-cs"/>
+                <a:hlinkClick r:id="rId4"/>
+              </a:rPr>
+              <a:t>https://www.cncf.io/blog/2017/06/05/30-highest-velocity-open-source-projects/</a:t>
+            </a:r>
+            <a:r>
+              <a:rPr kumimoji="0" lang="en-US" sz="1200" b="0" i="0" u="none" strike="noStrike" kern="1200" cap="none" spc="0" normalizeH="0" baseline="0" noProof="0" dirty="0">
+                <a:ln>
+                  <a:noFill/>
+                </a:ln>
+                <a:solidFill>
+                  <a:srgbClr val="505050"/>
+                </a:solidFill>
+                <a:effectLst/>
+                <a:uLnTx/>
+                <a:uFillTx/>
+                <a:latin typeface="Segoe UI Semilight"/>
+                <a:ea typeface="+mn-ea"/>
+                <a:cs typeface="+mn-cs"/>
+              </a:rPr>
+              <a:t> </a:t>
+            </a:r>
+          </a:p>
+        </p:txBody>
+      </p:sp>
+      <p:pic>
+        <p:nvPicPr>
+          <p:cNvPr id="1026" name="Picture 2" descr="Cloud Native Computing Foundation"/>
+          <p:cNvPicPr>
+            <a:picLocks noChangeAspect="1" noChangeArrowheads="1"/>
+          </p:cNvPicPr>
+          <p:nvPr/>
+        </p:nvPicPr>
+        <p:blipFill>
+          <a:blip r:embed="rId5">
+            <a:extLst>
+              <a:ext uri="{28A0092B-C50C-407E-A947-70E740481C1C}">
+                <a14:useLocalDpi xmlns:a14="http://schemas.microsoft.com/office/drawing/2010/main" val="0"/>
+              </a:ext>
+            </a:extLst>
+          </a:blip>
+          <a:srcRect/>
+          <a:stretch>
+            <a:fillRect/>
+          </a:stretch>
+        </p:blipFill>
+        <p:spPr bwMode="auto">
+          <a:xfrm>
+            <a:off x="221316" y="5682041"/>
+            <a:ext cx="2581275" cy="714375"/>
+          </a:xfrm>
+          <a:prstGeom prst="rect">
+            <a:avLst/>
+          </a:prstGeom>
+          <a:noFill/>
+          <a:extLst>
+            <a:ext uri="{909E8E84-426E-40DD-AFC4-6F175D3DCCD1}">
+              <a14:hiddenFill xmlns:a14="http://schemas.microsoft.com/office/drawing/2010/main">
+                <a:solidFill>
+                  <a:srgbClr val="FFFFFF"/>
+                </a:solidFill>
+              </a14:hiddenFill>
+            </a:ext>
+          </a:extLst>
+        </p:spPr>
+      </p:pic>
+      <p:sp>
+        <p:nvSpPr>
+          <p:cNvPr id="6" name="Arrow: Right 5"/>
+          <p:cNvSpPr/>
+          <p:nvPr/>
+        </p:nvSpPr>
+        <p:spPr>
+          <a:xfrm rot="10800000">
+            <a:off x="7867650" y="2319709"/>
+            <a:ext cx="1382293" cy="338248"/>
+          </a:xfrm>
+          <a:prstGeom prst="rightArrow">
+            <a:avLst/>
+          </a:prstGeom>
+          <a:solidFill>
+            <a:schemeClr val="accent2"/>
+          </a:solidFill>
+        </p:spPr>
+        <p:style>
+          <a:lnRef idx="2">
+            <a:schemeClr val="accent2"/>
+          </a:lnRef>
+          <a:fillRef idx="1">
+            <a:schemeClr val="lt1"/>
+          </a:fillRef>
+          <a:effectRef idx="0">
+            <a:schemeClr val="accent2"/>
+          </a:effectRef>
+          <a:fontRef idx="minor">
+            <a:schemeClr val="dk1"/>
+          </a:fontRef>
+        </p:style>
+        <p:txBody>
+          <a:bodyPr rtlCol="0" anchor="ctr"/>
+          <a:lstStyle/>
+          <a:p>
+            <a:pPr marL="0" marR="0" lvl="0" indent="0" algn="ctr" defTabSz="914400" rtl="0" eaLnBrk="1" fontAlgn="auto" latinLnBrk="0" hangingPunct="1">
+              <a:lnSpc>
+                <a:spcPct val="100000"/>
+              </a:lnSpc>
+              <a:spcBef>
+                <a:spcPts val="0"/>
+              </a:spcBef>
+              <a:spcAft>
+                <a:spcPts val="0"/>
+              </a:spcAft>
+              <a:buClrTx/>
+              <a:buSzTx/>
+              <a:buFontTx/>
+              <a:buNone/>
+              <a:tabLst/>
+              <a:defRPr/>
+            </a:pPr>
+            <a:endParaRPr kumimoji="0" lang="en-US" sz="1800" b="1" i="0" u="none" strike="noStrike" kern="1200" cap="none" spc="0" normalizeH="0" baseline="0" noProof="0">
+              <a:ln w="22225">
+                <a:solidFill>
+                  <a:srgbClr val="0065A7"/>
+                </a:solidFill>
+                <a:prstDash val="solid"/>
+              </a:ln>
+              <a:solidFill>
+                <a:srgbClr val="0065A7">
+                  <a:lumMod val="40000"/>
+                  <a:lumOff val="60000"/>
+                </a:srgbClr>
+              </a:solidFill>
+              <a:effectLst/>
+              <a:uLnTx/>
+              <a:uFillTx/>
+              <a:latin typeface="Segoe UI Semilight"/>
+              <a:ea typeface="+mn-ea"/>
+              <a:cs typeface="+mn-cs"/>
+            </a:endParaRPr>
+          </a:p>
+        </p:txBody>
+      </p:sp>
+    </p:spTree>
+    <p:extLst>
+      <p:ext uri="{BB962C8B-B14F-4D97-AF65-F5344CB8AC3E}">
+        <p14:creationId xmlns:p14="http://schemas.microsoft.com/office/powerpoint/2010/main" val="3806715318"/>
+      </p:ext>
+    </p:extLst>
+  </p:cSld>
+  <p:clrMapOvr>
+    <a:masterClrMapping/>
+  </p:clrMapOvr>
+  <p:transition>
+    <p:fade/>
+  </p:transition>
+  <p:timing>
+    <p:tnLst>
+      <p:par>
+        <p:cTn id="1" dur="indefinite" restart="never" nodeType="tmRoot">
+          <p:childTnLst>
+            <p:seq concurrent="1" nextAc="seek">
+              <p:cTn id="2" dur="indefinite" nodeType="mainSeq">
+                <p:childTnLst>
+                  <p:par>
+                    <p:cTn id="3" fill="hold">
+                      <p:stCondLst>
+                        <p:cond delay="indefinite"/>
+                        <p:cond evt="onBegin" delay="0">
+                          <p:tn val="2"/>
+                        </p:cond>
+                      </p:stCondLst>
+                      <p:childTnLst>
+                        <p:par>
+                          <p:cTn id="4" fill="hold">
+                            <p:stCondLst>
+                              <p:cond delay="0"/>
+                            </p:stCondLst>
+                            <p:childTnLst>
+                              <p:par>
+                                <p:cTn id="5" presetID="22" presetClass="entr" presetSubtype="2" fill="hold" grpId="0" nodeType="afterEffect">
+                                  <p:stCondLst>
+                                    <p:cond delay="250"/>
+                                  </p:stCondLst>
+                                  <p:childTnLst>
+                                    <p:set>
+                                      <p:cBhvr>
+                                        <p:cTn id="6" dur="1" fill="hold">
+                                          <p:stCondLst>
+                                            <p:cond delay="0"/>
+                                          </p:stCondLst>
+                                        </p:cTn>
+                                        <p:tgtEl>
+                                          <p:spTgt spid="6"/>
+                                        </p:tgtEl>
+                                        <p:attrNameLst>
+                                          <p:attrName>style.visibility</p:attrName>
+                                        </p:attrNameLst>
+                                      </p:cBhvr>
+                                      <p:to>
+                                        <p:strVal val="visible"/>
+                                      </p:to>
+                                    </p:set>
+                                    <p:animEffect transition="in" filter="wipe(right)">
+                                      <p:cBhvr>
+                                        <p:cTn id="7" dur="750"/>
+                                        <p:tgtEl>
+                                          <p:spTgt spid="6"/>
+                                        </p:tgtEl>
+                                      </p:cBhvr>
+                                    </p:animEffect>
+                                  </p:childTnLst>
+                                </p:cTn>
+                              </p:par>
+                            </p:childTnLst>
+                          </p:cTn>
+                        </p:par>
+                      </p:childTnLst>
+                    </p:cTn>
+                  </p:par>
+                </p:childTnLst>
+              </p:cTn>
+              <p:prevCondLst>
+                <p:cond evt="onPrev" delay="0">
+                  <p:tgtEl>
+                    <p:sldTgt/>
+                  </p:tgtEl>
+                </p:cond>
+              </p:prevCondLst>
+              <p:nextCondLst>
+                <p:cond evt="onNext" delay="0">
+                  <p:tgtEl>
+                    <p:sldTgt/>
+                  </p:tgtEl>
+                </p:cond>
+              </p:nextCondLst>
+            </p:seq>
+          </p:childTnLst>
+        </p:cTn>
+      </p:par>
+    </p:tnLst>
+    <p:bldLst>
+      <p:bldP spid="6" grpId="0" animBg="1"/>
+    </p:bldLst>
+  </p:timing>
+</p:sld>
+</file>
+
+<file path=ppt/slides/slide11.xml><?xml version="1.0" encoding="utf-8"?>
+<p:sld xmlns:a="http://schemas.openxmlformats.org/drawingml/2006/main" xmlns:r="http://schemas.openxmlformats.org/officeDocument/2006/relationships" xmlns:p="http://schemas.openxmlformats.org/presentationml/2006/main">
+  <p:cSld>
+    <p:spTree>
+      <p:nvGrpSpPr>
+        <p:cNvPr id="1" name=""/>
+        <p:cNvGrpSpPr/>
+        <p:nvPr/>
+      </p:nvGrpSpPr>
+      <p:grpSpPr>
+        <a:xfrm>
+          <a:off x="0" y="0"/>
+          <a:ext cx="0" cy="0"/>
+          <a:chOff x="0" y="0"/>
+          <a:chExt cx="0" cy="0"/>
+        </a:xfrm>
+      </p:grpSpPr>
+      <p:graphicFrame>
+        <p:nvGraphicFramePr>
+          <p:cNvPr id="5" name="Diagram 4">
+            <a:extLst>
+              <a:ext uri="{FF2B5EF4-FFF2-40B4-BE49-F238E27FC236}">
+                <a16:creationId xmlns:a16="http://schemas.microsoft.com/office/drawing/2014/main" id="{CD63B390-724A-477F-8B66-CB6B0E2DB93A}"/>
+              </a:ext>
+            </a:extLst>
+          </p:cNvPr>
+          <p:cNvGraphicFramePr/>
+          <p:nvPr>
+            <p:extLst/>
+          </p:nvPr>
+        </p:nvGraphicFramePr>
+        <p:xfrm>
+          <a:off x="226806" y="702507"/>
+          <a:ext cx="11556320" cy="5405216"/>
+        </p:xfrm>
+        <a:graphic>
+          <a:graphicData uri="http://schemas.openxmlformats.org/drawingml/2006/diagram">
+            <dgm:relIds xmlns:dgm="http://schemas.openxmlformats.org/drawingml/2006/diagram" xmlns:r="http://schemas.openxmlformats.org/officeDocument/2006/relationships" r:dm="rId3" r:lo="rId4" r:qs="rId5" r:cs="rId6"/>
+          </a:graphicData>
+        </a:graphic>
+      </p:graphicFrame>
+      <p:sp>
+        <p:nvSpPr>
+          <p:cNvPr id="6" name="TextBox 5">
+            <a:extLst>
+              <a:ext uri="{FF2B5EF4-FFF2-40B4-BE49-F238E27FC236}">
+                <a16:creationId xmlns:a16="http://schemas.microsoft.com/office/drawing/2014/main" id="{780FB31E-FA11-4FDD-BC02-A83DD0542C81}"/>
+              </a:ext>
+            </a:extLst>
+          </p:cNvPr>
+          <p:cNvSpPr txBox="1"/>
+          <p:nvPr/>
+        </p:nvSpPr>
+        <p:spPr>
+          <a:xfrm>
+            <a:off x="226806" y="281296"/>
+            <a:ext cx="7355004" cy="941386"/>
+          </a:xfrm>
+          <a:prstGeom prst="rect">
+            <a:avLst/>
+          </a:prstGeom>
+          <a:noFill/>
+        </p:spPr>
+        <p:txBody>
+          <a:bodyPr wrap="square" lIns="179285" tIns="143428" rIns="179285" bIns="143428" rtlCol="0">
+            <a:spAutoFit/>
+          </a:bodyPr>
+          <a:lstStyle/>
+          <a:p>
+            <a:pPr marL="0" marR="0" lvl="0" indent="0" algn="l" defTabSz="914400" rtl="0" eaLnBrk="1" fontAlgn="auto" latinLnBrk="0" hangingPunct="1">
+              <a:lnSpc>
+                <a:spcPct val="90000"/>
+              </a:lnSpc>
+              <a:spcBef>
+                <a:spcPts val="0"/>
+              </a:spcBef>
+              <a:spcAft>
+                <a:spcPts val="588"/>
+              </a:spcAft>
+              <a:buClrTx/>
+              <a:buSzTx/>
+              <a:buFontTx/>
+              <a:buNone/>
+              <a:tabLst/>
+              <a:defRPr/>
+            </a:pPr>
+            <a:r>
+              <a:rPr kumimoji="0" lang="en-US" sz="4705" b="0" i="0" u="none" strike="noStrike" kern="1200" cap="none" spc="0" normalizeH="0" baseline="0" noProof="0" dirty="0">
+                <a:ln>
+                  <a:noFill/>
+                </a:ln>
+                <a:gradFill>
+                  <a:gsLst>
+                    <a:gs pos="2917">
+                      <a:srgbClr val="505050"/>
+                    </a:gs>
+                    <a:gs pos="30000">
+                      <a:srgbClr val="505050"/>
+                    </a:gs>
+                  </a:gsLst>
+                  <a:lin ang="5400000" scaled="0"/>
+                </a:gradFill>
+                <a:effectLst/>
+                <a:uLnTx/>
+                <a:uFillTx/>
+                <a:latin typeface="Segoe UI Light"/>
+                <a:ea typeface="+mn-ea"/>
+                <a:cs typeface="+mn-cs"/>
+              </a:rPr>
+              <a:t>.NET Open Source Journey</a:t>
+            </a:r>
+          </a:p>
+        </p:txBody>
+      </p:sp>
+      <p:sp>
+        <p:nvSpPr>
+          <p:cNvPr id="7" name="Oval 6">
+            <a:extLst>
+              <a:ext uri="{FF2B5EF4-FFF2-40B4-BE49-F238E27FC236}">
+                <a16:creationId xmlns:a16="http://schemas.microsoft.com/office/drawing/2014/main" id="{9DB6C5AE-7C39-4888-A969-6E159FA1458A}"/>
+              </a:ext>
+            </a:extLst>
+          </p:cNvPr>
+          <p:cNvSpPr/>
+          <p:nvPr/>
+        </p:nvSpPr>
+        <p:spPr>
+          <a:xfrm>
+            <a:off x="8229829" y="1232081"/>
+            <a:ext cx="897626" cy="897626"/>
+          </a:xfrm>
+          <a:prstGeom prst="ellipse">
+            <a:avLst/>
+          </a:prstGeom>
+          <a:solidFill>
+            <a:srgbClr val="7030A0"/>
+          </a:solidFill>
+        </p:spPr>
+        <p:style>
+          <a:lnRef idx="3">
+            <a:schemeClr val="lt1"/>
+          </a:lnRef>
+          <a:fillRef idx="1">
+            <a:schemeClr val="accent6"/>
+          </a:fillRef>
+          <a:effectRef idx="1">
+            <a:schemeClr val="accent6"/>
+          </a:effectRef>
+          <a:fontRef idx="minor">
+            <a:schemeClr val="lt1"/>
+          </a:fontRef>
+        </p:style>
+        <p:txBody>
+          <a:bodyPr anchor="ctr"/>
+          <a:lstStyle/>
+          <a:p>
+            <a:pPr marL="0" marR="0" lvl="0" indent="0" algn="l" defTabSz="914400" rtl="0" eaLnBrk="1" fontAlgn="auto" latinLnBrk="0" hangingPunct="1">
+              <a:lnSpc>
+                <a:spcPct val="100000"/>
+              </a:lnSpc>
+              <a:spcBef>
+                <a:spcPts val="0"/>
+              </a:spcBef>
+              <a:spcAft>
+                <a:spcPts val="0"/>
+              </a:spcAft>
+              <a:buClrTx/>
+              <a:buSzTx/>
+              <a:buFontTx/>
+              <a:buNone/>
+              <a:tabLst/>
+              <a:defRPr/>
+            </a:pPr>
+            <a:r>
+              <a:rPr kumimoji="0" lang="en-US" sz="1765" b="0" i="0" u="none" strike="noStrike" kern="1200" cap="none" spc="0" normalizeH="0" baseline="0" noProof="0" dirty="0">
+                <a:ln>
+                  <a:noFill/>
+                </a:ln>
+                <a:solidFill>
+                  <a:srgbClr val="FFFFFF"/>
+                </a:solidFill>
+                <a:effectLst/>
+                <a:uLnTx/>
+                <a:uFillTx/>
+                <a:latin typeface="Segoe UI"/>
+                <a:ea typeface="+mn-ea"/>
+                <a:cs typeface="+mn-cs"/>
+              </a:rPr>
+              <a:t>.NET</a:t>
+            </a:r>
+          </a:p>
+        </p:txBody>
+      </p:sp>
+      <p:grpSp>
+        <p:nvGrpSpPr>
+          <p:cNvPr id="8" name="Group 7">
+            <a:extLst>
+              <a:ext uri="{FF2B5EF4-FFF2-40B4-BE49-F238E27FC236}">
+                <a16:creationId xmlns:a16="http://schemas.microsoft.com/office/drawing/2014/main" id="{9CF0CA25-DD5C-41A6-B9AA-83D77EDAE165}"/>
+              </a:ext>
+            </a:extLst>
+          </p:cNvPr>
+          <p:cNvGrpSpPr/>
+          <p:nvPr/>
+        </p:nvGrpSpPr>
+        <p:grpSpPr>
+          <a:xfrm>
+            <a:off x="8229829" y="1100635"/>
+            <a:ext cx="4751431" cy="1197670"/>
+            <a:chOff x="6969987" y="1729605"/>
+            <a:chExt cx="4846707" cy="1221686"/>
+          </a:xfrm>
+        </p:grpSpPr>
+        <p:sp>
+          <p:nvSpPr>
+            <p:cNvPr id="9" name="Rectangle 8">
+              <a:extLst>
+                <a:ext uri="{FF2B5EF4-FFF2-40B4-BE49-F238E27FC236}">
+                  <a16:creationId xmlns:a16="http://schemas.microsoft.com/office/drawing/2014/main" id="{84D8F140-EBE9-4B23-A80F-7AE65FA5B665}"/>
+                </a:ext>
+              </a:extLst>
+            </p:cNvPr>
+            <p:cNvSpPr/>
+            <p:nvPr/>
+          </p:nvSpPr>
+          <p:spPr>
+            <a:xfrm>
+              <a:off x="6969987" y="1729605"/>
+              <a:ext cx="4190076" cy="767307"/>
+            </a:xfrm>
+            <a:prstGeom prst="rect">
+              <a:avLst/>
+            </a:prstGeom>
+          </p:spPr>
+          <p:style>
+            <a:lnRef idx="0">
+              <a:schemeClr val="dk1">
+                <a:alpha val="0"/>
+                <a:hueOff val="0"/>
+                <a:satOff val="0"/>
+                <a:lumOff val="0"/>
+                <a:alphaOff val="0"/>
+              </a:schemeClr>
+            </a:lnRef>
+            <a:fillRef idx="0">
+              <a:schemeClr val="lt1">
+                <a:alpha val="0"/>
+                <a:hueOff val="0"/>
+                <a:satOff val="0"/>
+                <a:lumOff val="0"/>
+                <a:alphaOff val="0"/>
+              </a:schemeClr>
+            </a:fillRef>
+            <a:effectRef idx="0">
+              <a:schemeClr val="lt1">
+                <a:alpha val="0"/>
+                <a:hueOff val="0"/>
+                <a:satOff val="0"/>
+                <a:lumOff val="0"/>
+                <a:alphaOff val="0"/>
+              </a:schemeClr>
+            </a:effectRef>
+            <a:fontRef idx="minor">
+              <a:schemeClr val="tx1">
+                <a:hueOff val="0"/>
+                <a:satOff val="0"/>
+                <a:lumOff val="0"/>
+                <a:alphaOff val="0"/>
+              </a:schemeClr>
+            </a:fontRef>
+          </p:style>
+        </p:sp>
+        <p:sp>
+          <p:nvSpPr>
+            <p:cNvPr id="10" name="TextBox 9">
+              <a:extLst>
+                <a:ext uri="{FF2B5EF4-FFF2-40B4-BE49-F238E27FC236}">
+                  <a16:creationId xmlns:a16="http://schemas.microsoft.com/office/drawing/2014/main" id="{3B7C323F-AFC8-4DBE-A46C-2C54DABB8702}"/>
+                </a:ext>
+              </a:extLst>
+            </p:cNvPr>
+            <p:cNvSpPr txBox="1"/>
+            <p:nvPr/>
+          </p:nvSpPr>
+          <p:spPr>
+            <a:xfrm>
+              <a:off x="7626618" y="2183984"/>
+              <a:ext cx="4190076" cy="767307"/>
+            </a:xfrm>
+            <a:prstGeom prst="rect">
+              <a:avLst/>
+            </a:prstGeom>
+          </p:spPr>
+          <p:style>
+            <a:lnRef idx="0">
+              <a:scrgbClr r="0" g="0" b="0"/>
+            </a:lnRef>
+            <a:fillRef idx="0">
+              <a:scrgbClr r="0" g="0" b="0"/>
+            </a:fillRef>
+            <a:effectRef idx="0">
+              <a:scrgbClr r="0" g="0" b="0"/>
+            </a:effectRef>
+            <a:fontRef idx="minor">
+              <a:schemeClr val="tx1">
+                <a:hueOff val="0"/>
+                <a:satOff val="0"/>
+                <a:lumOff val="0"/>
+                <a:alphaOff val="0"/>
+              </a:schemeClr>
+            </a:fontRef>
+          </p:style>
+          <p:txBody>
+            <a:bodyPr spcFirstLastPara="0" vert="horz" wrap="square" lIns="362628" tIns="0" rIns="0" bIns="0" numCol="1" spcCol="1270" anchor="t" anchorCtr="0">
+              <a:noAutofit/>
+            </a:bodyPr>
+            <a:lstStyle/>
+            <a:p>
+              <a:pPr marL="0" marR="0" lvl="0" indent="0" algn="l" defTabSz="784338" rtl="0" eaLnBrk="1" fontAlgn="auto" latinLnBrk="0" hangingPunct="1">
+                <a:lnSpc>
+                  <a:spcPct val="90000"/>
+                </a:lnSpc>
+                <a:spcBef>
+                  <a:spcPct val="0"/>
+                </a:spcBef>
+                <a:spcAft>
+                  <a:spcPct val="35000"/>
+                </a:spcAft>
+                <a:buClrTx/>
+                <a:buSzTx/>
+                <a:buFontTx/>
+                <a:buNone/>
+                <a:tabLst/>
+                <a:defRPr/>
+              </a:pPr>
+              <a:r>
+                <a:rPr kumimoji="0" lang="en-US" sz="1765" b="1" i="0" u="none" strike="noStrike" kern="1200" cap="none" spc="0" normalizeH="0" baseline="0" noProof="0" dirty="0">
+                  <a:ln>
+                    <a:noFill/>
+                  </a:ln>
+                  <a:solidFill>
+                    <a:srgbClr val="505050">
+                      <a:hueOff val="0"/>
+                      <a:satOff val="0"/>
+                      <a:lumOff val="0"/>
+                      <a:alphaOff val="0"/>
+                    </a:srgbClr>
+                  </a:solidFill>
+                  <a:effectLst/>
+                  <a:uLnTx/>
+                  <a:uFillTx/>
+                  <a:latin typeface="Segoe UI"/>
+                  <a:ea typeface="+mn-ea"/>
+                  <a:cs typeface="+mn-cs"/>
+                </a:rPr>
+                <a:t>Aug 2017- .NET Core 2</a:t>
+              </a:r>
+            </a:p>
+          </p:txBody>
+        </p:sp>
+      </p:grpSp>
+      <p:pic>
+        <p:nvPicPr>
+          <p:cNvPr id="11" name="Picture 10">
+            <a:extLst>
+              <a:ext uri="{FF2B5EF4-FFF2-40B4-BE49-F238E27FC236}">
+                <a16:creationId xmlns:a16="http://schemas.microsoft.com/office/drawing/2014/main" id="{B2AB1A76-79DF-4785-9519-5964F8E18851}"/>
+              </a:ext>
+            </a:extLst>
+          </p:cNvPr>
+          <p:cNvPicPr>
+            <a:picLocks noChangeAspect="1"/>
+          </p:cNvPicPr>
+          <p:nvPr/>
+        </p:nvPicPr>
+        <p:blipFill>
+          <a:blip r:embed="rId8"/>
+          <a:stretch>
+            <a:fillRect/>
+          </a:stretch>
+        </p:blipFill>
+        <p:spPr>
+          <a:xfrm>
+            <a:off x="4102465" y="2871035"/>
+            <a:ext cx="832395" cy="794689"/>
+          </a:xfrm>
+          <a:prstGeom prst="rect">
+            <a:avLst/>
+          </a:prstGeom>
+        </p:spPr>
+      </p:pic>
+      <p:sp>
+        <p:nvSpPr>
+          <p:cNvPr id="14" name="Oval 13">
+            <a:extLst>
+              <a:ext uri="{FF2B5EF4-FFF2-40B4-BE49-F238E27FC236}">
+                <a16:creationId xmlns:a16="http://schemas.microsoft.com/office/drawing/2014/main" id="{1D84704B-6951-41A7-A82E-20E8AE73B860}"/>
+              </a:ext>
+            </a:extLst>
+          </p:cNvPr>
+          <p:cNvSpPr/>
+          <p:nvPr/>
+        </p:nvSpPr>
+        <p:spPr>
+          <a:xfrm>
+            <a:off x="6708585" y="1881751"/>
+            <a:ext cx="670912" cy="670912"/>
+          </a:xfrm>
+          <a:prstGeom prst="ellipse">
+            <a:avLst/>
+          </a:prstGeom>
+          <a:solidFill>
+            <a:schemeClr val="accent1"/>
+          </a:solidFill>
+        </p:spPr>
+        <p:style>
+          <a:lnRef idx="3">
+            <a:schemeClr val="lt1"/>
+          </a:lnRef>
+          <a:fillRef idx="1">
+            <a:schemeClr val="accent2"/>
+          </a:fillRef>
+          <a:effectRef idx="1">
+            <a:schemeClr val="accent2"/>
+          </a:effectRef>
+          <a:fontRef idx="minor">
+            <a:schemeClr val="lt1"/>
+          </a:fontRef>
+        </p:style>
+      </p:sp>
+      <p:sp>
+        <p:nvSpPr>
+          <p:cNvPr id="15" name="TextBox 14">
+            <a:extLst>
+              <a:ext uri="{FF2B5EF4-FFF2-40B4-BE49-F238E27FC236}">
+                <a16:creationId xmlns:a16="http://schemas.microsoft.com/office/drawing/2014/main" id="{878EE732-8F6E-4530-B186-0DB945052FAB}"/>
+              </a:ext>
+            </a:extLst>
+          </p:cNvPr>
+          <p:cNvSpPr txBox="1"/>
+          <p:nvPr/>
+        </p:nvSpPr>
+        <p:spPr>
+          <a:xfrm>
+            <a:off x="7118554" y="2538618"/>
+            <a:ext cx="4709526" cy="752223"/>
+          </a:xfrm>
+          <a:prstGeom prst="rect">
+            <a:avLst/>
+          </a:prstGeom>
+        </p:spPr>
+        <p:style>
+          <a:lnRef idx="0">
+            <a:scrgbClr r="0" g="0" b="0"/>
+          </a:lnRef>
+          <a:fillRef idx="0">
+            <a:scrgbClr r="0" g="0" b="0"/>
+          </a:fillRef>
+          <a:effectRef idx="0">
+            <a:scrgbClr r="0" g="0" b="0"/>
+          </a:effectRef>
+          <a:fontRef idx="minor">
+            <a:schemeClr val="tx1">
+              <a:hueOff val="0"/>
+              <a:satOff val="0"/>
+              <a:lumOff val="0"/>
+              <a:alphaOff val="0"/>
+            </a:schemeClr>
+          </a:fontRef>
+        </p:style>
+        <p:txBody>
+          <a:bodyPr spcFirstLastPara="0" vert="horz" wrap="square" lIns="362628" tIns="0" rIns="0" bIns="0" numCol="1" spcCol="1270" anchor="t" anchorCtr="0">
+            <a:noAutofit/>
+          </a:bodyPr>
+          <a:lstStyle/>
+          <a:p>
+            <a:pPr marL="0" marR="0" lvl="0" indent="0" algn="l" defTabSz="784338" rtl="0" eaLnBrk="1" fontAlgn="auto" latinLnBrk="0" hangingPunct="1">
+              <a:lnSpc>
+                <a:spcPct val="90000"/>
+              </a:lnSpc>
+              <a:spcBef>
+                <a:spcPct val="0"/>
+              </a:spcBef>
+              <a:spcAft>
+                <a:spcPct val="35000"/>
+              </a:spcAft>
+              <a:buClrTx/>
+              <a:buSzTx/>
+              <a:buFontTx/>
+              <a:buNone/>
+              <a:tabLst/>
+              <a:defRPr/>
+            </a:pPr>
+            <a:r>
+              <a:rPr kumimoji="0" lang="en-US" sz="1800" b="1" i="0" u="none" strike="noStrike" kern="1200" cap="none" spc="0" normalizeH="0" baseline="0" noProof="0" dirty="0">
+                <a:ln>
+                  <a:noFill/>
+                </a:ln>
+                <a:solidFill>
+                  <a:srgbClr val="505050">
+                    <a:hueOff val="0"/>
+                    <a:satOff val="0"/>
+                    <a:lumOff val="0"/>
+                    <a:alphaOff val="0"/>
+                  </a:srgbClr>
+                </a:solidFill>
+                <a:effectLst/>
+                <a:uLnTx/>
+                <a:uFillTx/>
+                <a:latin typeface="Segoe UI"/>
+                <a:ea typeface="+mn-ea"/>
+                <a:cs typeface="+mn-cs"/>
+              </a:rPr>
+              <a:t>2016-</a:t>
+            </a:r>
+            <a:r>
+              <a:rPr kumimoji="0" lang="en-US" sz="1800" b="0" i="0" u="none" strike="noStrike" kern="1200" cap="none" spc="0" normalizeH="0" baseline="0" noProof="0" dirty="0">
+                <a:ln>
+                  <a:noFill/>
+                </a:ln>
+                <a:solidFill>
+                  <a:srgbClr val="505050">
+                    <a:hueOff val="0"/>
+                    <a:satOff val="0"/>
+                    <a:lumOff val="0"/>
+                    <a:alphaOff val="0"/>
+                  </a:srgbClr>
+                </a:solidFill>
+                <a:effectLst/>
+                <a:uLnTx/>
+                <a:uFillTx/>
+                <a:latin typeface="Segoe UI"/>
+                <a:ea typeface="+mn-ea"/>
+                <a:cs typeface="+mn-cs"/>
+              </a:rPr>
+              <a:t> Mono project joins .NET Foundation</a:t>
+            </a:r>
+          </a:p>
+        </p:txBody>
+      </p:sp>
+      <p:pic>
+        <p:nvPicPr>
+          <p:cNvPr id="17" name="Picture 16">
+            <a:extLst>
+              <a:ext uri="{FF2B5EF4-FFF2-40B4-BE49-F238E27FC236}">
+                <a16:creationId xmlns:a16="http://schemas.microsoft.com/office/drawing/2014/main" id="{61658544-51AF-48C4-85CB-8B7EF4040BEE}"/>
+              </a:ext>
+            </a:extLst>
+          </p:cNvPr>
+          <p:cNvPicPr>
+            <a:picLocks noChangeAspect="1"/>
+          </p:cNvPicPr>
+          <p:nvPr/>
+        </p:nvPicPr>
+        <p:blipFill>
+          <a:blip r:embed="rId9">
+            <a:lum bright="70000" contrast="-70000"/>
+            <a:extLst>
+              <a:ext uri="{28A0092B-C50C-407E-A947-70E740481C1C}">
+                <a14:useLocalDpi xmlns:a14="http://schemas.microsoft.com/office/drawing/2010/main" val="0"/>
+              </a:ext>
+            </a:extLst>
+          </a:blip>
+          <a:stretch>
+            <a:fillRect/>
+          </a:stretch>
+        </p:blipFill>
+        <p:spPr>
+          <a:xfrm>
+            <a:off x="6861585" y="1996378"/>
+            <a:ext cx="405428" cy="483812"/>
+          </a:xfrm>
+          <a:prstGeom prst="rect">
+            <a:avLst/>
+          </a:prstGeom>
+        </p:spPr>
+      </p:pic>
+    </p:spTree>
+    <p:extLst>
+      <p:ext uri="{BB962C8B-B14F-4D97-AF65-F5344CB8AC3E}">
+        <p14:creationId xmlns:p14="http://schemas.microsoft.com/office/powerpoint/2010/main" val="711372276"/>
+      </p:ext>
+    </p:extLst>
+  </p:cSld>
+  <p:clrMapOvr>
+    <a:masterClrMapping/>
+  </p:clrMapOvr>
+  <p:transition>
+    <p:fade/>
+  </p:transition>
+</p:sld>
+</file>
+
+<file path=ppt/slides/slide12.xml><?xml version="1.0" encoding="utf-8"?>
 <p:sld xmlns:a="http://schemas.openxmlformats.org/drawingml/2006/main" xmlns:r="http://schemas.openxmlformats.org/officeDocument/2006/relationships" xmlns:p="http://schemas.openxmlformats.org/presentationml/2006/main">
   <p:cSld>
     <p:bg>
@@ -27624,7 +28999,7 @@
 </p:sld>
 </file>
 
-<file path=ppt/slides/slide11.xml><?xml version="1.0" encoding="utf-8"?>
+<file path=ppt/slides/slide13.xml><?xml version="1.0" encoding="utf-8"?>
 <p:sld xmlns:a="http://schemas.openxmlformats.org/drawingml/2006/main" xmlns:r="http://schemas.openxmlformats.org/officeDocument/2006/relationships" xmlns:p="http://schemas.openxmlformats.org/presentationml/2006/main">
   <p:cSld>
     <p:spTree>
@@ -27867,7 +29242,7 @@
 </p:sld>
 </file>
 
-<file path=ppt/slides/slide12.xml><?xml version="1.0" encoding="utf-8"?>
+<file path=ppt/slides/slide14.xml><?xml version="1.0" encoding="utf-8"?>
 <p:sld xmlns:a="http://schemas.openxmlformats.org/drawingml/2006/main" xmlns:r="http://schemas.openxmlformats.org/officeDocument/2006/relationships" xmlns:p="http://schemas.openxmlformats.org/presentationml/2006/main">
   <p:cSld>
     <p:spTree>
@@ -29141,7 +30516,7 @@
 </p:sld>
 </file>
 
-<file path=ppt/slides/slide13.xml><?xml version="1.0" encoding="utf-8"?>
+<file path=ppt/slides/slide15.xml><?xml version="1.0" encoding="utf-8"?>
 <p:sld xmlns:a="http://schemas.openxmlformats.org/drawingml/2006/main" xmlns:r="http://schemas.openxmlformats.org/officeDocument/2006/relationships" xmlns:p="http://schemas.openxmlformats.org/presentationml/2006/main">
   <p:cSld>
     <p:spTree>
@@ -31098,7 +32473,7 @@
 </p:sld>
 </file>
 
-<file path=ppt/slides/slide14.xml><?xml version="1.0" encoding="utf-8"?>
+<file path=ppt/slides/slide16.xml><?xml version="1.0" encoding="utf-8"?>
 <p:sld xmlns:a="http://schemas.openxmlformats.org/drawingml/2006/main" xmlns:r="http://schemas.openxmlformats.org/officeDocument/2006/relationships" xmlns:p="http://schemas.openxmlformats.org/presentationml/2006/main">
   <p:cSld>
     <p:bg>
@@ -31218,7 +32593,7 @@
 </p:sld>
 </file>
 
-<file path=ppt/slides/slide15.xml><?xml version="1.0" encoding="utf-8"?>
+<file path=ppt/slides/slide17.xml><?xml version="1.0" encoding="utf-8"?>
 <p:sld xmlns:a="http://schemas.openxmlformats.org/drawingml/2006/main" xmlns:r="http://schemas.openxmlformats.org/officeDocument/2006/relationships" xmlns:p="http://schemas.openxmlformats.org/presentationml/2006/main">
   <p:cSld>
     <p:bg>
@@ -31332,7 +32707,7 @@
 </p:sld>
 </file>
 
-<file path=ppt/slides/slide16.xml><?xml version="1.0" encoding="utf-8"?>
+<file path=ppt/slides/slide18.xml><?xml version="1.0" encoding="utf-8"?>
 <p:sld xmlns:a="http://schemas.openxmlformats.org/drawingml/2006/main" xmlns:r="http://schemas.openxmlformats.org/officeDocument/2006/relationships" xmlns:p="http://schemas.openxmlformats.org/presentationml/2006/main">
   <p:cSld>
     <p:bg>
@@ -31997,7 +33372,7 @@
 </p:sld>
 </file>
 
-<file path=ppt/slides/slide17.xml><?xml version="1.0" encoding="utf-8"?>
+<file path=ppt/slides/slide19.xml><?xml version="1.0" encoding="utf-8"?>
 <p:sld xmlns:a="http://schemas.openxmlformats.org/drawingml/2006/main" xmlns:r="http://schemas.openxmlformats.org/officeDocument/2006/relationships" xmlns:p="http://schemas.openxmlformats.org/presentationml/2006/main">
   <p:cSld>
     <p:spTree>
@@ -32232,7 +33607,102 @@
 </p:sld>
 </file>
 
-<file path=ppt/slides/slide18.xml><?xml version="1.0" encoding="utf-8"?>
+<file path=ppt/slides/slide2.xml><?xml version="1.0" encoding="utf-8"?>
+<p:sld xmlns:a="http://schemas.openxmlformats.org/drawingml/2006/main" xmlns:r="http://schemas.openxmlformats.org/officeDocument/2006/relationships" xmlns:p="http://schemas.openxmlformats.org/presentationml/2006/main">
+  <p:cSld>
+    <p:spTree>
+      <p:nvGrpSpPr>
+        <p:cNvPr id="1" name=""/>
+        <p:cNvGrpSpPr/>
+        <p:nvPr/>
+      </p:nvGrpSpPr>
+      <p:grpSpPr>
+        <a:xfrm>
+          <a:off x="0" y="0"/>
+          <a:ext cx="0" cy="0"/>
+          <a:chOff x="0" y="0"/>
+          <a:chExt cx="0" cy="0"/>
+        </a:xfrm>
+      </p:grpSpPr>
+      <p:sp>
+        <p:nvSpPr>
+          <p:cNvPr id="2" name="Title 1">
+            <a:extLst>
+              <a:ext uri="{FF2B5EF4-FFF2-40B4-BE49-F238E27FC236}">
+                <a16:creationId xmlns:a16="http://schemas.microsoft.com/office/drawing/2014/main" id="{524C7287-25EE-41A6-A2BD-D98C5ADAF8E3}"/>
+              </a:ext>
+            </a:extLst>
+          </p:cNvPr>
+          <p:cNvSpPr>
+            <a:spLocks noGrp="1"/>
+          </p:cNvSpPr>
+          <p:nvPr>
+            <p:ph type="title"/>
+          </p:nvPr>
+        </p:nvSpPr>
+        <p:spPr/>
+        <p:txBody>
+          <a:bodyPr/>
+          <a:lstStyle/>
+          <a:p>
+            <a:r>
+              <a:rPr lang="en-US" dirty="0"/>
+              <a:t>What is .NET?</a:t>
+            </a:r>
+          </a:p>
+        </p:txBody>
+      </p:sp>
+      <p:sp>
+        <p:nvSpPr>
+          <p:cNvPr id="3" name="Text Placeholder 2">
+            <a:extLst>
+              <a:ext uri="{FF2B5EF4-FFF2-40B4-BE49-F238E27FC236}">
+                <a16:creationId xmlns:a16="http://schemas.microsoft.com/office/drawing/2014/main" id="{23457379-948D-4845-B8BA-5CF9B789DD1A}"/>
+              </a:ext>
+            </a:extLst>
+          </p:cNvPr>
+          <p:cNvSpPr>
+            <a:spLocks noGrp="1"/>
+          </p:cNvSpPr>
+          <p:nvPr>
+            <p:ph type="body" sz="quarter" idx="12"/>
+          </p:nvPr>
+        </p:nvSpPr>
+        <p:spPr/>
+        <p:txBody>
+          <a:bodyPr/>
+          <a:lstStyle/>
+          <a:p>
+            <a:endParaRPr lang="en-US"/>
+          </a:p>
+        </p:txBody>
+      </p:sp>
+    </p:spTree>
+    <p:extLst>
+      <p:ext uri="{BB962C8B-B14F-4D97-AF65-F5344CB8AC3E}">
+        <p14:creationId xmlns:p14="http://schemas.microsoft.com/office/powerpoint/2010/main" val="3692352554"/>
+      </p:ext>
+    </p:extLst>
+  </p:cSld>
+  <p:clrMapOvr>
+    <a:masterClrMapping/>
+  </p:clrMapOvr>
+  <mc:AlternateContent xmlns:mc="http://schemas.openxmlformats.org/markup-compatibility/2006" xmlns:p14="http://schemas.microsoft.com/office/powerpoint/2010/main">
+    <mc:Choice Requires="p14">
+      <p:transition spd="med" p14:dur="700">
+        <p:fade/>
+      </p:transition>
+    </mc:Choice>
+    <mc:Fallback xmlns="">
+      <p:transition spd="med">
+        <p:fade/>
+      </p:transition>
+    </mc:Fallback>
+  </mc:AlternateContent>
+</p:sld>
+</file>
+
+<file path=ppt/slides/slide20.xml><?xml version="1.0" encoding="utf-8"?>
 <p:sld xmlns:a="http://schemas.openxmlformats.org/drawingml/2006/main" xmlns:r="http://schemas.openxmlformats.org/officeDocument/2006/relationships" xmlns:p="http://schemas.openxmlformats.org/presentationml/2006/main">
   <p:cSld>
     <p:spTree>
@@ -32566,7 +34036,7 @@
 </p:sld>
 </file>
 
-<file path=ppt/slides/slide19.xml><?xml version="1.0" encoding="utf-8"?>
+<file path=ppt/slides/slide21.xml><?xml version="1.0" encoding="utf-8"?>
 <p:sld xmlns:a="http://schemas.openxmlformats.org/drawingml/2006/main" xmlns:r="http://schemas.openxmlformats.org/officeDocument/2006/relationships" xmlns:p="http://schemas.openxmlformats.org/presentationml/2006/main">
   <p:cSld>
     <p:spTree>
@@ -32639,102 +34109,7 @@
 </p:sld>
 </file>
 
-<file path=ppt/slides/slide2.xml><?xml version="1.0" encoding="utf-8"?>
-<p:sld xmlns:a="http://schemas.openxmlformats.org/drawingml/2006/main" xmlns:r="http://schemas.openxmlformats.org/officeDocument/2006/relationships" xmlns:p="http://schemas.openxmlformats.org/presentationml/2006/main">
-  <p:cSld>
-    <p:spTree>
-      <p:nvGrpSpPr>
-        <p:cNvPr id="1" name=""/>
-        <p:cNvGrpSpPr/>
-        <p:nvPr/>
-      </p:nvGrpSpPr>
-      <p:grpSpPr>
-        <a:xfrm>
-          <a:off x="0" y="0"/>
-          <a:ext cx="0" cy="0"/>
-          <a:chOff x="0" y="0"/>
-          <a:chExt cx="0" cy="0"/>
-        </a:xfrm>
-      </p:grpSpPr>
-      <p:sp>
-        <p:nvSpPr>
-          <p:cNvPr id="2" name="Title 1">
-            <a:extLst>
-              <a:ext uri="{FF2B5EF4-FFF2-40B4-BE49-F238E27FC236}">
-                <a16:creationId xmlns:a16="http://schemas.microsoft.com/office/drawing/2014/main" id="{524C7287-25EE-41A6-A2BD-D98C5ADAF8E3}"/>
-              </a:ext>
-            </a:extLst>
-          </p:cNvPr>
-          <p:cNvSpPr>
-            <a:spLocks noGrp="1"/>
-          </p:cNvSpPr>
-          <p:nvPr>
-            <p:ph type="title"/>
-          </p:nvPr>
-        </p:nvSpPr>
-        <p:spPr/>
-        <p:txBody>
-          <a:bodyPr/>
-          <a:lstStyle/>
-          <a:p>
-            <a:r>
-              <a:rPr lang="en-US" dirty="0"/>
-              <a:t>What is .NET?</a:t>
-            </a:r>
-          </a:p>
-        </p:txBody>
-      </p:sp>
-      <p:sp>
-        <p:nvSpPr>
-          <p:cNvPr id="3" name="Text Placeholder 2">
-            <a:extLst>
-              <a:ext uri="{FF2B5EF4-FFF2-40B4-BE49-F238E27FC236}">
-                <a16:creationId xmlns:a16="http://schemas.microsoft.com/office/drawing/2014/main" id="{23457379-948D-4845-B8BA-5CF9B789DD1A}"/>
-              </a:ext>
-            </a:extLst>
-          </p:cNvPr>
-          <p:cNvSpPr>
-            <a:spLocks noGrp="1"/>
-          </p:cNvSpPr>
-          <p:nvPr>
-            <p:ph type="body" sz="quarter" idx="12"/>
-          </p:nvPr>
-        </p:nvSpPr>
-        <p:spPr/>
-        <p:txBody>
-          <a:bodyPr/>
-          <a:lstStyle/>
-          <a:p>
-            <a:endParaRPr lang="en-US"/>
-          </a:p>
-        </p:txBody>
-      </p:sp>
-    </p:spTree>
-    <p:extLst>
-      <p:ext uri="{BB962C8B-B14F-4D97-AF65-F5344CB8AC3E}">
-        <p14:creationId xmlns:p14="http://schemas.microsoft.com/office/powerpoint/2010/main" val="3692352554"/>
-      </p:ext>
-    </p:extLst>
-  </p:cSld>
-  <p:clrMapOvr>
-    <a:masterClrMapping/>
-  </p:clrMapOvr>
-  <mc:AlternateContent xmlns:mc="http://schemas.openxmlformats.org/markup-compatibility/2006" xmlns:p14="http://schemas.microsoft.com/office/powerpoint/2010/main">
-    <mc:Choice Requires="p14">
-      <p:transition spd="med" p14:dur="700">
-        <p:fade/>
-      </p:transition>
-    </mc:Choice>
-    <mc:Fallback xmlns="">
-      <p:transition spd="med">
-        <p:fade/>
-      </p:transition>
-    </mc:Fallback>
-  </mc:AlternateContent>
-</p:sld>
-</file>
-
-<file path=ppt/slides/slide20.xml><?xml version="1.0" encoding="utf-8"?>
+<file path=ppt/slides/slide22.xml><?xml version="1.0" encoding="utf-8"?>
 <p:sld xmlns:a="http://schemas.openxmlformats.org/drawingml/2006/main" xmlns:r="http://schemas.openxmlformats.org/officeDocument/2006/relationships" xmlns:p="http://schemas.openxmlformats.org/presentationml/2006/main">
   <p:cSld>
     <p:spTree>
@@ -33069,7 +34444,7 @@
 </p:sld>
 </file>
 
-<file path=ppt/slides/slide21.xml><?xml version="1.0" encoding="utf-8"?>
+<file path=ppt/slides/slide23.xml><?xml version="1.0" encoding="utf-8"?>
 <p:sld xmlns:a="http://schemas.openxmlformats.org/drawingml/2006/main" xmlns:r="http://schemas.openxmlformats.org/officeDocument/2006/relationships" xmlns:p="http://schemas.openxmlformats.org/presentationml/2006/main">
   <p:cSld>
     <p:spTree>
@@ -33142,7 +34517,7 @@
 </p:sld>
 </file>
 
-<file path=ppt/slides/slide22.xml><?xml version="1.0" encoding="utf-8"?>
+<file path=ppt/slides/slide24.xml><?xml version="1.0" encoding="utf-8"?>
 <p:sld xmlns:a="http://schemas.openxmlformats.org/drawingml/2006/main" xmlns:r="http://schemas.openxmlformats.org/officeDocument/2006/relationships" xmlns:p="http://schemas.openxmlformats.org/presentationml/2006/main">
   <p:cSld>
     <p:spTree>
@@ -36692,14 +38067,6 @@
 <file path=ppt/slides/slide5.xml><?xml version="1.0" encoding="utf-8"?>
 <p:sld xmlns:a="http://schemas.openxmlformats.org/drawingml/2006/main" xmlns:r="http://schemas.openxmlformats.org/officeDocument/2006/relationships" xmlns:p="http://schemas.openxmlformats.org/presentationml/2006/main">
   <p:cSld>
-    <p:bg>
-      <p:bgPr>
-        <a:solidFill>
-          <a:schemeClr val="tx2"/>
-        </a:solidFill>
-        <a:effectLst/>
-      </p:bgPr>
-    </p:bg>
     <p:spTree>
       <p:nvGrpSpPr>
         <p:cNvPr id="1" name=""/>
@@ -36757,9 +38124,6 @@
                 <a:ln>
                   <a:noFill/>
                 </a:ln>
-                <a:solidFill>
-                  <a:schemeClr val="bg1"/>
-                </a:solidFill>
                 <a:effectLst/>
                 <a:uLnTx/>
                 <a:uFillTx/>
@@ -36793,9 +38157,6 @@
                 <a:ln>
                   <a:noFill/>
                 </a:ln>
-                <a:solidFill>
-                  <a:schemeClr val="bg1"/>
-                </a:solidFill>
                 <a:effectLst/>
                 <a:uLnTx/>
                 <a:uFillTx/>
@@ -36845,10 +38206,15 @@
             <a:spLocks noGrp="1"/>
           </p:cNvSpPr>
           <p:nvPr>
-            <p:ph type="title"/>
+            <p:ph type="title" idx="4294967295"/>
           </p:nvPr>
         </p:nvSpPr>
-        <p:spPr/>
+        <p:spPr>
+          <a:xfrm>
+            <a:off x="0" y="288925"/>
+            <a:ext cx="11510963" cy="900113"/>
+          </a:xfrm>
+        </p:spPr>
         <p:txBody>
           <a:bodyPr/>
           <a:lstStyle/>
@@ -36856,7 +38222,7 @@
             <a:r>
               <a:rPr lang="en-US" dirty="0">
                 <a:solidFill>
-                  <a:schemeClr val="bg1"/>
+                  <a:schemeClr val="tx1"/>
                 </a:solidFill>
                 <a:latin typeface="Segoe UI Light" panose="020B0502040204020203" pitchFamily="34" charset="0"/>
                 <a:cs typeface="Segoe UI Light" panose="020B0502040204020203" pitchFamily="34" charset="0"/>
@@ -36892,6 +38258,828 @@
 </file>
 
 <file path=ppt/slides/slide6.xml><?xml version="1.0" encoding="utf-8"?>
+<p:sld xmlns:a="http://schemas.openxmlformats.org/drawingml/2006/main" xmlns:r="http://schemas.openxmlformats.org/officeDocument/2006/relationships" xmlns:p="http://schemas.openxmlformats.org/presentationml/2006/main">
+  <p:cSld>
+    <p:spTree>
+      <p:nvGrpSpPr>
+        <p:cNvPr id="1" name=""/>
+        <p:cNvGrpSpPr/>
+        <p:nvPr/>
+      </p:nvGrpSpPr>
+      <p:grpSpPr>
+        <a:xfrm>
+          <a:off x="0" y="0"/>
+          <a:ext cx="0" cy="0"/>
+          <a:chOff x="0" y="0"/>
+          <a:chExt cx="0" cy="0"/>
+        </a:xfrm>
+      </p:grpSpPr>
+      <p:sp>
+        <p:nvSpPr>
+          <p:cNvPr id="7" name="Rectangle 6">
+            <a:extLst>
+              <a:ext uri="{FF2B5EF4-FFF2-40B4-BE49-F238E27FC236}">
+                <a16:creationId xmlns:a16="http://schemas.microsoft.com/office/drawing/2014/main" id="{B514B7BD-6CB1-449A-9C0D-16673E558F15}"/>
+              </a:ext>
+            </a:extLst>
+          </p:cNvPr>
+          <p:cNvSpPr/>
+          <p:nvPr/>
+        </p:nvSpPr>
+        <p:spPr bwMode="auto">
+          <a:xfrm>
+            <a:off x="0" y="4837292"/>
+            <a:ext cx="12191999" cy="2020708"/>
+          </a:xfrm>
+          <a:prstGeom prst="rect">
+            <a:avLst/>
+          </a:prstGeom>
+          <a:solidFill>
+            <a:srgbClr val="7030A0"/>
+          </a:solidFill>
+          <a:ln>
+            <a:noFill/>
+            <a:headEnd type="none" w="med" len="med"/>
+            <a:tailEnd type="none" w="med" len="med"/>
+          </a:ln>
+          <a:effectLst/>
+        </p:spPr>
+        <p:style>
+          <a:lnRef idx="1">
+            <a:schemeClr val="accent2"/>
+          </a:lnRef>
+          <a:fillRef idx="3">
+            <a:schemeClr val="accent2"/>
+          </a:fillRef>
+          <a:effectRef idx="2">
+            <a:schemeClr val="accent2"/>
+          </a:effectRef>
+          <a:fontRef idx="minor">
+            <a:schemeClr val="lt1"/>
+          </a:fontRef>
+        </p:style>
+        <p:txBody>
+          <a:bodyPr rot="0" spcFirstLastPara="0" vertOverflow="overflow" horzOverflow="overflow" vert="horz" wrap="square" lIns="182880" tIns="146304" rIns="182880" bIns="146304" numCol="1" spcCol="0" rtlCol="0" fromWordArt="0" anchor="t" anchorCtr="0" forceAA="0" compatLnSpc="1">
+            <a:prstTxWarp prst="textNoShape">
+              <a:avLst/>
+            </a:prstTxWarp>
+            <a:noAutofit/>
+          </a:bodyPr>
+          <a:lstStyle/>
+          <a:p>
+            <a:pPr marL="0" marR="0" lvl="0" indent="0" algn="ctr" defTabSz="932472" rtl="0" eaLnBrk="1" fontAlgn="base" latinLnBrk="0" hangingPunct="1">
+              <a:lnSpc>
+                <a:spcPct val="90000"/>
+              </a:lnSpc>
+              <a:spcBef>
+                <a:spcPct val="0"/>
+              </a:spcBef>
+              <a:spcAft>
+                <a:spcPct val="0"/>
+              </a:spcAft>
+              <a:buClrTx/>
+              <a:buSzTx/>
+              <a:buFontTx/>
+              <a:buNone/>
+              <a:tabLst/>
+              <a:defRPr/>
+            </a:pPr>
+            <a:endParaRPr kumimoji="0" lang="en-US" sz="2400" b="0" i="0" u="none" strike="noStrike" kern="1200" cap="none" spc="0" normalizeH="0" baseline="0" noProof="0" dirty="0" err="1">
+              <a:ln>
+                <a:noFill/>
+              </a:ln>
+              <a:gradFill>
+                <a:gsLst>
+                  <a:gs pos="0">
+                    <a:srgbClr val="FFFFFF"/>
+                  </a:gs>
+                  <a:gs pos="100000">
+                    <a:srgbClr val="FFFFFF"/>
+                  </a:gs>
+                </a:gsLst>
+                <a:lin ang="5400000" scaled="0"/>
+              </a:gradFill>
+              <a:effectLst/>
+              <a:uLnTx/>
+              <a:uFillTx/>
+              <a:latin typeface="Calibri"/>
+              <a:ea typeface="Segoe UI" pitchFamily="34" charset="0"/>
+              <a:cs typeface="Segoe UI" pitchFamily="34" charset="0"/>
+            </a:endParaRPr>
+          </a:p>
+        </p:txBody>
+      </p:sp>
+      <p:sp>
+        <p:nvSpPr>
+          <p:cNvPr id="3" name="Title 2">
+            <a:extLst>
+              <a:ext uri="{FF2B5EF4-FFF2-40B4-BE49-F238E27FC236}">
+                <a16:creationId xmlns:a16="http://schemas.microsoft.com/office/drawing/2014/main" id="{E0391390-0684-4310-96D4-983176988D21}"/>
+              </a:ext>
+            </a:extLst>
+          </p:cNvPr>
+          <p:cNvSpPr>
+            <a:spLocks noGrp="1"/>
+          </p:cNvSpPr>
+          <p:nvPr>
+            <p:ph type="title"/>
+          </p:nvPr>
+        </p:nvSpPr>
+        <p:spPr/>
+        <p:txBody>
+          <a:bodyPr>
+            <a:normAutofit/>
+          </a:bodyPr>
+          <a:lstStyle/>
+          <a:p>
+            <a:r>
+              <a:rPr lang="en-US" dirty="0">
+                <a:latin typeface="Segoe UI Light" panose="020B0502040204020203" pitchFamily="34" charset="0"/>
+                <a:cs typeface="Segoe UI Light" panose="020B0502040204020203" pitchFamily="34" charset="0"/>
+              </a:rPr>
+              <a:t>.NET is Fast. Really Fast!</a:t>
+            </a:r>
+          </a:p>
+        </p:txBody>
+      </p:sp>
+      <p:sp>
+        <p:nvSpPr>
+          <p:cNvPr id="4" name="Rectangle 3">
+            <a:extLst>
+              <a:ext uri="{FF2B5EF4-FFF2-40B4-BE49-F238E27FC236}">
+                <a16:creationId xmlns:a16="http://schemas.microsoft.com/office/drawing/2014/main" id="{DCC2DE77-0AB9-47B6-8DBF-7920B8615937}"/>
+              </a:ext>
+            </a:extLst>
+          </p:cNvPr>
+          <p:cNvSpPr/>
+          <p:nvPr/>
+        </p:nvSpPr>
+        <p:spPr>
+          <a:xfrm>
+            <a:off x="1085285" y="5025882"/>
+            <a:ext cx="10021427" cy="1643527"/>
+          </a:xfrm>
+          <a:prstGeom prst="rect">
+            <a:avLst/>
+          </a:prstGeom>
+        </p:spPr>
+        <p:txBody>
+          <a:bodyPr wrap="square">
+            <a:spAutoFit/>
+          </a:bodyPr>
+          <a:lstStyle/>
+          <a:p>
+            <a:pPr marL="60325" marR="0" lvl="0" indent="-60325" algn="l" defTabSz="914400" rtl="0" eaLnBrk="1" fontAlgn="auto" latinLnBrk="0" hangingPunct="1">
+              <a:lnSpc>
+                <a:spcPct val="90000"/>
+              </a:lnSpc>
+              <a:spcBef>
+                <a:spcPts val="0"/>
+              </a:spcBef>
+              <a:spcAft>
+                <a:spcPts val="0"/>
+              </a:spcAft>
+              <a:buClrTx/>
+              <a:buSzTx/>
+              <a:buFontTx/>
+              <a:buNone/>
+              <a:tabLst/>
+              <a:defRPr/>
+            </a:pPr>
+            <a:r>
+              <a:rPr kumimoji="0" lang="en-US" sz="2400" b="0" i="0" u="none" strike="noStrike" kern="1200" cap="none" spc="0" normalizeH="0" baseline="0" noProof="0" dirty="0">
+                <a:ln>
+                  <a:noFill/>
+                </a:ln>
+                <a:solidFill>
+                  <a:srgbClr val="FFFFFF"/>
+                </a:solidFill>
+                <a:effectLst/>
+                <a:uLnTx/>
+                <a:uFillTx/>
+                <a:latin typeface="Calibri"/>
+                <a:ea typeface="+mn-ea"/>
+                <a:cs typeface="+mn-cs"/>
+              </a:rPr>
+              <a:t>“Using the same-size server, we were able to go from 1,000 requests per second per node with Node.js to 20,000 requests per second with .NET Core.“ </a:t>
+            </a:r>
+            <a:r>
+              <a:rPr kumimoji="0" lang="en-US" sz="2000" b="0" i="0" u="none" strike="noStrike" kern="1200" cap="none" spc="0" normalizeH="0" baseline="0" noProof="0" dirty="0">
+                <a:ln>
+                  <a:noFill/>
+                </a:ln>
+                <a:solidFill>
+                  <a:srgbClr val="FFFFFF"/>
+                </a:solidFill>
+                <a:effectLst/>
+                <a:uLnTx/>
+                <a:uFillTx/>
+                <a:latin typeface="Segoe UI" panose="020B0502040204020203" pitchFamily="34" charset="0"/>
+                <a:ea typeface="+mn-ea"/>
+                <a:cs typeface="Segoe UI" panose="020B0502040204020203" pitchFamily="34" charset="0"/>
+              </a:rPr>
+              <a:t>— </a:t>
+            </a:r>
+            <a:r>
+              <a:rPr kumimoji="0" lang="en-US" sz="2000" b="0" i="0" u="none" strike="noStrike" kern="1200" cap="none" spc="0" normalizeH="0" baseline="0" noProof="0" dirty="0" err="1">
+                <a:ln>
+                  <a:noFill/>
+                </a:ln>
+                <a:solidFill>
+                  <a:srgbClr val="FFFFFF"/>
+                </a:solidFill>
+                <a:effectLst/>
+                <a:uLnTx/>
+                <a:uFillTx/>
+                <a:latin typeface="Segoe UI" panose="020B0502040204020203" pitchFamily="34" charset="0"/>
+                <a:ea typeface="+mn-ea"/>
+                <a:cs typeface="Segoe UI" panose="020B0502040204020203" pitchFamily="34" charset="0"/>
+              </a:rPr>
+              <a:t>Raygun</a:t>
+            </a:r>
+            <a:endParaRPr kumimoji="0" lang="en-US" sz="2000" b="0" i="0" u="none" strike="noStrike" kern="1200" cap="none" spc="0" normalizeH="0" baseline="0" noProof="0" dirty="0">
+              <a:ln>
+                <a:noFill/>
+              </a:ln>
+              <a:solidFill>
+                <a:srgbClr val="FFFFFF"/>
+              </a:solidFill>
+              <a:effectLst/>
+              <a:uLnTx/>
+              <a:uFillTx/>
+              <a:latin typeface="Segoe UI" panose="020B0502040204020203" pitchFamily="34" charset="0"/>
+              <a:ea typeface="+mn-ea"/>
+              <a:cs typeface="Segoe UI" panose="020B0502040204020203" pitchFamily="34" charset="0"/>
+            </a:endParaRPr>
+          </a:p>
+          <a:p>
+            <a:pPr marL="60325" marR="0" lvl="0" indent="-60325" algn="l" defTabSz="914400" rtl="0" eaLnBrk="1" fontAlgn="auto" latinLnBrk="0" hangingPunct="1">
+              <a:lnSpc>
+                <a:spcPct val="90000"/>
+              </a:lnSpc>
+              <a:spcBef>
+                <a:spcPts val="0"/>
+              </a:spcBef>
+              <a:spcAft>
+                <a:spcPts val="0"/>
+              </a:spcAft>
+              <a:buClrTx/>
+              <a:buSzTx/>
+              <a:buFontTx/>
+              <a:buNone/>
+              <a:tabLst/>
+              <a:defRPr/>
+            </a:pPr>
+            <a:endParaRPr kumimoji="0" lang="en-US" sz="2000" b="0" i="0" u="none" strike="noStrike" kern="1200" cap="none" spc="0" normalizeH="0" baseline="0" noProof="0" dirty="0">
+              <a:ln>
+                <a:noFill/>
+              </a:ln>
+              <a:solidFill>
+                <a:srgbClr val="FFFFFF"/>
+              </a:solidFill>
+              <a:effectLst/>
+              <a:uLnTx/>
+              <a:uFillTx/>
+              <a:latin typeface="Segoe UI" panose="020B0502040204020203" pitchFamily="34" charset="0"/>
+              <a:ea typeface="+mn-ea"/>
+              <a:cs typeface="Segoe UI" panose="020B0502040204020203" pitchFamily="34" charset="0"/>
+            </a:endParaRPr>
+          </a:p>
+          <a:p>
+            <a:pPr marL="60325" marR="0" lvl="0" indent="-60325" algn="l" defTabSz="914400" rtl="0" eaLnBrk="1" fontAlgn="auto" latinLnBrk="0" hangingPunct="1">
+              <a:lnSpc>
+                <a:spcPct val="90000"/>
+              </a:lnSpc>
+              <a:spcBef>
+                <a:spcPts val="0"/>
+              </a:spcBef>
+              <a:spcAft>
+                <a:spcPts val="0"/>
+              </a:spcAft>
+              <a:buClrTx/>
+              <a:buSzTx/>
+              <a:buFontTx/>
+              <a:buNone/>
+              <a:tabLst/>
+              <a:defRPr/>
+            </a:pPr>
+            <a:r>
+              <a:rPr kumimoji="0" lang="en-US" sz="2000" b="0" i="0" u="none" strike="noStrike" kern="1200" cap="none" spc="0" normalizeH="0" baseline="0" noProof="0" dirty="0">
+                <a:ln>
+                  <a:noFill/>
+                </a:ln>
+                <a:solidFill>
+                  <a:srgbClr val="101128"/>
+                </a:solidFill>
+                <a:effectLst/>
+                <a:uLnTx/>
+                <a:uFillTx/>
+                <a:latin typeface="Segoe UI" panose="020B0502040204020203" pitchFamily="34" charset="0"/>
+                <a:ea typeface="+mn-ea"/>
+                <a:cs typeface="Segoe UI" panose="020B0502040204020203" pitchFamily="34" charset="0"/>
+                <a:hlinkClick r:id="rId3"/>
+              </a:rPr>
+              <a:t>https://www.microsoft.com/net/customers</a:t>
+            </a:r>
+            <a:r>
+              <a:rPr kumimoji="0" lang="en-US" sz="2000" b="0" i="0" u="none" strike="noStrike" kern="1200" cap="none" spc="0" normalizeH="0" baseline="0" noProof="0" dirty="0">
+                <a:ln>
+                  <a:noFill/>
+                </a:ln>
+                <a:solidFill>
+                  <a:srgbClr val="101128"/>
+                </a:solidFill>
+                <a:effectLst/>
+                <a:uLnTx/>
+                <a:uFillTx/>
+                <a:latin typeface="Segoe UI" panose="020B0502040204020203" pitchFamily="34" charset="0"/>
+                <a:ea typeface="+mn-ea"/>
+                <a:cs typeface="Segoe UI" panose="020B0502040204020203" pitchFamily="34" charset="0"/>
+              </a:rPr>
+              <a:t>  </a:t>
+            </a:r>
+          </a:p>
+        </p:txBody>
+      </p:sp>
+      <p:pic>
+        <p:nvPicPr>
+          <p:cNvPr id="8" name="Graphic 7">
+            <a:extLst>
+              <a:ext uri="{FF2B5EF4-FFF2-40B4-BE49-F238E27FC236}">
+                <a16:creationId xmlns:a16="http://schemas.microsoft.com/office/drawing/2014/main" id="{1EC130E2-FB4D-4109-B2C5-4BFA510C4FF5}"/>
+              </a:ext>
+            </a:extLst>
+          </p:cNvPr>
+          <p:cNvPicPr>
+            <a:picLocks noChangeAspect="1"/>
+          </p:cNvPicPr>
+          <p:nvPr/>
+        </p:nvPicPr>
+        <p:blipFill>
+          <a:blip r:embed="rId4">
+            <a:extLst>
+              <a:ext uri="{96DAC541-7B7A-43D3-8B79-37D633B846F1}">
+                <asvg:svgBlip xmlns:asvg="http://schemas.microsoft.com/office/drawing/2016/SVG/main" r:embed="rId5"/>
+              </a:ext>
+            </a:extLst>
+          </a:blip>
+          <a:stretch>
+            <a:fillRect/>
+          </a:stretch>
+        </p:blipFill>
+        <p:spPr>
+          <a:xfrm>
+            <a:off x="2470750" y="1091270"/>
+            <a:ext cx="7107936" cy="3352800"/>
+          </a:xfrm>
+          <a:prstGeom prst="rect">
+            <a:avLst/>
+          </a:prstGeom>
+        </p:spPr>
+      </p:pic>
+      <p:sp>
+        <p:nvSpPr>
+          <p:cNvPr id="6" name="Rectangle 5">
+            <a:extLst>
+              <a:ext uri="{FF2B5EF4-FFF2-40B4-BE49-F238E27FC236}">
+                <a16:creationId xmlns:a16="http://schemas.microsoft.com/office/drawing/2014/main" id="{942E461A-95EE-49AD-B16C-AE7C4BE39B49}"/>
+              </a:ext>
+            </a:extLst>
+          </p:cNvPr>
+          <p:cNvSpPr/>
+          <p:nvPr/>
+        </p:nvSpPr>
+        <p:spPr>
+          <a:xfrm>
+            <a:off x="0" y="4346163"/>
+            <a:ext cx="12192000" cy="276999"/>
+          </a:xfrm>
+          <a:prstGeom prst="rect">
+            <a:avLst/>
+          </a:prstGeom>
+        </p:spPr>
+        <p:txBody>
+          <a:bodyPr wrap="square">
+            <a:spAutoFit/>
+          </a:bodyPr>
+          <a:lstStyle/>
+          <a:p>
+            <a:pPr algn="ctr"/>
+            <a:r>
+              <a:rPr lang="en-US" sz="1200" dirty="0">
+                <a:solidFill>
+                  <a:srgbClr val="999999"/>
+                </a:solidFill>
+              </a:rPr>
+              <a:t>Data sourced from official tests available at </a:t>
+            </a:r>
+            <a:r>
+              <a:rPr lang="en-US" sz="1200" u="sng" dirty="0" err="1">
+                <a:solidFill>
+                  <a:srgbClr val="512BD4"/>
+                </a:solidFill>
+                <a:hlinkClick r:id="rId6"/>
+              </a:rPr>
+              <a:t>TechEmpower</a:t>
+            </a:r>
+            <a:r>
+              <a:rPr lang="en-US" sz="1200" u="sng" dirty="0">
+                <a:solidFill>
+                  <a:srgbClr val="512BD4"/>
+                </a:solidFill>
+                <a:hlinkClick r:id="rId6"/>
+              </a:rPr>
+              <a:t> Round 14</a:t>
+            </a:r>
+            <a:r>
+              <a:rPr lang="en-US" sz="1200" dirty="0">
+                <a:solidFill>
+                  <a:srgbClr val="999999"/>
+                </a:solidFill>
+              </a:rPr>
+              <a:t>.</a:t>
+            </a:r>
+            <a:endParaRPr lang="en-US" sz="1200" dirty="0"/>
+          </a:p>
+        </p:txBody>
+      </p:sp>
+    </p:spTree>
+    <p:extLst>
+      <p:ext uri="{BB962C8B-B14F-4D97-AF65-F5344CB8AC3E}">
+        <p14:creationId xmlns:p14="http://schemas.microsoft.com/office/powerpoint/2010/main" val="117451362"/>
+      </p:ext>
+    </p:extLst>
+  </p:cSld>
+  <p:clrMapOvr>
+    <a:masterClrMapping/>
+  </p:clrMapOvr>
+  <p:transition>
+    <p:fade/>
+  </p:transition>
+  <p:timing>
+    <p:tnLst>
+      <p:par>
+        <p:cTn id="1" dur="indefinite" restart="never" nodeType="tmRoot">
+          <p:childTnLst>
+            <p:seq concurrent="1" nextAc="seek">
+              <p:cTn id="2" dur="indefinite" nodeType="mainSeq">
+                <p:childTnLst>
+                  <p:par>
+                    <p:cTn id="3" fill="hold">
+                      <p:stCondLst>
+                        <p:cond delay="indefinite"/>
+                        <p:cond evt="onBegin" delay="0">
+                          <p:tn val="2"/>
+                        </p:cond>
+                      </p:stCondLst>
+                      <p:childTnLst>
+                        <p:par>
+                          <p:cTn id="4" fill="hold">
+                            <p:stCondLst>
+                              <p:cond delay="0"/>
+                            </p:stCondLst>
+                            <p:childTnLst>
+                              <p:par>
+                                <p:cTn id="5" presetID="2" presetClass="entr" presetSubtype="4" fill="hold" grpId="0" nodeType="afterEffect">
+                                  <p:stCondLst>
+                                    <p:cond delay="0"/>
+                                  </p:stCondLst>
+                                  <p:childTnLst>
+                                    <p:set>
+                                      <p:cBhvr>
+                                        <p:cTn id="6" dur="1" fill="hold">
+                                          <p:stCondLst>
+                                            <p:cond delay="0"/>
+                                          </p:stCondLst>
+                                        </p:cTn>
+                                        <p:tgtEl>
+                                          <p:spTgt spid="4"/>
+                                        </p:tgtEl>
+                                        <p:attrNameLst>
+                                          <p:attrName>style.visibility</p:attrName>
+                                        </p:attrNameLst>
+                                      </p:cBhvr>
+                                      <p:to>
+                                        <p:strVal val="visible"/>
+                                      </p:to>
+                                    </p:set>
+                                    <p:anim calcmode="lin" valueType="num">
+                                      <p:cBhvr additive="base">
+                                        <p:cTn id="7" dur="500" fill="hold"/>
+                                        <p:tgtEl>
+                                          <p:spTgt spid="4"/>
+                                        </p:tgtEl>
+                                        <p:attrNameLst>
+                                          <p:attrName>ppt_x</p:attrName>
+                                        </p:attrNameLst>
+                                      </p:cBhvr>
+                                      <p:tavLst>
+                                        <p:tav tm="0">
+                                          <p:val>
+                                            <p:strVal val="#ppt_x"/>
+                                          </p:val>
+                                        </p:tav>
+                                        <p:tav tm="100000">
+                                          <p:val>
+                                            <p:strVal val="#ppt_x"/>
+                                          </p:val>
+                                        </p:tav>
+                                      </p:tavLst>
+                                    </p:anim>
+                                    <p:anim calcmode="lin" valueType="num">
+                                      <p:cBhvr additive="base">
+                                        <p:cTn id="8" dur="500" fill="hold"/>
+                                        <p:tgtEl>
+                                          <p:spTgt spid="4"/>
+                                        </p:tgtEl>
+                                        <p:attrNameLst>
+                                          <p:attrName>ppt_y</p:attrName>
+                                        </p:attrNameLst>
+                                      </p:cBhvr>
+                                      <p:tavLst>
+                                        <p:tav tm="0">
+                                          <p:val>
+                                            <p:strVal val="1+#ppt_h/2"/>
+                                          </p:val>
+                                        </p:tav>
+                                        <p:tav tm="100000">
+                                          <p:val>
+                                            <p:strVal val="#ppt_y"/>
+                                          </p:val>
+                                        </p:tav>
+                                      </p:tavLst>
+                                    </p:anim>
+                                  </p:childTnLst>
+                                </p:cTn>
+                              </p:par>
+                            </p:childTnLst>
+                          </p:cTn>
+                        </p:par>
+                      </p:childTnLst>
+                    </p:cTn>
+                  </p:par>
+                </p:childTnLst>
+              </p:cTn>
+              <p:prevCondLst>
+                <p:cond evt="onPrev" delay="0">
+                  <p:tgtEl>
+                    <p:sldTgt/>
+                  </p:tgtEl>
+                </p:cond>
+              </p:prevCondLst>
+              <p:nextCondLst>
+                <p:cond evt="onNext" delay="0">
+                  <p:tgtEl>
+                    <p:sldTgt/>
+                  </p:tgtEl>
+                </p:cond>
+              </p:nextCondLst>
+            </p:seq>
+          </p:childTnLst>
+        </p:cTn>
+      </p:par>
+    </p:tnLst>
+    <p:bldLst>
+      <p:bldP spid="4" grpId="0"/>
+    </p:bldLst>
+  </p:timing>
+</p:sld>
+</file>
+
+<file path=ppt/slides/slide7.xml><?xml version="1.0" encoding="utf-8"?>
+<p:sld xmlns:a="http://schemas.openxmlformats.org/drawingml/2006/main" xmlns:r="http://schemas.openxmlformats.org/officeDocument/2006/relationships" xmlns:p="http://schemas.openxmlformats.org/presentationml/2006/main">
+  <p:cSld>
+    <p:spTree>
+      <p:nvGrpSpPr>
+        <p:cNvPr id="1" name=""/>
+        <p:cNvGrpSpPr/>
+        <p:nvPr/>
+      </p:nvGrpSpPr>
+      <p:grpSpPr>
+        <a:xfrm>
+          <a:off x="0" y="0"/>
+          <a:ext cx="0" cy="0"/>
+          <a:chOff x="0" y="0"/>
+          <a:chExt cx="0" cy="0"/>
+        </a:xfrm>
+      </p:grpSpPr>
+      <p:sp>
+        <p:nvSpPr>
+          <p:cNvPr id="2" name="Title 1">
+            <a:extLst>
+              <a:ext uri="{FF2B5EF4-FFF2-40B4-BE49-F238E27FC236}">
+                <a16:creationId xmlns:a16="http://schemas.microsoft.com/office/drawing/2014/main" id="{0BF97F4E-0E95-4154-9147-9F5F1A20F9BE}"/>
+              </a:ext>
+            </a:extLst>
+          </p:cNvPr>
+          <p:cNvSpPr>
+            <a:spLocks noGrp="1"/>
+          </p:cNvSpPr>
+          <p:nvPr>
+            <p:ph type="title"/>
+          </p:nvPr>
+        </p:nvSpPr>
+        <p:spPr/>
+        <p:txBody>
+          <a:bodyPr/>
+          <a:lstStyle/>
+          <a:p>
+            <a:r>
+              <a:rPr lang="en-US" dirty="0"/>
+              <a:t>Platform of choice for the top 100K websites</a:t>
+            </a:r>
+          </a:p>
+        </p:txBody>
+      </p:sp>
+      <p:sp>
+        <p:nvSpPr>
+          <p:cNvPr id="3" name="Text Placeholder 2">
+            <a:extLst>
+              <a:ext uri="{FF2B5EF4-FFF2-40B4-BE49-F238E27FC236}">
+                <a16:creationId xmlns:a16="http://schemas.microsoft.com/office/drawing/2014/main" id="{FE73A3E1-61CF-4C31-9AD1-47B8E7B459C8}"/>
+              </a:ext>
+            </a:extLst>
+          </p:cNvPr>
+          <p:cNvSpPr>
+            <a:spLocks noGrp="1"/>
+          </p:cNvSpPr>
+          <p:nvPr>
+            <p:ph type="body" sz="quarter" idx="10"/>
+          </p:nvPr>
+        </p:nvSpPr>
+        <p:spPr>
+          <a:xfrm>
+            <a:off x="269240" y="1670756"/>
+            <a:ext cx="5488093" cy="4321183"/>
+          </a:xfrm>
+        </p:spPr>
+        <p:txBody>
+          <a:bodyPr/>
+          <a:lstStyle/>
+          <a:p>
+            <a:r>
+              <a:rPr lang="en-US" sz="2800" dirty="0"/>
+              <a:t>More websites have been developed with ASP.NET than Ruby, Java, Python, Node.js, and Go combined.</a:t>
+            </a:r>
+          </a:p>
+          <a:p>
+            <a:endParaRPr lang="en-US" sz="2800" dirty="0"/>
+          </a:p>
+          <a:p>
+            <a:r>
+              <a:rPr lang="en-US" sz="2800" dirty="0"/>
+              <a:t>Companies like </a:t>
+            </a:r>
+            <a:r>
+              <a:rPr lang="en-US" sz="2800" u="sng" dirty="0" err="1">
+                <a:hlinkClick r:id="rId3"/>
+              </a:rPr>
+              <a:t>Raygun</a:t>
+            </a:r>
+            <a:r>
+              <a:rPr lang="en-US" sz="2800" dirty="0"/>
+              <a:t>, </a:t>
+            </a:r>
+            <a:r>
+              <a:rPr lang="en-US" sz="2800" u="sng" dirty="0">
+                <a:hlinkClick r:id="rId4"/>
+              </a:rPr>
+              <a:t>GoDaddy</a:t>
+            </a:r>
+            <a:r>
+              <a:rPr lang="en-US" sz="2800" dirty="0"/>
+              <a:t>, and </a:t>
+            </a:r>
+            <a:r>
+              <a:rPr lang="en-US" sz="2800" u="sng" dirty="0">
+                <a:hlinkClick r:id="rId5"/>
+              </a:rPr>
+              <a:t>Tencent</a:t>
+            </a:r>
+            <a:r>
+              <a:rPr lang="en-US" sz="2800" dirty="0"/>
+              <a:t> choose .NET for better performance, increased flexibility, and higher compatibility.</a:t>
+            </a:r>
+          </a:p>
+          <a:p>
+            <a:endParaRPr lang="en-US" sz="2800" dirty="0"/>
+          </a:p>
+        </p:txBody>
+      </p:sp>
+      <p:pic>
+        <p:nvPicPr>
+          <p:cNvPr id="4" name="Graphic 3">
+            <a:extLst>
+              <a:ext uri="{FF2B5EF4-FFF2-40B4-BE49-F238E27FC236}">
+                <a16:creationId xmlns:a16="http://schemas.microsoft.com/office/drawing/2014/main" id="{C43F7442-BE5B-451D-8F87-EB5FD62F4E46}"/>
+              </a:ext>
+            </a:extLst>
+          </p:cNvPr>
+          <p:cNvPicPr>
+            <a:picLocks noChangeAspect="1"/>
+          </p:cNvPicPr>
+          <p:nvPr/>
+        </p:nvPicPr>
+        <p:blipFill>
+          <a:blip r:embed="rId6">
+            <a:extLst>
+              <a:ext uri="{96DAC541-7B7A-43D3-8B79-37D633B846F1}">
+                <asvg:svgBlip xmlns:asvg="http://schemas.microsoft.com/office/drawing/2016/SVG/main" r:embed="rId7"/>
+              </a:ext>
+            </a:extLst>
+          </a:blip>
+          <a:stretch>
+            <a:fillRect/>
+          </a:stretch>
+        </p:blipFill>
+        <p:spPr>
+          <a:xfrm>
+            <a:off x="5490918" y="1670756"/>
+            <a:ext cx="6701082" cy="3160888"/>
+          </a:xfrm>
+          <a:prstGeom prst="rect">
+            <a:avLst/>
+          </a:prstGeom>
+        </p:spPr>
+      </p:pic>
+      <p:sp>
+        <p:nvSpPr>
+          <p:cNvPr id="5" name="Rectangle 4">
+            <a:extLst>
+              <a:ext uri="{FF2B5EF4-FFF2-40B4-BE49-F238E27FC236}">
+                <a16:creationId xmlns:a16="http://schemas.microsoft.com/office/drawing/2014/main" id="{796AA1FA-1AFB-45F1-B641-69695FB42A0E}"/>
+              </a:ext>
+            </a:extLst>
+          </p:cNvPr>
+          <p:cNvSpPr/>
+          <p:nvPr/>
+        </p:nvSpPr>
+        <p:spPr>
+          <a:xfrm>
+            <a:off x="7776039" y="4693144"/>
+            <a:ext cx="2130840" cy="276999"/>
+          </a:xfrm>
+          <a:prstGeom prst="rect">
+            <a:avLst/>
+          </a:prstGeom>
+        </p:spPr>
+        <p:txBody>
+          <a:bodyPr wrap="none">
+            <a:spAutoFit/>
+          </a:bodyPr>
+          <a:lstStyle/>
+          <a:p>
+            <a:r>
+              <a:rPr lang="en-US" sz="1200" dirty="0">
+                <a:solidFill>
+                  <a:srgbClr val="999999"/>
+                </a:solidFill>
+                <a:latin typeface="+mj-lt"/>
+              </a:rPr>
+              <a:t>Data sourced from </a:t>
+            </a:r>
+            <a:r>
+              <a:rPr lang="en-US" sz="1200" u="sng" dirty="0" err="1">
+                <a:solidFill>
+                  <a:srgbClr val="512BD4"/>
+                </a:solidFill>
+                <a:latin typeface="+mj-lt"/>
+                <a:hlinkClick r:id="rId8"/>
+              </a:rPr>
+              <a:t>SimilarTech</a:t>
+            </a:r>
+            <a:endParaRPr lang="en-US" sz="1200" dirty="0">
+              <a:latin typeface="+mj-lt"/>
+            </a:endParaRPr>
+          </a:p>
+        </p:txBody>
+      </p:sp>
+    </p:spTree>
+    <p:extLst>
+      <p:ext uri="{BB962C8B-B14F-4D97-AF65-F5344CB8AC3E}">
+        <p14:creationId xmlns:p14="http://schemas.microsoft.com/office/powerpoint/2010/main" val="4159827718"/>
+      </p:ext>
+    </p:extLst>
+  </p:cSld>
+  <p:clrMapOvr>
+    <a:masterClrMapping/>
+  </p:clrMapOvr>
+  <mc:AlternateContent xmlns:mc="http://schemas.openxmlformats.org/markup-compatibility/2006" xmlns:p14="http://schemas.microsoft.com/office/powerpoint/2010/main">
+    <mc:Choice Requires="p14">
+      <p:transition spd="med" p14:dur="700">
+        <p:fade/>
+      </p:transition>
+    </mc:Choice>
+    <mc:Fallback xmlns="">
+      <p:transition spd="med">
+        <p:fade/>
+      </p:transition>
+    </mc:Fallback>
+  </mc:AlternateContent>
+</p:sld>
+</file>
+
+<file path=ppt/slides/slide8.xml><?xml version="1.0" encoding="utf-8"?>
 <p:sld xmlns:a="http://schemas.openxmlformats.org/drawingml/2006/main" xmlns:r="http://schemas.openxmlformats.org/officeDocument/2006/relationships" xmlns:p="http://schemas.openxmlformats.org/presentationml/2006/main" showMasterSp="0">
   <p:cSld>
     <p:spTree>
@@ -36958,8 +39146,8 @@
         </p:nvSpPr>
         <p:spPr>
           <a:xfrm>
-            <a:off x="658368" y="2316480"/>
-            <a:ext cx="9704832" cy="2733056"/>
+            <a:off x="0" y="2339058"/>
+            <a:ext cx="12192000" cy="2733056"/>
           </a:xfrm>
           <a:prstGeom prst="rect">
             <a:avLst/>
@@ -36986,7 +39174,22 @@
                   <a:srgbClr val="7030A0"/>
                 </a:solidFill>
               </a:rPr>
-              <a:t>We didn’t build this alone.</a:t>
+              <a:t>We didn’t build </a:t>
+            </a:r>
+            <a:br>
+              <a:rPr lang="en-US" sz="8800" b="1" dirty="0">
+                <a:solidFill>
+                  <a:srgbClr val="7030A0"/>
+                </a:solidFill>
+              </a:rPr>
+            </a:br>
+            <a:r>
+              <a:rPr lang="en-US" sz="8800" b="1" dirty="0">
+                <a:solidFill>
+                  <a:srgbClr val="7030A0"/>
+                </a:solidFill>
+              </a:rPr>
+              <a:t>this alone.</a:t>
             </a:r>
           </a:p>
         </p:txBody>
@@ -37007,7 +39210,7 @@
 </p:sld>
 </file>
 
-<file path=ppt/slides/slide7.xml><?xml version="1.0" encoding="utf-8"?>
+<file path=ppt/slides/slide9.xml><?xml version="1.0" encoding="utf-8"?>
 <p:sld xmlns:a="http://schemas.openxmlformats.org/drawingml/2006/main" xmlns:r="http://schemas.openxmlformats.org/officeDocument/2006/relationships" xmlns:p="http://schemas.openxmlformats.org/presentationml/2006/main" showMasterSp="0">
   <p:cSld>
     <p:spTree>
@@ -37255,7 +39458,7 @@
                 <a:ea typeface="+mn-ea"/>
                 <a:cs typeface="Segoe UI" pitchFamily="34" charset="0"/>
               </a:rPr>
-              <a:t>.NET Open Source</a:t>
+              <a:t>.NET is Open Source</a:t>
             </a:r>
           </a:p>
         </p:txBody>
@@ -37725,978 +39928,6 @@
       </p:transition>
     </mc:Fallback>
   </mc:AlternateContent>
-</p:sld>
-</file>
-
-<file path=ppt/slides/slide8.xml><?xml version="1.0" encoding="utf-8"?>
-<p:sld xmlns:a="http://schemas.openxmlformats.org/drawingml/2006/main" xmlns:r="http://schemas.openxmlformats.org/officeDocument/2006/relationships" xmlns:p="http://schemas.openxmlformats.org/presentationml/2006/main">
-  <p:cSld>
-    <p:bg>
-      <p:bgPr>
-        <a:solidFill>
-          <a:schemeClr val="bg1"/>
-        </a:solidFill>
-        <a:effectLst/>
-      </p:bgPr>
-    </p:bg>
-    <p:spTree>
-      <p:nvGrpSpPr>
-        <p:cNvPr id="1" name=""/>
-        <p:cNvGrpSpPr/>
-        <p:nvPr/>
-      </p:nvGrpSpPr>
-      <p:grpSpPr>
-        <a:xfrm>
-          <a:off x="0" y="0"/>
-          <a:ext cx="0" cy="0"/>
-          <a:chOff x="0" y="0"/>
-          <a:chExt cx="0" cy="0"/>
-        </a:xfrm>
-      </p:grpSpPr>
-      <p:sp>
-        <p:nvSpPr>
-          <p:cNvPr id="2" name="Title 1"/>
-          <p:cNvSpPr>
-            <a:spLocks noGrp="1"/>
-          </p:cNvSpPr>
-          <p:nvPr>
-            <p:ph type="title"/>
-          </p:nvPr>
-        </p:nvSpPr>
-        <p:spPr>
-          <a:xfrm>
-            <a:off x="158003" y="365124"/>
-            <a:ext cx="3145267" cy="5784663"/>
-          </a:xfrm>
-        </p:spPr>
-        <p:txBody>
-          <a:bodyPr>
-            <a:normAutofit/>
-          </a:bodyPr>
-          <a:lstStyle/>
-          <a:p>
-            <a:r>
-              <a:rPr lang="en-US" sz="3600" dirty="0">
-                <a:latin typeface="Segoe UI Light" panose="020B0502040204020203" pitchFamily="34" charset="0"/>
-                <a:cs typeface="Segoe UI Light" panose="020B0502040204020203" pitchFamily="34" charset="0"/>
-              </a:rPr>
-              <a:t>.NET named Top 30 Highest Velocity OSS Projects</a:t>
-            </a:r>
-          </a:p>
-        </p:txBody>
-      </p:sp>
-      <p:pic>
-        <p:nvPicPr>
-          <p:cNvPr id="4" name="Picture 3"/>
-          <p:cNvPicPr>
-            <a:picLocks noChangeAspect="1"/>
-          </p:cNvPicPr>
-          <p:nvPr/>
-        </p:nvPicPr>
-        <p:blipFill>
-          <a:blip r:embed="rId3"/>
-          <a:stretch>
-            <a:fillRect/>
-          </a:stretch>
-        </p:blipFill>
-        <p:spPr>
-          <a:xfrm>
-            <a:off x="3543300" y="0"/>
-            <a:ext cx="8648700" cy="6667500"/>
-          </a:xfrm>
-          <a:prstGeom prst="rect">
-            <a:avLst/>
-          </a:prstGeom>
-        </p:spPr>
-      </p:pic>
-      <p:sp>
-        <p:nvSpPr>
-          <p:cNvPr id="5" name="Rectangle 4"/>
-          <p:cNvSpPr/>
-          <p:nvPr/>
-        </p:nvSpPr>
-        <p:spPr>
-          <a:xfrm>
-            <a:off x="158003" y="6396416"/>
-            <a:ext cx="6096000" cy="276999"/>
-          </a:xfrm>
-          <a:prstGeom prst="rect">
-            <a:avLst/>
-          </a:prstGeom>
-        </p:spPr>
-        <p:txBody>
-          <a:bodyPr>
-            <a:spAutoFit/>
-          </a:bodyPr>
-          <a:lstStyle/>
-          <a:p>
-            <a:pPr marL="0" marR="0" lvl="0" indent="0" algn="l" defTabSz="914400" rtl="0" eaLnBrk="1" fontAlgn="auto" latinLnBrk="0" hangingPunct="1">
-              <a:lnSpc>
-                <a:spcPct val="100000"/>
-              </a:lnSpc>
-              <a:spcBef>
-                <a:spcPts val="0"/>
-              </a:spcBef>
-              <a:spcAft>
-                <a:spcPts val="0"/>
-              </a:spcAft>
-              <a:buClrTx/>
-              <a:buSzTx/>
-              <a:buFontTx/>
-              <a:buNone/>
-              <a:tabLst/>
-              <a:defRPr/>
-            </a:pPr>
-            <a:r>
-              <a:rPr kumimoji="0" lang="en-US" sz="1200" b="0" i="0" u="none" strike="noStrike" kern="1200" cap="none" spc="0" normalizeH="0" baseline="0" noProof="0" dirty="0">
-                <a:ln>
-                  <a:noFill/>
-                </a:ln>
-                <a:solidFill>
-                  <a:srgbClr val="505050"/>
-                </a:solidFill>
-                <a:effectLst/>
-                <a:uLnTx/>
-                <a:uFillTx/>
-                <a:latin typeface="Segoe UI Semilight"/>
-                <a:ea typeface="+mn-ea"/>
-                <a:cs typeface="+mn-cs"/>
-                <a:hlinkClick r:id="rId4"/>
-              </a:rPr>
-              <a:t>https://www.cncf.io/blog/2017/06/05/30-highest-velocity-open-source-projects/</a:t>
-            </a:r>
-            <a:r>
-              <a:rPr kumimoji="0" lang="en-US" sz="1200" b="0" i="0" u="none" strike="noStrike" kern="1200" cap="none" spc="0" normalizeH="0" baseline="0" noProof="0" dirty="0">
-                <a:ln>
-                  <a:noFill/>
-                </a:ln>
-                <a:solidFill>
-                  <a:srgbClr val="505050"/>
-                </a:solidFill>
-                <a:effectLst/>
-                <a:uLnTx/>
-                <a:uFillTx/>
-                <a:latin typeface="Segoe UI Semilight"/>
-                <a:ea typeface="+mn-ea"/>
-                <a:cs typeface="+mn-cs"/>
-              </a:rPr>
-              <a:t> </a:t>
-            </a:r>
-          </a:p>
-        </p:txBody>
-      </p:sp>
-      <p:pic>
-        <p:nvPicPr>
-          <p:cNvPr id="1026" name="Picture 2" descr="Cloud Native Computing Foundation"/>
-          <p:cNvPicPr>
-            <a:picLocks noChangeAspect="1" noChangeArrowheads="1"/>
-          </p:cNvPicPr>
-          <p:nvPr/>
-        </p:nvPicPr>
-        <p:blipFill>
-          <a:blip r:embed="rId5">
-            <a:extLst>
-              <a:ext uri="{28A0092B-C50C-407E-A947-70E740481C1C}">
-                <a14:useLocalDpi xmlns:a14="http://schemas.microsoft.com/office/drawing/2010/main" val="0"/>
-              </a:ext>
-            </a:extLst>
-          </a:blip>
-          <a:srcRect/>
-          <a:stretch>
-            <a:fillRect/>
-          </a:stretch>
-        </p:blipFill>
-        <p:spPr bwMode="auto">
-          <a:xfrm>
-            <a:off x="221316" y="5682041"/>
-            <a:ext cx="2581275" cy="714375"/>
-          </a:xfrm>
-          <a:prstGeom prst="rect">
-            <a:avLst/>
-          </a:prstGeom>
-          <a:noFill/>
-          <a:extLst>
-            <a:ext uri="{909E8E84-426E-40DD-AFC4-6F175D3DCCD1}">
-              <a14:hiddenFill xmlns:a14="http://schemas.microsoft.com/office/drawing/2010/main">
-                <a:solidFill>
-                  <a:srgbClr val="FFFFFF"/>
-                </a:solidFill>
-              </a14:hiddenFill>
-            </a:ext>
-          </a:extLst>
-        </p:spPr>
-      </p:pic>
-      <p:sp>
-        <p:nvSpPr>
-          <p:cNvPr id="6" name="Arrow: Right 5"/>
-          <p:cNvSpPr/>
-          <p:nvPr/>
-        </p:nvSpPr>
-        <p:spPr>
-          <a:xfrm rot="10800000">
-            <a:off x="7867650" y="2319709"/>
-            <a:ext cx="1382293" cy="338248"/>
-          </a:xfrm>
-          <a:prstGeom prst="rightArrow">
-            <a:avLst/>
-          </a:prstGeom>
-          <a:solidFill>
-            <a:schemeClr val="accent2"/>
-          </a:solidFill>
-        </p:spPr>
-        <p:style>
-          <a:lnRef idx="2">
-            <a:schemeClr val="accent2"/>
-          </a:lnRef>
-          <a:fillRef idx="1">
-            <a:schemeClr val="lt1"/>
-          </a:fillRef>
-          <a:effectRef idx="0">
-            <a:schemeClr val="accent2"/>
-          </a:effectRef>
-          <a:fontRef idx="minor">
-            <a:schemeClr val="dk1"/>
-          </a:fontRef>
-        </p:style>
-        <p:txBody>
-          <a:bodyPr rtlCol="0" anchor="ctr"/>
-          <a:lstStyle/>
-          <a:p>
-            <a:pPr marL="0" marR="0" lvl="0" indent="0" algn="ctr" defTabSz="914400" rtl="0" eaLnBrk="1" fontAlgn="auto" latinLnBrk="0" hangingPunct="1">
-              <a:lnSpc>
-                <a:spcPct val="100000"/>
-              </a:lnSpc>
-              <a:spcBef>
-                <a:spcPts val="0"/>
-              </a:spcBef>
-              <a:spcAft>
-                <a:spcPts val="0"/>
-              </a:spcAft>
-              <a:buClrTx/>
-              <a:buSzTx/>
-              <a:buFontTx/>
-              <a:buNone/>
-              <a:tabLst/>
-              <a:defRPr/>
-            </a:pPr>
-            <a:endParaRPr kumimoji="0" lang="en-US" sz="1800" b="1" i="0" u="none" strike="noStrike" kern="1200" cap="none" spc="0" normalizeH="0" baseline="0" noProof="0">
-              <a:ln w="22225">
-                <a:solidFill>
-                  <a:srgbClr val="0065A7"/>
-                </a:solidFill>
-                <a:prstDash val="solid"/>
-              </a:ln>
-              <a:solidFill>
-                <a:srgbClr val="0065A7">
-                  <a:lumMod val="40000"/>
-                  <a:lumOff val="60000"/>
-                </a:srgbClr>
-              </a:solidFill>
-              <a:effectLst/>
-              <a:uLnTx/>
-              <a:uFillTx/>
-              <a:latin typeface="Segoe UI Semilight"/>
-              <a:ea typeface="+mn-ea"/>
-              <a:cs typeface="+mn-cs"/>
-            </a:endParaRPr>
-          </a:p>
-        </p:txBody>
-      </p:sp>
-    </p:spTree>
-    <p:extLst>
-      <p:ext uri="{BB962C8B-B14F-4D97-AF65-F5344CB8AC3E}">
-        <p14:creationId xmlns:p14="http://schemas.microsoft.com/office/powerpoint/2010/main" val="3806715318"/>
-      </p:ext>
-    </p:extLst>
-  </p:cSld>
-  <p:clrMapOvr>
-    <a:masterClrMapping/>
-  </p:clrMapOvr>
-  <p:transition>
-    <p:fade/>
-  </p:transition>
-  <p:timing>
-    <p:tnLst>
-      <p:par>
-        <p:cTn id="1" dur="indefinite" restart="never" nodeType="tmRoot">
-          <p:childTnLst>
-            <p:seq concurrent="1" nextAc="seek">
-              <p:cTn id="2" dur="indefinite" nodeType="mainSeq">
-                <p:childTnLst>
-                  <p:par>
-                    <p:cTn id="3" fill="hold">
-                      <p:stCondLst>
-                        <p:cond delay="indefinite"/>
-                        <p:cond evt="onBegin" delay="0">
-                          <p:tn val="2"/>
-                        </p:cond>
-                      </p:stCondLst>
-                      <p:childTnLst>
-                        <p:par>
-                          <p:cTn id="4" fill="hold">
-                            <p:stCondLst>
-                              <p:cond delay="0"/>
-                            </p:stCondLst>
-                            <p:childTnLst>
-                              <p:par>
-                                <p:cTn id="5" presetID="22" presetClass="entr" presetSubtype="2" fill="hold" grpId="0" nodeType="afterEffect">
-                                  <p:stCondLst>
-                                    <p:cond delay="250"/>
-                                  </p:stCondLst>
-                                  <p:childTnLst>
-                                    <p:set>
-                                      <p:cBhvr>
-                                        <p:cTn id="6" dur="1" fill="hold">
-                                          <p:stCondLst>
-                                            <p:cond delay="0"/>
-                                          </p:stCondLst>
-                                        </p:cTn>
-                                        <p:tgtEl>
-                                          <p:spTgt spid="6"/>
-                                        </p:tgtEl>
-                                        <p:attrNameLst>
-                                          <p:attrName>style.visibility</p:attrName>
-                                        </p:attrNameLst>
-                                      </p:cBhvr>
-                                      <p:to>
-                                        <p:strVal val="visible"/>
-                                      </p:to>
-                                    </p:set>
-                                    <p:animEffect transition="in" filter="wipe(right)">
-                                      <p:cBhvr>
-                                        <p:cTn id="7" dur="750"/>
-                                        <p:tgtEl>
-                                          <p:spTgt spid="6"/>
-                                        </p:tgtEl>
-                                      </p:cBhvr>
-                                    </p:animEffect>
-                                  </p:childTnLst>
-                                </p:cTn>
-                              </p:par>
-                            </p:childTnLst>
-                          </p:cTn>
-                        </p:par>
-                      </p:childTnLst>
-                    </p:cTn>
-                  </p:par>
-                </p:childTnLst>
-              </p:cTn>
-              <p:prevCondLst>
-                <p:cond evt="onPrev" delay="0">
-                  <p:tgtEl>
-                    <p:sldTgt/>
-                  </p:tgtEl>
-                </p:cond>
-              </p:prevCondLst>
-              <p:nextCondLst>
-                <p:cond evt="onNext" delay="0">
-                  <p:tgtEl>
-                    <p:sldTgt/>
-                  </p:tgtEl>
-                </p:cond>
-              </p:nextCondLst>
-            </p:seq>
-          </p:childTnLst>
-        </p:cTn>
-      </p:par>
-    </p:tnLst>
-    <p:bldLst>
-      <p:bldP spid="6" grpId="0" animBg="1"/>
-    </p:bldLst>
-  </p:timing>
-</p:sld>
-</file>
-
-<file path=ppt/slides/slide9.xml><?xml version="1.0" encoding="utf-8"?>
-<p:sld xmlns:a="http://schemas.openxmlformats.org/drawingml/2006/main" xmlns:r="http://schemas.openxmlformats.org/officeDocument/2006/relationships" xmlns:p="http://schemas.openxmlformats.org/presentationml/2006/main">
-  <p:cSld>
-    <p:spTree>
-      <p:nvGrpSpPr>
-        <p:cNvPr id="1" name=""/>
-        <p:cNvGrpSpPr/>
-        <p:nvPr/>
-      </p:nvGrpSpPr>
-      <p:grpSpPr>
-        <a:xfrm>
-          <a:off x="0" y="0"/>
-          <a:ext cx="0" cy="0"/>
-          <a:chOff x="0" y="0"/>
-          <a:chExt cx="0" cy="0"/>
-        </a:xfrm>
-      </p:grpSpPr>
-      <p:graphicFrame>
-        <p:nvGraphicFramePr>
-          <p:cNvPr id="5" name="Diagram 4">
-            <a:extLst>
-              <a:ext uri="{FF2B5EF4-FFF2-40B4-BE49-F238E27FC236}">
-                <a16:creationId xmlns:a16="http://schemas.microsoft.com/office/drawing/2014/main" id="{CD63B390-724A-477F-8B66-CB6B0E2DB93A}"/>
-              </a:ext>
-            </a:extLst>
-          </p:cNvPr>
-          <p:cNvGraphicFramePr/>
-          <p:nvPr>
-            <p:extLst/>
-          </p:nvPr>
-        </p:nvGraphicFramePr>
-        <p:xfrm>
-          <a:off x="226806" y="702507"/>
-          <a:ext cx="11556320" cy="5405216"/>
-        </p:xfrm>
-        <a:graphic>
-          <a:graphicData uri="http://schemas.openxmlformats.org/drawingml/2006/diagram">
-            <dgm:relIds xmlns:dgm="http://schemas.openxmlformats.org/drawingml/2006/diagram" xmlns:r="http://schemas.openxmlformats.org/officeDocument/2006/relationships" r:dm="rId3" r:lo="rId4" r:qs="rId5" r:cs="rId6"/>
-          </a:graphicData>
-        </a:graphic>
-      </p:graphicFrame>
-      <p:sp>
-        <p:nvSpPr>
-          <p:cNvPr id="6" name="TextBox 5">
-            <a:extLst>
-              <a:ext uri="{FF2B5EF4-FFF2-40B4-BE49-F238E27FC236}">
-                <a16:creationId xmlns:a16="http://schemas.microsoft.com/office/drawing/2014/main" id="{780FB31E-FA11-4FDD-BC02-A83DD0542C81}"/>
-              </a:ext>
-            </a:extLst>
-          </p:cNvPr>
-          <p:cNvSpPr txBox="1"/>
-          <p:nvPr/>
-        </p:nvSpPr>
-        <p:spPr>
-          <a:xfrm>
-            <a:off x="226806" y="281296"/>
-            <a:ext cx="7355004" cy="941386"/>
-          </a:xfrm>
-          <a:prstGeom prst="rect">
-            <a:avLst/>
-          </a:prstGeom>
-          <a:noFill/>
-        </p:spPr>
-        <p:txBody>
-          <a:bodyPr wrap="square" lIns="179285" tIns="143428" rIns="179285" bIns="143428" rtlCol="0">
-            <a:spAutoFit/>
-          </a:bodyPr>
-          <a:lstStyle/>
-          <a:p>
-            <a:pPr marL="0" marR="0" lvl="0" indent="0" algn="l" defTabSz="914400" rtl="0" eaLnBrk="1" fontAlgn="auto" latinLnBrk="0" hangingPunct="1">
-              <a:lnSpc>
-                <a:spcPct val="90000"/>
-              </a:lnSpc>
-              <a:spcBef>
-                <a:spcPts val="0"/>
-              </a:spcBef>
-              <a:spcAft>
-                <a:spcPts val="588"/>
-              </a:spcAft>
-              <a:buClrTx/>
-              <a:buSzTx/>
-              <a:buFontTx/>
-              <a:buNone/>
-              <a:tabLst/>
-              <a:defRPr/>
-            </a:pPr>
-            <a:r>
-              <a:rPr kumimoji="0" lang="en-US" sz="4705" b="0" i="0" u="none" strike="noStrike" kern="1200" cap="none" spc="0" normalizeH="0" baseline="0" noProof="0" dirty="0">
-                <a:ln>
-                  <a:noFill/>
-                </a:ln>
-                <a:gradFill>
-                  <a:gsLst>
-                    <a:gs pos="2917">
-                      <a:srgbClr val="505050"/>
-                    </a:gs>
-                    <a:gs pos="30000">
-                      <a:srgbClr val="505050"/>
-                    </a:gs>
-                  </a:gsLst>
-                  <a:lin ang="5400000" scaled="0"/>
-                </a:gradFill>
-                <a:effectLst/>
-                <a:uLnTx/>
-                <a:uFillTx/>
-                <a:latin typeface="Segoe UI Light"/>
-                <a:ea typeface="+mn-ea"/>
-                <a:cs typeface="+mn-cs"/>
-              </a:rPr>
-              <a:t>.NET Open Source Journey</a:t>
-            </a:r>
-          </a:p>
-        </p:txBody>
-      </p:sp>
-      <p:sp>
-        <p:nvSpPr>
-          <p:cNvPr id="7" name="Oval 6">
-            <a:extLst>
-              <a:ext uri="{FF2B5EF4-FFF2-40B4-BE49-F238E27FC236}">
-                <a16:creationId xmlns:a16="http://schemas.microsoft.com/office/drawing/2014/main" id="{9DB6C5AE-7C39-4888-A969-6E159FA1458A}"/>
-              </a:ext>
-            </a:extLst>
-          </p:cNvPr>
-          <p:cNvSpPr/>
-          <p:nvPr/>
-        </p:nvSpPr>
-        <p:spPr>
-          <a:xfrm>
-            <a:off x="8229829" y="1232081"/>
-            <a:ext cx="897626" cy="897626"/>
-          </a:xfrm>
-          <a:prstGeom prst="ellipse">
-            <a:avLst/>
-          </a:prstGeom>
-          <a:solidFill>
-            <a:srgbClr val="7030A0"/>
-          </a:solidFill>
-        </p:spPr>
-        <p:style>
-          <a:lnRef idx="3">
-            <a:schemeClr val="lt1"/>
-          </a:lnRef>
-          <a:fillRef idx="1">
-            <a:schemeClr val="accent6"/>
-          </a:fillRef>
-          <a:effectRef idx="1">
-            <a:schemeClr val="accent6"/>
-          </a:effectRef>
-          <a:fontRef idx="minor">
-            <a:schemeClr val="lt1"/>
-          </a:fontRef>
-        </p:style>
-        <p:txBody>
-          <a:bodyPr anchor="ctr"/>
-          <a:lstStyle/>
-          <a:p>
-            <a:pPr marL="0" marR="0" lvl="0" indent="0" algn="l" defTabSz="914400" rtl="0" eaLnBrk="1" fontAlgn="auto" latinLnBrk="0" hangingPunct="1">
-              <a:lnSpc>
-                <a:spcPct val="100000"/>
-              </a:lnSpc>
-              <a:spcBef>
-                <a:spcPts val="0"/>
-              </a:spcBef>
-              <a:spcAft>
-                <a:spcPts val="0"/>
-              </a:spcAft>
-              <a:buClrTx/>
-              <a:buSzTx/>
-              <a:buFontTx/>
-              <a:buNone/>
-              <a:tabLst/>
-              <a:defRPr/>
-            </a:pPr>
-            <a:r>
-              <a:rPr kumimoji="0" lang="en-US" sz="1765" b="0" i="0" u="none" strike="noStrike" kern="1200" cap="none" spc="0" normalizeH="0" baseline="0" noProof="0" dirty="0">
-                <a:ln>
-                  <a:noFill/>
-                </a:ln>
-                <a:solidFill>
-                  <a:srgbClr val="FFFFFF"/>
-                </a:solidFill>
-                <a:effectLst/>
-                <a:uLnTx/>
-                <a:uFillTx/>
-                <a:latin typeface="Segoe UI"/>
-                <a:ea typeface="+mn-ea"/>
-                <a:cs typeface="+mn-cs"/>
-              </a:rPr>
-              <a:t>.NET</a:t>
-            </a:r>
-          </a:p>
-        </p:txBody>
-      </p:sp>
-      <p:grpSp>
-        <p:nvGrpSpPr>
-          <p:cNvPr id="8" name="Group 7">
-            <a:extLst>
-              <a:ext uri="{FF2B5EF4-FFF2-40B4-BE49-F238E27FC236}">
-                <a16:creationId xmlns:a16="http://schemas.microsoft.com/office/drawing/2014/main" id="{9CF0CA25-DD5C-41A6-B9AA-83D77EDAE165}"/>
-              </a:ext>
-            </a:extLst>
-          </p:cNvPr>
-          <p:cNvGrpSpPr/>
-          <p:nvPr/>
-        </p:nvGrpSpPr>
-        <p:grpSpPr>
-          <a:xfrm>
-            <a:off x="8229829" y="1100635"/>
-            <a:ext cx="4751431" cy="1197670"/>
-            <a:chOff x="6969987" y="1729605"/>
-            <a:chExt cx="4846707" cy="1221686"/>
-          </a:xfrm>
-        </p:grpSpPr>
-        <p:sp>
-          <p:nvSpPr>
-            <p:cNvPr id="9" name="Rectangle 8">
-              <a:extLst>
-                <a:ext uri="{FF2B5EF4-FFF2-40B4-BE49-F238E27FC236}">
-                  <a16:creationId xmlns:a16="http://schemas.microsoft.com/office/drawing/2014/main" id="{84D8F140-EBE9-4B23-A80F-7AE65FA5B665}"/>
-                </a:ext>
-              </a:extLst>
-            </p:cNvPr>
-            <p:cNvSpPr/>
-            <p:nvPr/>
-          </p:nvSpPr>
-          <p:spPr>
-            <a:xfrm>
-              <a:off x="6969987" y="1729605"/>
-              <a:ext cx="4190076" cy="767307"/>
-            </a:xfrm>
-            <a:prstGeom prst="rect">
-              <a:avLst/>
-            </a:prstGeom>
-          </p:spPr>
-          <p:style>
-            <a:lnRef idx="0">
-              <a:schemeClr val="dk1">
-                <a:alpha val="0"/>
-                <a:hueOff val="0"/>
-                <a:satOff val="0"/>
-                <a:lumOff val="0"/>
-                <a:alphaOff val="0"/>
-              </a:schemeClr>
-            </a:lnRef>
-            <a:fillRef idx="0">
-              <a:schemeClr val="lt1">
-                <a:alpha val="0"/>
-                <a:hueOff val="0"/>
-                <a:satOff val="0"/>
-                <a:lumOff val="0"/>
-                <a:alphaOff val="0"/>
-              </a:schemeClr>
-            </a:fillRef>
-            <a:effectRef idx="0">
-              <a:schemeClr val="lt1">
-                <a:alpha val="0"/>
-                <a:hueOff val="0"/>
-                <a:satOff val="0"/>
-                <a:lumOff val="0"/>
-                <a:alphaOff val="0"/>
-              </a:schemeClr>
-            </a:effectRef>
-            <a:fontRef idx="minor">
-              <a:schemeClr val="tx1">
-                <a:hueOff val="0"/>
-                <a:satOff val="0"/>
-                <a:lumOff val="0"/>
-                <a:alphaOff val="0"/>
-              </a:schemeClr>
-            </a:fontRef>
-          </p:style>
-        </p:sp>
-        <p:sp>
-          <p:nvSpPr>
-            <p:cNvPr id="10" name="TextBox 9">
-              <a:extLst>
-                <a:ext uri="{FF2B5EF4-FFF2-40B4-BE49-F238E27FC236}">
-                  <a16:creationId xmlns:a16="http://schemas.microsoft.com/office/drawing/2014/main" id="{3B7C323F-AFC8-4DBE-A46C-2C54DABB8702}"/>
-                </a:ext>
-              </a:extLst>
-            </p:cNvPr>
-            <p:cNvSpPr txBox="1"/>
-            <p:nvPr/>
-          </p:nvSpPr>
-          <p:spPr>
-            <a:xfrm>
-              <a:off x="7626618" y="2183984"/>
-              <a:ext cx="4190076" cy="767307"/>
-            </a:xfrm>
-            <a:prstGeom prst="rect">
-              <a:avLst/>
-            </a:prstGeom>
-          </p:spPr>
-          <p:style>
-            <a:lnRef idx="0">
-              <a:scrgbClr r="0" g="0" b="0"/>
-            </a:lnRef>
-            <a:fillRef idx="0">
-              <a:scrgbClr r="0" g="0" b="0"/>
-            </a:fillRef>
-            <a:effectRef idx="0">
-              <a:scrgbClr r="0" g="0" b="0"/>
-            </a:effectRef>
-            <a:fontRef idx="minor">
-              <a:schemeClr val="tx1">
-                <a:hueOff val="0"/>
-                <a:satOff val="0"/>
-                <a:lumOff val="0"/>
-                <a:alphaOff val="0"/>
-              </a:schemeClr>
-            </a:fontRef>
-          </p:style>
-          <p:txBody>
-            <a:bodyPr spcFirstLastPara="0" vert="horz" wrap="square" lIns="362628" tIns="0" rIns="0" bIns="0" numCol="1" spcCol="1270" anchor="t" anchorCtr="0">
-              <a:noAutofit/>
-            </a:bodyPr>
-            <a:lstStyle/>
-            <a:p>
-              <a:pPr marL="0" marR="0" lvl="0" indent="0" algn="l" defTabSz="784338" rtl="0" eaLnBrk="1" fontAlgn="auto" latinLnBrk="0" hangingPunct="1">
-                <a:lnSpc>
-                  <a:spcPct val="90000"/>
-                </a:lnSpc>
-                <a:spcBef>
-                  <a:spcPct val="0"/>
-                </a:spcBef>
-                <a:spcAft>
-                  <a:spcPct val="35000"/>
-                </a:spcAft>
-                <a:buClrTx/>
-                <a:buSzTx/>
-                <a:buFontTx/>
-                <a:buNone/>
-                <a:tabLst/>
-                <a:defRPr/>
-              </a:pPr>
-              <a:r>
-                <a:rPr kumimoji="0" lang="en-US" sz="1765" b="1" i="0" u="none" strike="noStrike" kern="1200" cap="none" spc="0" normalizeH="0" baseline="0" noProof="0" dirty="0">
-                  <a:ln>
-                    <a:noFill/>
-                  </a:ln>
-                  <a:solidFill>
-                    <a:srgbClr val="505050">
-                      <a:hueOff val="0"/>
-                      <a:satOff val="0"/>
-                      <a:lumOff val="0"/>
-                      <a:alphaOff val="0"/>
-                    </a:srgbClr>
-                  </a:solidFill>
-                  <a:effectLst/>
-                  <a:uLnTx/>
-                  <a:uFillTx/>
-                  <a:latin typeface="Segoe UI"/>
-                  <a:ea typeface="+mn-ea"/>
-                  <a:cs typeface="+mn-cs"/>
-                </a:rPr>
-                <a:t>Aug 2017- .NET Core 2</a:t>
-              </a:r>
-            </a:p>
-          </p:txBody>
-        </p:sp>
-      </p:grpSp>
-      <p:pic>
-        <p:nvPicPr>
-          <p:cNvPr id="11" name="Picture 10">
-            <a:extLst>
-              <a:ext uri="{FF2B5EF4-FFF2-40B4-BE49-F238E27FC236}">
-                <a16:creationId xmlns:a16="http://schemas.microsoft.com/office/drawing/2014/main" id="{B2AB1A76-79DF-4785-9519-5964F8E18851}"/>
-              </a:ext>
-            </a:extLst>
-          </p:cNvPr>
-          <p:cNvPicPr>
-            <a:picLocks noChangeAspect="1"/>
-          </p:cNvPicPr>
-          <p:nvPr/>
-        </p:nvPicPr>
-        <p:blipFill>
-          <a:blip r:embed="rId8"/>
-          <a:stretch>
-            <a:fillRect/>
-          </a:stretch>
-        </p:blipFill>
-        <p:spPr>
-          <a:xfrm>
-            <a:off x="4102465" y="2871035"/>
-            <a:ext cx="832395" cy="794689"/>
-          </a:xfrm>
-          <a:prstGeom prst="rect">
-            <a:avLst/>
-          </a:prstGeom>
-        </p:spPr>
-      </p:pic>
-      <p:sp>
-        <p:nvSpPr>
-          <p:cNvPr id="14" name="Oval 13">
-            <a:extLst>
-              <a:ext uri="{FF2B5EF4-FFF2-40B4-BE49-F238E27FC236}">
-                <a16:creationId xmlns:a16="http://schemas.microsoft.com/office/drawing/2014/main" id="{1D84704B-6951-41A7-A82E-20E8AE73B860}"/>
-              </a:ext>
-            </a:extLst>
-          </p:cNvPr>
-          <p:cNvSpPr/>
-          <p:nvPr/>
-        </p:nvSpPr>
-        <p:spPr>
-          <a:xfrm>
-            <a:off x="6708585" y="1881751"/>
-            <a:ext cx="670912" cy="670912"/>
-          </a:xfrm>
-          <a:prstGeom prst="ellipse">
-            <a:avLst/>
-          </a:prstGeom>
-          <a:solidFill>
-            <a:schemeClr val="accent1"/>
-          </a:solidFill>
-        </p:spPr>
-        <p:style>
-          <a:lnRef idx="3">
-            <a:schemeClr val="lt1"/>
-          </a:lnRef>
-          <a:fillRef idx="1">
-            <a:schemeClr val="accent2"/>
-          </a:fillRef>
-          <a:effectRef idx="1">
-            <a:schemeClr val="accent2"/>
-          </a:effectRef>
-          <a:fontRef idx="minor">
-            <a:schemeClr val="lt1"/>
-          </a:fontRef>
-        </p:style>
-      </p:sp>
-      <p:sp>
-        <p:nvSpPr>
-          <p:cNvPr id="15" name="TextBox 14">
-            <a:extLst>
-              <a:ext uri="{FF2B5EF4-FFF2-40B4-BE49-F238E27FC236}">
-                <a16:creationId xmlns:a16="http://schemas.microsoft.com/office/drawing/2014/main" id="{878EE732-8F6E-4530-B186-0DB945052FAB}"/>
-              </a:ext>
-            </a:extLst>
-          </p:cNvPr>
-          <p:cNvSpPr txBox="1"/>
-          <p:nvPr/>
-        </p:nvSpPr>
-        <p:spPr>
-          <a:xfrm>
-            <a:off x="7118554" y="2538618"/>
-            <a:ext cx="4709526" cy="752223"/>
-          </a:xfrm>
-          <a:prstGeom prst="rect">
-            <a:avLst/>
-          </a:prstGeom>
-        </p:spPr>
-        <p:style>
-          <a:lnRef idx="0">
-            <a:scrgbClr r="0" g="0" b="0"/>
-          </a:lnRef>
-          <a:fillRef idx="0">
-            <a:scrgbClr r="0" g="0" b="0"/>
-          </a:fillRef>
-          <a:effectRef idx="0">
-            <a:scrgbClr r="0" g="0" b="0"/>
-          </a:effectRef>
-          <a:fontRef idx="minor">
-            <a:schemeClr val="tx1">
-              <a:hueOff val="0"/>
-              <a:satOff val="0"/>
-              <a:lumOff val="0"/>
-              <a:alphaOff val="0"/>
-            </a:schemeClr>
-          </a:fontRef>
-        </p:style>
-        <p:txBody>
-          <a:bodyPr spcFirstLastPara="0" vert="horz" wrap="square" lIns="362628" tIns="0" rIns="0" bIns="0" numCol="1" spcCol="1270" anchor="t" anchorCtr="0">
-            <a:noAutofit/>
-          </a:bodyPr>
-          <a:lstStyle/>
-          <a:p>
-            <a:pPr marL="0" marR="0" lvl="0" indent="0" algn="l" defTabSz="784338" rtl="0" eaLnBrk="1" fontAlgn="auto" latinLnBrk="0" hangingPunct="1">
-              <a:lnSpc>
-                <a:spcPct val="90000"/>
-              </a:lnSpc>
-              <a:spcBef>
-                <a:spcPct val="0"/>
-              </a:spcBef>
-              <a:spcAft>
-                <a:spcPct val="35000"/>
-              </a:spcAft>
-              <a:buClrTx/>
-              <a:buSzTx/>
-              <a:buFontTx/>
-              <a:buNone/>
-              <a:tabLst/>
-              <a:defRPr/>
-            </a:pPr>
-            <a:r>
-              <a:rPr kumimoji="0" lang="en-US" sz="1800" b="1" i="0" u="none" strike="noStrike" kern="1200" cap="none" spc="0" normalizeH="0" baseline="0" noProof="0" dirty="0">
-                <a:ln>
-                  <a:noFill/>
-                </a:ln>
-                <a:solidFill>
-                  <a:srgbClr val="505050">
-                    <a:hueOff val="0"/>
-                    <a:satOff val="0"/>
-                    <a:lumOff val="0"/>
-                    <a:alphaOff val="0"/>
-                  </a:srgbClr>
-                </a:solidFill>
-                <a:effectLst/>
-                <a:uLnTx/>
-                <a:uFillTx/>
-                <a:latin typeface="Segoe UI"/>
-                <a:ea typeface="+mn-ea"/>
-                <a:cs typeface="+mn-cs"/>
-              </a:rPr>
-              <a:t>2016-</a:t>
-            </a:r>
-            <a:r>
-              <a:rPr kumimoji="0" lang="en-US" sz="1800" b="0" i="0" u="none" strike="noStrike" kern="1200" cap="none" spc="0" normalizeH="0" baseline="0" noProof="0" dirty="0">
-                <a:ln>
-                  <a:noFill/>
-                </a:ln>
-                <a:solidFill>
-                  <a:srgbClr val="505050">
-                    <a:hueOff val="0"/>
-                    <a:satOff val="0"/>
-                    <a:lumOff val="0"/>
-                    <a:alphaOff val="0"/>
-                  </a:srgbClr>
-                </a:solidFill>
-                <a:effectLst/>
-                <a:uLnTx/>
-                <a:uFillTx/>
-                <a:latin typeface="Segoe UI"/>
-                <a:ea typeface="+mn-ea"/>
-                <a:cs typeface="+mn-cs"/>
-              </a:rPr>
-              <a:t> Mono project joins .NET Foundation</a:t>
-            </a:r>
-          </a:p>
-        </p:txBody>
-      </p:sp>
-      <p:pic>
-        <p:nvPicPr>
-          <p:cNvPr id="17" name="Picture 16">
-            <a:extLst>
-              <a:ext uri="{FF2B5EF4-FFF2-40B4-BE49-F238E27FC236}">
-                <a16:creationId xmlns:a16="http://schemas.microsoft.com/office/drawing/2014/main" id="{61658544-51AF-48C4-85CB-8B7EF4040BEE}"/>
-              </a:ext>
-            </a:extLst>
-          </p:cNvPr>
-          <p:cNvPicPr>
-            <a:picLocks noChangeAspect="1"/>
-          </p:cNvPicPr>
-          <p:nvPr/>
-        </p:nvPicPr>
-        <p:blipFill>
-          <a:blip r:embed="rId9">
-            <a:lum bright="70000" contrast="-70000"/>
-            <a:extLst>
-              <a:ext uri="{28A0092B-C50C-407E-A947-70E740481C1C}">
-                <a14:useLocalDpi xmlns:a14="http://schemas.microsoft.com/office/drawing/2010/main" val="0"/>
-              </a:ext>
-            </a:extLst>
-          </a:blip>
-          <a:stretch>
-            <a:fillRect/>
-          </a:stretch>
-        </p:blipFill>
-        <p:spPr>
-          <a:xfrm>
-            <a:off x="6861585" y="1996378"/>
-            <a:ext cx="405428" cy="483812"/>
-          </a:xfrm>
-          <a:prstGeom prst="rect">
-            <a:avLst/>
-          </a:prstGeom>
-        </p:spPr>
-      </p:pic>
-    </p:spTree>
-    <p:extLst>
-      <p:ext uri="{BB962C8B-B14F-4D97-AF65-F5344CB8AC3E}">
-        <p14:creationId xmlns:p14="http://schemas.microsoft.com/office/powerpoint/2010/main" val="711372276"/>
-      </p:ext>
-    </p:extLst>
-  </p:cSld>
-  <p:clrMapOvr>
-    <a:masterClrMapping/>
-  </p:clrMapOvr>
-  <p:transition>
-    <p:fade/>
-  </p:transition>
 </p:sld>
 </file>
 
@@ -39593,15 +40824,6 @@
 </file>
 
 <file path=customXml/item1.xml><?xml version="1.0" encoding="utf-8"?>
-<?mso-contentType ?>
-<FormTemplates xmlns="http://schemas.microsoft.com/sharepoint/v3/contenttype/forms">
-  <Display>DocumentLibraryForm</Display>
-  <Edit>DocumentLibraryForm</Edit>
-  <New>DocumentLibraryForm</New>
-</FormTemplates>
-</file>
-
-<file path=customXml/item2.xml><?xml version="1.0" encoding="utf-8"?>
 <p:properties xmlns:p="http://schemas.microsoft.com/office/2006/metadata/properties" xmlns:xsi="http://www.w3.org/2001/XMLSchema-instance" xmlns:pc="http://schemas.microsoft.com/office/infopath/2007/PartnerControls">
   <documentManagement>
     <_ip_UnifiedCompliancePolicyProperties xmlns="http://schemas.microsoft.com/sharepoint/v3" xsi:nil="true"/>
@@ -39610,7 +40832,7 @@
 </p:properties>
 </file>
 
-<file path=customXml/item3.xml><?xml version="1.0" encoding="utf-8"?>
+<file path=customXml/item2.xml><?xml version="1.0" encoding="utf-8"?>
 <ct:contentTypeSchema xmlns:ct="http://schemas.microsoft.com/office/2006/metadata/contentType" xmlns:ma="http://schemas.microsoft.com/office/2006/metadata/properties/metaAttributes" ct:_="" ma:_="" ma:contentTypeName="Document" ma:contentTypeID="0x01010022F88B0CCF1BBA489747F146E6B5E06D" ma:contentTypeVersion="10" ma:contentTypeDescription="Create a new document." ma:contentTypeScope="" ma:versionID="e1162cc15dbfb914ec52a789942caef8">
   <xsd:schema xmlns:xsd="http://www.w3.org/2001/XMLSchema" xmlns:xs="http://www.w3.org/2001/XMLSchema" xmlns:p="http://schemas.microsoft.com/office/2006/metadata/properties" xmlns:ns1="http://schemas.microsoft.com/sharepoint/v3" xmlns:ns2="569b343d-e775-480b-9b2b-6a6986deb9b0" xmlns:ns3="11245976-3b4d-4794-a754-317688483df2" targetNamespace="http://schemas.microsoft.com/office/2006/metadata/properties" ma:root="true" ma:fieldsID="158813283217a5160f6383901b0d05a5" ns1:_="" ns2:_="" ns3:_="">
     <xsd:import namespace="http://schemas.microsoft.com/sharepoint/v3"/>
@@ -39818,33 +41040,34 @@
 </ct:contentTypeSchema>
 </file>
 
-<file path=customXml/itemProps1.xml><?xml version="1.0" encoding="utf-8"?>
-<ds:datastoreItem xmlns:ds="http://schemas.openxmlformats.org/officeDocument/2006/customXml" ds:itemID="{093821A7-5528-48BE-BD00-067FBFDD28D5}">
-  <ds:schemaRefs>
-    <ds:schemaRef ds:uri="http://schemas.microsoft.com/sharepoint/v3/contenttype/forms"/>
-  </ds:schemaRefs>
-</ds:datastoreItem>
+<file path=customXml/item3.xml><?xml version="1.0" encoding="utf-8"?>
+<?mso-contentType ?>
+<FormTemplates xmlns="http://schemas.microsoft.com/sharepoint/v3/contenttype/forms">
+  <Display>DocumentLibraryForm</Display>
+  <Edit>DocumentLibraryForm</Edit>
+  <New>DocumentLibraryForm</New>
+</FormTemplates>
 </file>
 
-<file path=customXml/itemProps2.xml><?xml version="1.0" encoding="utf-8"?>
+<file path=customXml/itemProps1.xml><?xml version="1.0" encoding="utf-8"?>
 <ds:datastoreItem xmlns:ds="http://schemas.openxmlformats.org/officeDocument/2006/customXml" ds:itemID="{D23E43D6-DB2F-4C33-A8C8-D28F777A5DE7}">
   <ds:schemaRefs>
+    <ds:schemaRef ds:uri="http://purl.org/dc/elements/1.1/"/>
     <ds:schemaRef ds:uri="http://schemas.microsoft.com/office/2006/metadata/properties"/>
+    <ds:schemaRef ds:uri="569b343d-e775-480b-9b2b-6a6986deb9b0"/>
     <ds:schemaRef ds:uri="11245976-3b4d-4794-a754-317688483df2"/>
+    <ds:schemaRef ds:uri="http://purl.org/dc/terms/"/>
+    <ds:schemaRef ds:uri="http://schemas.microsoft.com/office/infopath/2007/PartnerControls"/>
+    <ds:schemaRef ds:uri="http://schemas.microsoft.com/office/2006/documentManagement/types"/>
+    <ds:schemaRef ds:uri="http://schemas.openxmlformats.org/package/2006/metadata/core-properties"/>
     <ds:schemaRef ds:uri="http://schemas.microsoft.com/sharepoint/v3"/>
-    <ds:schemaRef ds:uri="http://purl.org/dc/terms/"/>
-    <ds:schemaRef ds:uri="http://schemas.microsoft.com/office/2006/documentManagement/types"/>
-    <ds:schemaRef ds:uri="http://schemas.microsoft.com/office/infopath/2007/PartnerControls"/>
-    <ds:schemaRef ds:uri="http://schemas.openxmlformats.org/package/2006/metadata/core-properties"/>
-    <ds:schemaRef ds:uri="http://purl.org/dc/elements/1.1/"/>
-    <ds:schemaRef ds:uri="569b343d-e775-480b-9b2b-6a6986deb9b0"/>
     <ds:schemaRef ds:uri="http://www.w3.org/XML/1998/namespace"/>
     <ds:schemaRef ds:uri="http://purl.org/dc/dcmitype/"/>
   </ds:schemaRefs>
 </ds:datastoreItem>
 </file>
 
-<file path=customXml/itemProps3.xml><?xml version="1.0" encoding="utf-8"?>
+<file path=customXml/itemProps2.xml><?xml version="1.0" encoding="utf-8"?>
 <ds:datastoreItem xmlns:ds="http://schemas.openxmlformats.org/officeDocument/2006/customXml" ds:itemID="{345A321A-8CE3-45D5-9A72-BB0D8FA29E2D}">
   <ds:schemaRefs>
     <ds:schemaRef ds:uri="http://schemas.microsoft.com/office/2006/metadata/contentType"/>
@@ -39862,4 +41085,12 @@
     <ds:schemaRef ds:uri="http://schemas.microsoft.com/internal/obd"/>
   </ds:schemaRefs>
 </ds:datastoreItem>
+</file>
+
+<file path=customXml/itemProps3.xml><?xml version="1.0" encoding="utf-8"?>
+<ds:datastoreItem xmlns:ds="http://schemas.openxmlformats.org/officeDocument/2006/customXml" ds:itemID="{093821A7-5528-48BE-BD00-067FBFDD28D5}">
+  <ds:schemaRefs>
+    <ds:schemaRef ds:uri="http://schemas.microsoft.com/sharepoint/v3/contenttype/forms"/>
+  </ds:schemaRefs>
+</ds:datastoreItem>
 </file>